--- a/Tài liệu/Presentation.pptx
+++ b/Tài liệu/Presentation.pptx
@@ -5193,10 +5193,10 @@
     <dgm:cxn modelId="{83D4AE28-8AFC-43B1-9046-F2BF8400958F}" srcId="{54933AF8-F46B-4297-BD68-0AD5E2FC1134}" destId="{7D15F107-E86D-4CB8-842E-D2936FD24D27}" srcOrd="5" destOrd="0" parTransId="{62BFFEB0-68D6-4A6D-BFA4-CE0FEA8CEF21}" sibTransId="{C4A1FF52-CE10-40B0-8465-9CFBE4C8A908}"/>
     <dgm:cxn modelId="{7FA66641-FE26-4F51-9295-2B404493219C}" srcId="{54933AF8-F46B-4297-BD68-0AD5E2FC1134}" destId="{8CCD5DB5-2906-4DF0-8CCF-8F04589DF73F}" srcOrd="0" destOrd="0" parTransId="{1396B7B8-3AA8-4AF2-89B4-F1F7092DB234}" sibTransId="{A476D4AD-6887-4497-9084-6F98A1BBC683}"/>
     <dgm:cxn modelId="{13566C42-E6A8-4CC4-8EFC-9E915D9BB59B}" type="presOf" srcId="{897DA852-BCC5-4D32-9450-04E76EAC9665}" destId="{1C363516-EC1C-4414-AC0D-8EB0CCE714D5}" srcOrd="0" destOrd="0" presId="urn:microsoft.com/office/officeart/2005/8/layout/default"/>
+    <dgm:cxn modelId="{0FD7D368-02E0-4913-8161-D44EC444B709}" srcId="{54933AF8-F46B-4297-BD68-0AD5E2FC1134}" destId="{84E0946A-4C74-4522-9A19-027A7E31592F}" srcOrd="6" destOrd="0" parTransId="{8C7ECBB2-91AB-4AF7-9A86-C15DA31B91C6}" sibTransId="{02327E5D-BC8F-4E38-943B-4D26ADCD36A2}"/>
     <dgm:cxn modelId="{538FD44F-435B-41C8-A330-8D3EC5256EF7}" type="presOf" srcId="{7D15F107-E86D-4CB8-842E-D2936FD24D27}" destId="{CBF5D0F7-C99A-45D1-A78B-BAA1CFD05B46}" srcOrd="0" destOrd="0" presId="urn:microsoft.com/office/officeart/2005/8/layout/default"/>
+    <dgm:cxn modelId="{7262E070-7CDA-446C-BCCE-D7BB8A1DB0FA}" type="presOf" srcId="{39746F4D-288F-42B3-B9A5-1DCB5B022CBC}" destId="{B7720ABC-ED7B-4F4C-BA24-3C7689BE391B}" srcOrd="0" destOrd="0" presId="urn:microsoft.com/office/officeart/2005/8/layout/default"/>
     <dgm:cxn modelId="{39F8BC52-6562-48DF-A9BB-A82B9303555E}" srcId="{54933AF8-F46B-4297-BD68-0AD5E2FC1134}" destId="{897DA852-BCC5-4D32-9450-04E76EAC9665}" srcOrd="1" destOrd="0" parTransId="{8C662104-59B9-43A3-B155-600AA50FBB45}" sibTransId="{8C6FE9EF-0D4E-4BCF-9E32-B30A7DBEE6F0}"/>
-    <dgm:cxn modelId="{0FD7D368-02E0-4913-8161-D44EC444B709}" srcId="{54933AF8-F46B-4297-BD68-0AD5E2FC1134}" destId="{84E0946A-4C74-4522-9A19-027A7E31592F}" srcOrd="6" destOrd="0" parTransId="{8C7ECBB2-91AB-4AF7-9A86-C15DA31B91C6}" sibTransId="{02327E5D-BC8F-4E38-943B-4D26ADCD36A2}"/>
-    <dgm:cxn modelId="{7262E070-7CDA-446C-BCCE-D7BB8A1DB0FA}" type="presOf" srcId="{39746F4D-288F-42B3-B9A5-1DCB5B022CBC}" destId="{B7720ABC-ED7B-4F4C-BA24-3C7689BE391B}" srcOrd="0" destOrd="0" presId="urn:microsoft.com/office/officeart/2005/8/layout/default"/>
     <dgm:cxn modelId="{53667A74-33BD-486B-9563-FADF09B8BE50}" type="presOf" srcId="{FEFD10A6-4C38-481E-87A4-E5F6E56EF692}" destId="{A4BCAB88-085F-4AC6-802B-9F6E87796E7F}" srcOrd="0" destOrd="0" presId="urn:microsoft.com/office/officeart/2005/8/layout/default"/>
     <dgm:cxn modelId="{DDA34B78-1D3C-45A5-8237-A907B7BE901C}" srcId="{54933AF8-F46B-4297-BD68-0AD5E2FC1134}" destId="{FEFD10A6-4C38-481E-87A4-E5F6E56EF692}" srcOrd="7" destOrd="0" parTransId="{B491F373-7A1D-4C94-BA77-4207F8493A38}" sibTransId="{9192921B-2305-4D0A-9E59-F07D82DEA42A}"/>
     <dgm:cxn modelId="{8EFB1C81-62BA-1E42-B441-6B202BBCB43B}" srcId="{54933AF8-F46B-4297-BD68-0AD5E2FC1134}" destId="{BF77C006-EB78-2740-A49D-6FF1738049BD}" srcOrd="10" destOrd="0" parTransId="{AC0179B8-16D3-A744-93C8-B51471F3851C}" sibTransId="{A5F5AB49-4E85-2740-AF30-287E0C84299F}"/>
@@ -13032,7 +13032,7 @@
           <a:p>
             <a:fld id="{FE0A5D6F-A89E-2043-B3AB-A491938E9841}" type="datetimeFigureOut">
               <a:rPr lang="en-US" smtClean="0"/>
-              <a:t>6/20/20</a:t>
+              <a:t>6/20/2020</a:t>
             </a:fld>
             <a:endParaRPr lang="en-US"/>
           </a:p>
@@ -14988,7 +14988,7 @@
           <a:p>
             <a:fld id="{09B66403-74D9-B54B-B1D2-8415CBC36E5B}" type="datetimeFigureOut">
               <a:rPr lang="en-US" smtClean="0"/>
-              <a:t>6/20/20</a:t>
+              <a:t>6/20/2020</a:t>
             </a:fld>
             <a:endParaRPr lang="en-US"/>
           </a:p>
@@ -15158,7 +15158,7 @@
           <a:p>
             <a:fld id="{09B66403-74D9-B54B-B1D2-8415CBC36E5B}" type="datetimeFigureOut">
               <a:rPr lang="en-US" smtClean="0"/>
-              <a:t>6/20/20</a:t>
+              <a:t>6/20/2020</a:t>
             </a:fld>
             <a:endParaRPr lang="en-US"/>
           </a:p>
@@ -15338,7 +15338,7 @@
           <a:p>
             <a:fld id="{09B66403-74D9-B54B-B1D2-8415CBC36E5B}" type="datetimeFigureOut">
               <a:rPr lang="en-US" smtClean="0"/>
-              <a:t>6/20/20</a:t>
+              <a:t>6/20/2020</a:t>
             </a:fld>
             <a:endParaRPr lang="en-US"/>
           </a:p>
@@ -19215,7 +19215,7 @@
           <a:p>
             <a:fld id="{09B66403-74D9-B54B-B1D2-8415CBC36E5B}" type="datetimeFigureOut">
               <a:rPr lang="en-US" smtClean="0"/>
-              <a:t>6/20/20</a:t>
+              <a:t>6/20/2020</a:t>
             </a:fld>
             <a:endParaRPr lang="en-US"/>
           </a:p>
@@ -19483,7 +19483,7 @@
           <a:p>
             <a:fld id="{09B66403-74D9-B54B-B1D2-8415CBC36E5B}" type="datetimeFigureOut">
               <a:rPr lang="en-US" smtClean="0"/>
-              <a:t>6/20/20</a:t>
+              <a:t>6/20/2020</a:t>
             </a:fld>
             <a:endParaRPr lang="en-US"/>
           </a:p>
@@ -19715,7 +19715,7 @@
           <a:p>
             <a:fld id="{09B66403-74D9-B54B-B1D2-8415CBC36E5B}" type="datetimeFigureOut">
               <a:rPr lang="en-US" smtClean="0"/>
-              <a:t>6/20/20</a:t>
+              <a:t>6/20/2020</a:t>
             </a:fld>
             <a:endParaRPr lang="en-US"/>
           </a:p>
@@ -20074,7 +20074,7 @@
           <a:p>
             <a:fld id="{09B66403-74D9-B54B-B1D2-8415CBC36E5B}" type="datetimeFigureOut">
               <a:rPr lang="en-US" smtClean="0"/>
-              <a:t>6/20/20</a:t>
+              <a:t>6/20/2020</a:t>
             </a:fld>
             <a:endParaRPr lang="en-US"/>
           </a:p>
@@ -20215,7 +20215,7 @@
           <a:p>
             <a:fld id="{09B66403-74D9-B54B-B1D2-8415CBC36E5B}" type="datetimeFigureOut">
               <a:rPr lang="en-US" smtClean="0"/>
-              <a:t>6/20/20</a:t>
+              <a:t>6/20/2020</a:t>
             </a:fld>
             <a:endParaRPr lang="en-US"/>
           </a:p>
@@ -20310,7 +20310,7 @@
           <a:p>
             <a:fld id="{09B66403-74D9-B54B-B1D2-8415CBC36E5B}" type="datetimeFigureOut">
               <a:rPr lang="en-US" smtClean="0"/>
-              <a:t>6/20/20</a:t>
+              <a:t>6/20/2020</a:t>
             </a:fld>
             <a:endParaRPr lang="en-US"/>
           </a:p>
@@ -20667,7 +20667,7 @@
           <a:p>
             <a:fld id="{09B66403-74D9-B54B-B1D2-8415CBC36E5B}" type="datetimeFigureOut">
               <a:rPr lang="en-US" smtClean="0"/>
-              <a:t>6/20/20</a:t>
+              <a:t>6/20/2020</a:t>
             </a:fld>
             <a:endParaRPr lang="en-US"/>
           </a:p>
@@ -21024,7 +21024,7 @@
           <a:p>
             <a:fld id="{09B66403-74D9-B54B-B1D2-8415CBC36E5B}" type="datetimeFigureOut">
               <a:rPr lang="en-US" smtClean="0"/>
-              <a:t>6/20/20</a:t>
+              <a:t>6/20/2020</a:t>
             </a:fld>
             <a:endParaRPr lang="en-US"/>
           </a:p>
@@ -21266,7 +21266,7 @@
           <a:p>
             <a:fld id="{09B66403-74D9-B54B-B1D2-8415CBC36E5B}" type="datetimeFigureOut">
               <a:rPr lang="en-US" smtClean="0"/>
-              <a:t>6/20/20</a:t>
+              <a:t>6/20/2020</a:t>
             </a:fld>
             <a:endParaRPr lang="en-US"/>
           </a:p>
@@ -21766,7 +21766,7 @@
         <p:spPr>
           <a:xfrm>
             <a:off x="5655733" y="361431"/>
-            <a:ext cx="6096000" cy="1697068"/>
+            <a:ext cx="6096000" cy="1420004"/>
           </a:xfrm>
           <a:prstGeom prst="rect">
             <a:avLst/>
@@ -21784,7 +21784,7 @@
               </a:lnSpc>
             </a:pPr>
             <a:r>
-              <a:rPr lang="en-US" sz="2400" b="1" dirty="0">
+              <a:rPr lang="en-US" sz="2000" b="1" dirty="0">
                 <a:solidFill>
                   <a:srgbClr val="0070C0"/>
                 </a:solidFill>
@@ -21794,7 +21794,7 @@
               <a:t>TR</a:t>
             </a:r>
             <a:r>
-              <a:rPr lang="vi-VN" sz="2400" b="1" dirty="0">
+              <a:rPr lang="vi-VN" sz="2000" b="1" dirty="0">
                 <a:solidFill>
                   <a:srgbClr val="0070C0"/>
                 </a:solidFill>
@@ -21804,7 +21804,7 @@
               <a:t>Ư</a:t>
             </a:r>
             <a:r>
-              <a:rPr lang="en-US" sz="2400" b="1" dirty="0">
+              <a:rPr lang="en-US" sz="2000" b="1" dirty="0">
                 <a:solidFill>
                   <a:srgbClr val="0070C0"/>
                 </a:solidFill>
@@ -21821,7 +21821,7 @@
               </a:lnSpc>
             </a:pPr>
             <a:r>
-              <a:rPr lang="en-US" sz="2400" b="1" dirty="0">
+              <a:rPr lang="en-US" sz="2000" b="1" dirty="0">
                 <a:solidFill>
                   <a:srgbClr val="0070C0"/>
                 </a:solidFill>
@@ -21838,7 +21838,7 @@
               </a:lnSpc>
             </a:pPr>
             <a:r>
-              <a:rPr lang="en-US" sz="2400" b="1" dirty="0">
+              <a:rPr lang="en-US" sz="2000" b="1" dirty="0">
                 <a:solidFill>
                   <a:srgbClr val="0070C0"/>
                 </a:solidFill>
@@ -32308,9 +32308,9 @@
       </p:par>
     </p:tnLst>
     <p:bldLst>
-      <p:bldP spid="29" grpId="0"/>
-      <p:bldP spid="29" grpId="1"/>
-      <p:bldP spid="29" grpId="2"/>
+      <p:bldP spid="29" grpId="0" animBg="1"/>
+      <p:bldP spid="29" grpId="1" animBg="1"/>
+      <p:bldP spid="29" grpId="2" animBg="1"/>
     </p:bldLst>
   </p:timing>
 </p:sld>

--- a/Tài liệu/Presentation.pptx
+++ b/Tài liệu/Presentation.pptx
@@ -13032,7 +13032,7 @@
           <a:p>
             <a:fld id="{FE0A5D6F-A89E-2043-B3AB-A491938E9841}" type="datetimeFigureOut">
               <a:rPr lang="en-US" smtClean="0"/>
-              <a:t>6/20/2020</a:t>
+              <a:t>6/21/2020</a:t>
             </a:fld>
             <a:endParaRPr lang="en-US"/>
           </a:p>
@@ -14988,7 +14988,7 @@
           <a:p>
             <a:fld id="{09B66403-74D9-B54B-B1D2-8415CBC36E5B}" type="datetimeFigureOut">
               <a:rPr lang="en-US" smtClean="0"/>
-              <a:t>6/20/2020</a:t>
+              <a:t>6/21/2020</a:t>
             </a:fld>
             <a:endParaRPr lang="en-US"/>
           </a:p>
@@ -15158,7 +15158,7 @@
           <a:p>
             <a:fld id="{09B66403-74D9-B54B-B1D2-8415CBC36E5B}" type="datetimeFigureOut">
               <a:rPr lang="en-US" smtClean="0"/>
-              <a:t>6/20/2020</a:t>
+              <a:t>6/21/2020</a:t>
             </a:fld>
             <a:endParaRPr lang="en-US"/>
           </a:p>
@@ -15338,7 +15338,7 @@
           <a:p>
             <a:fld id="{09B66403-74D9-B54B-B1D2-8415CBC36E5B}" type="datetimeFigureOut">
               <a:rPr lang="en-US" smtClean="0"/>
-              <a:t>6/20/2020</a:t>
+              <a:t>6/21/2020</a:t>
             </a:fld>
             <a:endParaRPr lang="en-US"/>
           </a:p>
@@ -19215,7 +19215,7 @@
           <a:p>
             <a:fld id="{09B66403-74D9-B54B-B1D2-8415CBC36E5B}" type="datetimeFigureOut">
               <a:rPr lang="en-US" smtClean="0"/>
-              <a:t>6/20/2020</a:t>
+              <a:t>6/21/2020</a:t>
             </a:fld>
             <a:endParaRPr lang="en-US"/>
           </a:p>
@@ -19483,7 +19483,7 @@
           <a:p>
             <a:fld id="{09B66403-74D9-B54B-B1D2-8415CBC36E5B}" type="datetimeFigureOut">
               <a:rPr lang="en-US" smtClean="0"/>
-              <a:t>6/20/2020</a:t>
+              <a:t>6/21/2020</a:t>
             </a:fld>
             <a:endParaRPr lang="en-US"/>
           </a:p>
@@ -19715,7 +19715,7 @@
           <a:p>
             <a:fld id="{09B66403-74D9-B54B-B1D2-8415CBC36E5B}" type="datetimeFigureOut">
               <a:rPr lang="en-US" smtClean="0"/>
-              <a:t>6/20/2020</a:t>
+              <a:t>6/21/2020</a:t>
             </a:fld>
             <a:endParaRPr lang="en-US"/>
           </a:p>
@@ -20074,7 +20074,7 @@
           <a:p>
             <a:fld id="{09B66403-74D9-B54B-B1D2-8415CBC36E5B}" type="datetimeFigureOut">
               <a:rPr lang="en-US" smtClean="0"/>
-              <a:t>6/20/2020</a:t>
+              <a:t>6/21/2020</a:t>
             </a:fld>
             <a:endParaRPr lang="en-US"/>
           </a:p>
@@ -20215,7 +20215,7 @@
           <a:p>
             <a:fld id="{09B66403-74D9-B54B-B1D2-8415CBC36E5B}" type="datetimeFigureOut">
               <a:rPr lang="en-US" smtClean="0"/>
-              <a:t>6/20/2020</a:t>
+              <a:t>6/21/2020</a:t>
             </a:fld>
             <a:endParaRPr lang="en-US"/>
           </a:p>
@@ -20310,7 +20310,7 @@
           <a:p>
             <a:fld id="{09B66403-74D9-B54B-B1D2-8415CBC36E5B}" type="datetimeFigureOut">
               <a:rPr lang="en-US" smtClean="0"/>
-              <a:t>6/20/2020</a:t>
+              <a:t>6/21/2020</a:t>
             </a:fld>
             <a:endParaRPr lang="en-US"/>
           </a:p>
@@ -20667,7 +20667,7 @@
           <a:p>
             <a:fld id="{09B66403-74D9-B54B-B1D2-8415CBC36E5B}" type="datetimeFigureOut">
               <a:rPr lang="en-US" smtClean="0"/>
-              <a:t>6/20/2020</a:t>
+              <a:t>6/21/2020</a:t>
             </a:fld>
             <a:endParaRPr lang="en-US"/>
           </a:p>
@@ -21024,7 +21024,7 @@
           <a:p>
             <a:fld id="{09B66403-74D9-B54B-B1D2-8415CBC36E5B}" type="datetimeFigureOut">
               <a:rPr lang="en-US" smtClean="0"/>
-              <a:t>6/20/2020</a:t>
+              <a:t>6/21/2020</a:t>
             </a:fld>
             <a:endParaRPr lang="en-US"/>
           </a:p>
@@ -21266,7 +21266,7 @@
           <a:p>
             <a:fld id="{09B66403-74D9-B54B-B1D2-8415CBC36E5B}" type="datetimeFigureOut">
               <a:rPr lang="en-US" smtClean="0"/>
-              <a:t>6/20/2020</a:t>
+              <a:t>6/21/2020</a:t>
             </a:fld>
             <a:endParaRPr lang="en-US"/>
           </a:p>
@@ -29153,6 +29153,14 @@
 <file path=ppt/slides/slide3.xml><?xml version="1.0" encoding="utf-8"?>
 <p:sld xmlns:a="http://schemas.openxmlformats.org/drawingml/2006/main" xmlns:r="http://schemas.openxmlformats.org/officeDocument/2006/relationships" xmlns:p="http://schemas.openxmlformats.org/presentationml/2006/main">
   <p:cSld>
+    <p:bg>
+      <p:bgPr>
+        <a:solidFill>
+          <a:schemeClr val="tx1"/>
+        </a:solidFill>
+        <a:effectLst/>
+      </p:bgPr>
+    </p:bg>
     <p:spTree>
       <p:nvGrpSpPr>
         <p:cNvPr id="1" name="Shape 433"/>
@@ -29169,379 +29177,129 @@
       </p:grpSpPr>
       <p:sp>
         <p:nvSpPr>
-          <p:cNvPr id="29" name="Title 1">
+          <p:cNvPr id="8" name="Google Shape;466;p26">
             <a:extLst>
               <a:ext uri="{FF2B5EF4-FFF2-40B4-BE49-F238E27FC236}">
-                <a16:creationId xmlns:a16="http://schemas.microsoft.com/office/drawing/2014/main" id="{BDD6C059-FC15-0C4E-89B9-7E618D101522}"/>
+                <a16:creationId xmlns:a16="http://schemas.microsoft.com/office/drawing/2014/main" id="{E03EE076-1645-41EC-877A-94873CBB4C03}"/>
               </a:ext>
             </a:extLst>
           </p:cNvPr>
           <p:cNvSpPr txBox="1">
-            <a:spLocks/>
+            <a:spLocks noGrp="1"/>
           </p:cNvSpPr>
-          <p:nvPr/>
+          <p:nvPr>
+            <p:ph type="ctrTitle"/>
+          </p:nvPr>
         </p:nvSpPr>
         <p:spPr>
           <a:xfrm>
-            <a:off x="3726610" y="3107059"/>
-            <a:ext cx="4391862" cy="1051394"/>
+            <a:off x="2295331" y="5924802"/>
+            <a:ext cx="7632440" cy="874003"/>
           </a:xfrm>
           <a:prstGeom prst="rect">
             <a:avLst/>
           </a:prstGeom>
-          <a:noFill/>
-          <a:ln>
-            <a:noFill/>
-          </a:ln>
         </p:spPr>
         <p:txBody>
-          <a:bodyPr spcFirstLastPara="1" vert="horz" wrap="square" lIns="274320" tIns="182880" rIns="274320" bIns="182880" rtlCol="0" anchor="ctr" anchorCtr="1">
+          <a:bodyPr spcFirstLastPara="1" vert="horz" lIns="274320" tIns="182880" rIns="274320" bIns="182880" rtlCol="0" anchor="ctr" anchorCtr="1">
             <a:normAutofit/>
           </a:bodyPr>
-          <a:lstStyle>
-            <a:defPPr marR="0" lvl="0" algn="l" rtl="0">
-              <a:lnSpc>
-                <a:spcPct val="100000"/>
-              </a:lnSpc>
+          <a:lstStyle/>
+          <a:p>
+            <a:pPr>
               <a:spcBef>
-                <a:spcPts val="0"/>
+                <a:spcPct val="0"/>
               </a:spcBef>
-              <a:spcAft>
-                <a:spcPts val="0"/>
-              </a:spcAft>
-            </a:defPPr>
-            <a:lvl1pPr marR="0" lvl="0" algn="ctr" rtl="0">
-              <a:lnSpc>
-                <a:spcPct val="100000"/>
-              </a:lnSpc>
-              <a:spcBef>
-                <a:spcPts val="0"/>
-              </a:spcBef>
-              <a:spcAft>
-                <a:spcPts val="0"/>
-              </a:spcAft>
-              <a:buClr>
-                <a:schemeClr val="lt1"/>
-              </a:buClr>
-              <a:buSzPts val="5200"/>
-              <a:buFont typeface="Share Tech"/>
-              <a:buNone/>
-              <a:defRPr sz="5200" b="0" i="0" u="none" strike="noStrike" cap="none">
-                <a:solidFill>
-                  <a:schemeClr val="lt1"/>
-                </a:solidFill>
-                <a:latin typeface="Share Tech"/>
-                <a:ea typeface="Share Tech"/>
-                <a:cs typeface="Share Tech"/>
-                <a:sym typeface="Share Tech"/>
-              </a:defRPr>
-            </a:lvl1pPr>
-            <a:lvl2pPr marR="0" lvl="1" algn="ctr" rtl="0">
-              <a:lnSpc>
-                <a:spcPct val="100000"/>
-              </a:lnSpc>
-              <a:spcBef>
-                <a:spcPts val="0"/>
-              </a:spcBef>
-              <a:spcAft>
-                <a:spcPts val="0"/>
-              </a:spcAft>
-              <a:buClr>
-                <a:schemeClr val="lt1"/>
-              </a:buClr>
-              <a:buSzPts val="5200"/>
-              <a:buFont typeface="Share Tech"/>
-              <a:buNone/>
-              <a:defRPr sz="5200" b="0" i="0" u="none" strike="noStrike" cap="none">
-                <a:solidFill>
-                  <a:schemeClr val="lt1"/>
-                </a:solidFill>
-                <a:latin typeface="Share Tech"/>
-                <a:ea typeface="Share Tech"/>
-                <a:cs typeface="Share Tech"/>
-                <a:sym typeface="Share Tech"/>
-              </a:defRPr>
-            </a:lvl2pPr>
-            <a:lvl3pPr marR="0" lvl="2" algn="ctr" rtl="0">
-              <a:lnSpc>
-                <a:spcPct val="100000"/>
-              </a:lnSpc>
-              <a:spcBef>
-                <a:spcPts val="0"/>
-              </a:spcBef>
-              <a:spcAft>
-                <a:spcPts val="0"/>
-              </a:spcAft>
-              <a:buClr>
-                <a:schemeClr val="lt1"/>
-              </a:buClr>
-              <a:buSzPts val="5200"/>
-              <a:buFont typeface="Share Tech"/>
-              <a:buNone/>
-              <a:defRPr sz="5200" b="0" i="0" u="none" strike="noStrike" cap="none">
-                <a:solidFill>
-                  <a:schemeClr val="lt1"/>
-                </a:solidFill>
-                <a:latin typeface="Share Tech"/>
-                <a:ea typeface="Share Tech"/>
-                <a:cs typeface="Share Tech"/>
-                <a:sym typeface="Share Tech"/>
-              </a:defRPr>
-            </a:lvl3pPr>
-            <a:lvl4pPr marR="0" lvl="3" algn="ctr" rtl="0">
-              <a:lnSpc>
-                <a:spcPct val="100000"/>
-              </a:lnSpc>
-              <a:spcBef>
-                <a:spcPts val="0"/>
-              </a:spcBef>
-              <a:spcAft>
-                <a:spcPts val="0"/>
-              </a:spcAft>
-              <a:buClr>
-                <a:schemeClr val="lt1"/>
-              </a:buClr>
-              <a:buSzPts val="5200"/>
-              <a:buFont typeface="Share Tech"/>
-              <a:buNone/>
-              <a:defRPr sz="5200" b="0" i="0" u="none" strike="noStrike" cap="none">
-                <a:solidFill>
-                  <a:schemeClr val="lt1"/>
-                </a:solidFill>
-                <a:latin typeface="Share Tech"/>
-                <a:ea typeface="Share Tech"/>
-                <a:cs typeface="Share Tech"/>
-                <a:sym typeface="Share Tech"/>
-              </a:defRPr>
-            </a:lvl4pPr>
-            <a:lvl5pPr marR="0" lvl="4" algn="ctr" rtl="0">
-              <a:lnSpc>
-                <a:spcPct val="100000"/>
-              </a:lnSpc>
-              <a:spcBef>
-                <a:spcPts val="0"/>
-              </a:spcBef>
-              <a:spcAft>
-                <a:spcPts val="0"/>
-              </a:spcAft>
-              <a:buClr>
-                <a:schemeClr val="lt1"/>
-              </a:buClr>
-              <a:buSzPts val="5200"/>
-              <a:buFont typeface="Share Tech"/>
-              <a:buNone/>
-              <a:defRPr sz="5200" b="0" i="0" u="none" strike="noStrike" cap="none">
-                <a:solidFill>
-                  <a:schemeClr val="lt1"/>
-                </a:solidFill>
-                <a:latin typeface="Share Tech"/>
-                <a:ea typeface="Share Tech"/>
-                <a:cs typeface="Share Tech"/>
-                <a:sym typeface="Share Tech"/>
-              </a:defRPr>
-            </a:lvl5pPr>
-            <a:lvl6pPr marR="0" lvl="5" algn="ctr" rtl="0">
-              <a:lnSpc>
-                <a:spcPct val="100000"/>
-              </a:lnSpc>
-              <a:spcBef>
-                <a:spcPts val="0"/>
-              </a:spcBef>
-              <a:spcAft>
-                <a:spcPts val="0"/>
-              </a:spcAft>
-              <a:buClr>
-                <a:schemeClr val="lt1"/>
-              </a:buClr>
-              <a:buSzPts val="5200"/>
-              <a:buFont typeface="Share Tech"/>
-              <a:buNone/>
-              <a:defRPr sz="5200" b="0" i="0" u="none" strike="noStrike" cap="none">
-                <a:solidFill>
-                  <a:schemeClr val="lt1"/>
-                </a:solidFill>
-                <a:latin typeface="Share Tech"/>
-                <a:ea typeface="Share Tech"/>
-                <a:cs typeface="Share Tech"/>
-                <a:sym typeface="Share Tech"/>
-              </a:defRPr>
-            </a:lvl6pPr>
-            <a:lvl7pPr marR="0" lvl="6" algn="ctr" rtl="0">
-              <a:lnSpc>
-                <a:spcPct val="100000"/>
-              </a:lnSpc>
-              <a:spcBef>
-                <a:spcPts val="0"/>
-              </a:spcBef>
-              <a:spcAft>
-                <a:spcPts val="0"/>
-              </a:spcAft>
-              <a:buClr>
-                <a:schemeClr val="lt1"/>
-              </a:buClr>
-              <a:buSzPts val="5200"/>
-              <a:buFont typeface="Share Tech"/>
-              <a:buNone/>
-              <a:defRPr sz="5200" b="0" i="0" u="none" strike="noStrike" cap="none">
-                <a:solidFill>
-                  <a:schemeClr val="lt1"/>
-                </a:solidFill>
-                <a:latin typeface="Share Tech"/>
-                <a:ea typeface="Share Tech"/>
-                <a:cs typeface="Share Tech"/>
-                <a:sym typeface="Share Tech"/>
-              </a:defRPr>
-            </a:lvl7pPr>
-            <a:lvl8pPr marR="0" lvl="7" algn="ctr" rtl="0">
-              <a:lnSpc>
-                <a:spcPct val="100000"/>
-              </a:lnSpc>
-              <a:spcBef>
-                <a:spcPts val="0"/>
-              </a:spcBef>
-              <a:spcAft>
-                <a:spcPts val="0"/>
-              </a:spcAft>
-              <a:buClr>
-                <a:schemeClr val="lt1"/>
-              </a:buClr>
-              <a:buSzPts val="5200"/>
-              <a:buFont typeface="Share Tech"/>
-              <a:buNone/>
-              <a:defRPr sz="5200" b="0" i="0" u="none" strike="noStrike" cap="none">
-                <a:solidFill>
-                  <a:schemeClr val="lt1"/>
-                </a:solidFill>
-                <a:latin typeface="Share Tech"/>
-                <a:ea typeface="Share Tech"/>
-                <a:cs typeface="Share Tech"/>
-                <a:sym typeface="Share Tech"/>
-              </a:defRPr>
-            </a:lvl8pPr>
-            <a:lvl9pPr marR="0" lvl="8" algn="ctr" rtl="0">
-              <a:lnSpc>
-                <a:spcPct val="100000"/>
-              </a:lnSpc>
-              <a:spcBef>
-                <a:spcPts val="0"/>
-              </a:spcBef>
-              <a:spcAft>
-                <a:spcPts val="0"/>
-              </a:spcAft>
-              <a:buClr>
-                <a:schemeClr val="lt1"/>
-              </a:buClr>
-              <a:buSzPts val="5200"/>
-              <a:buFont typeface="Share Tech"/>
-              <a:buNone/>
-              <a:defRPr sz="5200" b="0" i="0" u="none" strike="noStrike" cap="none">
-                <a:solidFill>
-                  <a:schemeClr val="lt1"/>
-                </a:solidFill>
-                <a:latin typeface="Share Tech"/>
-                <a:ea typeface="Share Tech"/>
-                <a:cs typeface="Share Tech"/>
-                <a:sym typeface="Share Tech"/>
-              </a:defRPr>
-            </a:lvl9pPr>
-          </a:lstStyle>
-          <a:p>
-            <a:r>
-              <a:rPr lang="en-US" sz="3200" b="1" dirty="0">
-                <a:solidFill>
-                  <a:schemeClr val="tx1"/>
-                </a:solidFill>
-                <a:latin typeface="Segoe UI" panose="020B0502040204020203" pitchFamily="34" charset="0"/>
-                <a:cs typeface="Segoe UI" panose="020B0502040204020203" pitchFamily="34" charset="0"/>
-              </a:rPr>
-              <a:t>2.1 </a:t>
-            </a:r>
-            <a:r>
-              <a:rPr lang="en-US" sz="3200" b="1" dirty="0" err="1">
-                <a:solidFill>
-                  <a:schemeClr val="tx1"/>
-                </a:solidFill>
-                <a:latin typeface="Segoe UI" panose="020B0502040204020203" pitchFamily="34" charset="0"/>
-                <a:cs typeface="Segoe UI" panose="020B0502040204020203" pitchFamily="34" charset="0"/>
-              </a:rPr>
-              <a:t>Nhu</a:t>
-            </a:r>
-            <a:r>
-              <a:rPr lang="en-US" sz="3200" b="1" dirty="0">
-                <a:solidFill>
-                  <a:schemeClr val="tx1"/>
-                </a:solidFill>
-                <a:latin typeface="Segoe UI" panose="020B0502040204020203" pitchFamily="34" charset="0"/>
-                <a:cs typeface="Segoe UI" panose="020B0502040204020203" pitchFamily="34" charset="0"/>
-              </a:rPr>
+            </a:pPr>
+            <a:r>
+              <a:rPr lang="en-US" sz="3200"/>
+              <a:t>2. </a:t>
+            </a:r>
+            <a:r>
+              <a:rPr lang="en-US" sz="3200" dirty="0" err="1"/>
+              <a:t>nhu</a:t>
+            </a:r>
+            <a:r>
+              <a:rPr lang="en-US" sz="3200" dirty="0"/>
               <a:t> </a:t>
             </a:r>
             <a:r>
-              <a:rPr lang="en-US" sz="3200" b="1" dirty="0" err="1">
-                <a:solidFill>
-                  <a:schemeClr val="tx1"/>
-                </a:solidFill>
-                <a:latin typeface="Segoe UI" panose="020B0502040204020203" pitchFamily="34" charset="0"/>
-                <a:cs typeface="Segoe UI" panose="020B0502040204020203" pitchFamily="34" charset="0"/>
-              </a:rPr>
+              <a:rPr lang="en-US" sz="3200" dirty="0" err="1"/>
               <a:t>cầu</a:t>
             </a:r>
             <a:r>
-              <a:rPr lang="en-US" sz="3200" b="1" dirty="0">
-                <a:solidFill>
-                  <a:schemeClr val="tx1"/>
-                </a:solidFill>
-                <a:latin typeface="Segoe UI" panose="020B0502040204020203" pitchFamily="34" charset="0"/>
-                <a:cs typeface="Segoe UI" panose="020B0502040204020203" pitchFamily="34" charset="0"/>
-              </a:rPr>
-              <a:t> </a:t>
-            </a:r>
-            <a:r>
-              <a:rPr lang="en-US" sz="3200" b="1" dirty="0" err="1">
-                <a:solidFill>
-                  <a:schemeClr val="tx1"/>
-                </a:solidFill>
-                <a:latin typeface="Segoe UI" panose="020B0502040204020203" pitchFamily="34" charset="0"/>
-                <a:cs typeface="Segoe UI" panose="020B0502040204020203" pitchFamily="34" charset="0"/>
-              </a:rPr>
-              <a:t>giải</a:t>
-            </a:r>
-            <a:r>
-              <a:rPr lang="en-US" sz="3200" b="1" dirty="0">
-                <a:solidFill>
-                  <a:schemeClr val="tx1"/>
-                </a:solidFill>
-                <a:latin typeface="Segoe UI" panose="020B0502040204020203" pitchFamily="34" charset="0"/>
-                <a:cs typeface="Segoe UI" panose="020B0502040204020203" pitchFamily="34" charset="0"/>
-              </a:rPr>
-              <a:t> </a:t>
-            </a:r>
-            <a:r>
-              <a:rPr lang="en-US" sz="3200" b="1" dirty="0" err="1">
-                <a:solidFill>
-                  <a:schemeClr val="tx1"/>
-                </a:solidFill>
-                <a:latin typeface="Segoe UI" panose="020B0502040204020203" pitchFamily="34" charset="0"/>
-                <a:cs typeface="Segoe UI" panose="020B0502040204020203" pitchFamily="34" charset="0"/>
-              </a:rPr>
-              <a:t>quyết</a:t>
-            </a:r>
-            <a:endParaRPr lang="en-US" sz="3200" b="1" dirty="0">
-              <a:solidFill>
-                <a:schemeClr val="tx1"/>
-              </a:solidFill>
-              <a:latin typeface="Segoe UI" panose="020B0502040204020203" pitchFamily="34" charset="0"/>
-              <a:cs typeface="Segoe UI" panose="020B0502040204020203" pitchFamily="34" charset="0"/>
-            </a:endParaRPr>
+              <a:rPr lang="en-US" sz="3200" dirty="0"/>
+              <a:t> CẦN GIẢI QUYẾT</a:t>
+            </a:r>
           </a:p>
         </p:txBody>
       </p:sp>
+      <p:pic>
+        <p:nvPicPr>
+          <p:cNvPr id="15" name="Picture 14">
+            <a:extLst>
+              <a:ext uri="{FF2B5EF4-FFF2-40B4-BE49-F238E27FC236}">
+                <a16:creationId xmlns:a16="http://schemas.microsoft.com/office/drawing/2014/main" id="{925E0F76-7D39-4FC8-B061-A4A0DDE4DA49}"/>
+              </a:ext>
+            </a:extLst>
+          </p:cNvPr>
+          <p:cNvPicPr>
+            <a:picLocks noChangeAspect="1"/>
+          </p:cNvPicPr>
+          <p:nvPr/>
+        </p:nvPicPr>
+        <p:blipFill>
+          <a:blip r:embed="rId3"/>
+          <a:stretch>
+            <a:fillRect/>
+          </a:stretch>
+        </p:blipFill>
+        <p:spPr>
+          <a:xfrm>
+            <a:off x="2264229" y="884869"/>
+            <a:ext cx="6530435" cy="5039933"/>
+          </a:xfrm>
+          <a:prstGeom prst="rect">
+            <a:avLst/>
+          </a:prstGeom>
+        </p:spPr>
+      </p:pic>
+      <p:pic>
+        <p:nvPicPr>
+          <p:cNvPr id="16" name="Picture 15">
+            <a:extLst>
+              <a:ext uri="{FF2B5EF4-FFF2-40B4-BE49-F238E27FC236}">
+                <a16:creationId xmlns:a16="http://schemas.microsoft.com/office/drawing/2014/main" id="{1349CEA2-EEEF-490E-BF88-629B624B46BC}"/>
+              </a:ext>
+            </a:extLst>
+          </p:cNvPr>
+          <p:cNvPicPr>
+            <a:picLocks noChangeAspect="1"/>
+          </p:cNvPicPr>
+          <p:nvPr/>
+        </p:nvPicPr>
+        <p:blipFill>
+          <a:blip r:embed="rId4"/>
+          <a:stretch>
+            <a:fillRect/>
+          </a:stretch>
+        </p:blipFill>
+        <p:spPr>
+          <a:xfrm>
+            <a:off x="313771" y="3235050"/>
+            <a:ext cx="3257550" cy="2381250"/>
+          </a:xfrm>
+          <a:prstGeom prst="rect">
+            <a:avLst/>
+          </a:prstGeom>
+        </p:spPr>
+      </p:pic>
       <p:sp>
         <p:nvSpPr>
-          <p:cNvPr id="31" name="TextBox 30">
+          <p:cNvPr id="21" name="TextBox 20">
             <a:extLst>
               <a:ext uri="{FF2B5EF4-FFF2-40B4-BE49-F238E27FC236}">
-                <a16:creationId xmlns:a16="http://schemas.microsoft.com/office/drawing/2014/main" id="{4B7C1E47-BFDD-5740-B563-C05635D6A31B}"/>
+                <a16:creationId xmlns:a16="http://schemas.microsoft.com/office/drawing/2014/main" id="{E9591089-670C-4A39-9DA5-06B9D975D851}"/>
               </a:ext>
             </a:extLst>
           </p:cNvPr>
@@ -29550,30 +29308,158 @@
         </p:nvSpPr>
         <p:spPr>
           <a:xfrm>
-            <a:off x="3999941" y="1769438"/>
-            <a:ext cx="3845200" cy="914400"/>
+            <a:off x="532810" y="3352709"/>
+            <a:ext cx="1585283" cy="1200329"/>
           </a:xfrm>
           <a:prstGeom prst="rect">
             <a:avLst/>
           </a:prstGeom>
           <a:noFill/>
-          <a:ln>
-            <a:noFill/>
-          </a:ln>
         </p:spPr>
         <p:txBody>
-          <a:bodyPr spcFirstLastPara="1" vert="horz" wrap="none" lIns="274320" tIns="182880" rIns="274320" bIns="182880" rtlCol="0" anchor="ctr" anchorCtr="1">
-            <a:normAutofit/>
+          <a:bodyPr wrap="square" rtlCol="0">
+            <a:spAutoFit/>
           </a:bodyPr>
           <a:lstStyle/>
           <a:p>
-            <a:pPr algn="l"/>
-            <a:r>
-              <a:rPr lang="en-US" sz="3200" b="1" dirty="0">
-                <a:latin typeface="Segoe UI" panose="020B0502040204020203" pitchFamily="34" charset="0"/>
-                <a:cs typeface="Segoe UI" panose="020B0502040204020203" pitchFamily="34" charset="0"/>
-              </a:rPr>
-              <a:t>What are you doing?</a:t>
+            <a:r>
+              <a:rPr lang="en-US" sz="3600">
+                <a:solidFill>
+                  <a:schemeClr val="bg1"/>
+                </a:solidFill>
+              </a:rPr>
+              <a:t>I go to shools</a:t>
+            </a:r>
+            <a:endParaRPr lang="en-US" sz="3600" dirty="0">
+              <a:solidFill>
+                <a:schemeClr val="bg1"/>
+              </a:solidFill>
+            </a:endParaRPr>
+          </a:p>
+        </p:txBody>
+      </p:sp>
+      <p:pic>
+        <p:nvPicPr>
+          <p:cNvPr id="1026" name="Picture 2" descr="Sky Clipart Png - Blue Sky Thinking Png, Transparent Png ...">
+            <a:extLst>
+              <a:ext uri="{FF2B5EF4-FFF2-40B4-BE49-F238E27FC236}">
+                <a16:creationId xmlns:a16="http://schemas.microsoft.com/office/drawing/2014/main" id="{B48DC9D0-83A2-4BAB-8679-68165C0691CD}"/>
+              </a:ext>
+            </a:extLst>
+          </p:cNvPr>
+          <p:cNvPicPr>
+            <a:picLocks noChangeAspect="1" noChangeArrowheads="1"/>
+          </p:cNvPicPr>
+          <p:nvPr/>
+        </p:nvPicPr>
+        <p:blipFill>
+          <a:blip r:embed="rId5">
+            <a:extLst>
+              <a:ext uri="{28A0092B-C50C-407E-A947-70E740481C1C}">
+                <a14:useLocalDpi xmlns:a14="http://schemas.microsoft.com/office/drawing/2010/main" val="0"/>
+              </a:ext>
+            </a:extLst>
+          </a:blip>
+          <a:srcRect/>
+          <a:stretch>
+            <a:fillRect/>
+          </a:stretch>
+        </p:blipFill>
+        <p:spPr bwMode="auto">
+          <a:xfrm>
+            <a:off x="8157029" y="59195"/>
+            <a:ext cx="3558705" cy="2861199"/>
+          </a:xfrm>
+          <a:prstGeom prst="rect">
+            <a:avLst/>
+          </a:prstGeom>
+          <a:noFill/>
+          <a:extLst>
+            <a:ext uri="{909E8E84-426E-40DD-AFC4-6F175D3DCCD1}">
+              <a14:hiddenFill xmlns:a14="http://schemas.microsoft.com/office/drawing/2010/main">
+                <a:solidFill>
+                  <a:srgbClr val="FFFFFF"/>
+                </a:solidFill>
+              </a14:hiddenFill>
+            </a:ext>
+          </a:extLst>
+        </p:spPr>
+      </p:pic>
+      <p:sp>
+        <p:nvSpPr>
+          <p:cNvPr id="20" name="TextBox 19">
+            <a:extLst>
+              <a:ext uri="{FF2B5EF4-FFF2-40B4-BE49-F238E27FC236}">
+                <a16:creationId xmlns:a16="http://schemas.microsoft.com/office/drawing/2014/main" id="{AB781D65-0B08-4539-9DF6-4CEB117F0502}"/>
+              </a:ext>
+            </a:extLst>
+          </p:cNvPr>
+          <p:cNvSpPr txBox="1"/>
+          <p:nvPr/>
+        </p:nvSpPr>
+        <p:spPr>
+          <a:xfrm>
+            <a:off x="8881748" y="860386"/>
+            <a:ext cx="2323279" cy="523220"/>
+          </a:xfrm>
+          <a:prstGeom prst="rect">
+            <a:avLst/>
+          </a:prstGeom>
+          <a:noFill/>
+        </p:spPr>
+        <p:txBody>
+          <a:bodyPr wrap="square" rtlCol="0">
+            <a:spAutoFit/>
+          </a:bodyPr>
+          <a:lstStyle/>
+          <a:p>
+            <a:r>
+              <a:rPr lang="en-US" sz="2800" dirty="0" err="1">
+                <a:solidFill>
+                  <a:schemeClr val="bg1"/>
+                </a:solidFill>
+              </a:rPr>
+              <a:t>Tôi</a:t>
+            </a:r>
+            <a:r>
+              <a:rPr lang="en-US" sz="2800" dirty="0">
+                <a:solidFill>
+                  <a:schemeClr val="bg1"/>
+                </a:solidFill>
+              </a:rPr>
+              <a:t> </a:t>
+            </a:r>
+            <a:r>
+              <a:rPr lang="en-US" sz="2800" dirty="0" err="1">
+                <a:solidFill>
+                  <a:schemeClr val="bg1"/>
+                </a:solidFill>
+              </a:rPr>
+              <a:t>đi</a:t>
+            </a:r>
+            <a:r>
+              <a:rPr lang="en-US" sz="2800" dirty="0">
+                <a:solidFill>
+                  <a:schemeClr val="bg1"/>
+                </a:solidFill>
+              </a:rPr>
+              <a:t> </a:t>
+            </a:r>
+            <a:r>
+              <a:rPr lang="en-US" sz="2800" dirty="0" err="1">
+                <a:solidFill>
+                  <a:schemeClr val="bg1"/>
+                </a:solidFill>
+              </a:rPr>
+              <a:t>đến</a:t>
+            </a:r>
+            <a:r>
+              <a:rPr lang="en-US" sz="2800" dirty="0">
+                <a:solidFill>
+                  <a:schemeClr val="bg1"/>
+                </a:solidFill>
+              </a:rPr>
+              <a:t> …</a:t>
             </a:r>
           </a:p>
         </p:txBody>
@@ -29588,159 +29474,6 @@
   <p:clrMapOvr>
     <a:masterClrMapping/>
   </p:clrMapOvr>
-  <p:timing>
-    <p:tnLst>
-      <p:par>
-        <p:cTn id="1" dur="indefinite" restart="never" nodeType="tmRoot">
-          <p:childTnLst>
-            <p:seq concurrent="1" nextAc="seek">
-              <p:cTn id="2" dur="indefinite" nodeType="mainSeq">
-                <p:childTnLst>
-                  <p:par>
-                    <p:cTn id="3" fill="hold">
-                      <p:stCondLst>
-                        <p:cond delay="indefinite"/>
-                        <p:cond evt="onBegin" delay="0">
-                          <p:tn val="2"/>
-                        </p:cond>
-                      </p:stCondLst>
-                      <p:childTnLst>
-                        <p:par>
-                          <p:cTn id="4" fill="hold">
-                            <p:stCondLst>
-                              <p:cond delay="0"/>
-                            </p:stCondLst>
-                            <p:childTnLst>
-                              <p:par>
-                                <p:cTn id="5" presetID="22" presetClass="entr" presetSubtype="4" fill="hold" grpId="0" nodeType="withEffect">
-                                  <p:stCondLst>
-                                    <p:cond delay="0"/>
-                                  </p:stCondLst>
-                                  <p:childTnLst>
-                                    <p:set>
-                                      <p:cBhvr>
-                                        <p:cTn id="6" dur="1" fill="hold">
-                                          <p:stCondLst>
-                                            <p:cond delay="0"/>
-                                          </p:stCondLst>
-                                        </p:cTn>
-                                        <p:tgtEl>
-                                          <p:spTgt spid="29"/>
-                                        </p:tgtEl>
-                                        <p:attrNameLst>
-                                          <p:attrName>style.visibility</p:attrName>
-                                        </p:attrNameLst>
-                                      </p:cBhvr>
-                                      <p:to>
-                                        <p:strVal val="visible"/>
-                                      </p:to>
-                                    </p:set>
-                                    <p:animEffect transition="in" filter="wipe(down)">
-                                      <p:cBhvr>
-                                        <p:cTn id="7" dur="500"/>
-                                        <p:tgtEl>
-                                          <p:spTgt spid="29"/>
-                                        </p:tgtEl>
-                                      </p:cBhvr>
-                                    </p:animEffect>
-                                  </p:childTnLst>
-                                </p:cTn>
-                              </p:par>
-                              <p:par>
-                                <p:cTn id="8" presetID="1" presetClass="entr" presetSubtype="0" fill="hold" grpId="1" nodeType="withEffect">
-                                  <p:stCondLst>
-                                    <p:cond delay="0"/>
-                                  </p:stCondLst>
-                                  <p:childTnLst>
-                                    <p:set>
-                                      <p:cBhvr>
-                                        <p:cTn id="9" dur="1" fill="hold">
-                                          <p:stCondLst>
-                                            <p:cond delay="0"/>
-                                          </p:stCondLst>
-                                        </p:cTn>
-                                        <p:tgtEl>
-                                          <p:spTgt spid="29"/>
-                                        </p:tgtEl>
-                                        <p:attrNameLst>
-                                          <p:attrName>style.visibility</p:attrName>
-                                        </p:attrNameLst>
-                                      </p:cBhvr>
-                                      <p:to>
-                                        <p:strVal val="visible"/>
-                                      </p:to>
-                                    </p:set>
-                                  </p:childTnLst>
-                                </p:cTn>
-                              </p:par>
-                              <p:par>
-                                <p:cTn id="10" presetID="10" presetClass="entr" presetSubtype="0" fill="hold" grpId="2" nodeType="withEffect">
-                                  <p:stCondLst>
-                                    <p:cond delay="0"/>
-                                  </p:stCondLst>
-                                  <p:childTnLst>
-                                    <p:set>
-                                      <p:cBhvr>
-                                        <p:cTn id="11" dur="1" fill="hold">
-                                          <p:stCondLst>
-                                            <p:cond delay="0"/>
-                                          </p:stCondLst>
-                                        </p:cTn>
-                                        <p:tgtEl>
-                                          <p:spTgt spid="29"/>
-                                        </p:tgtEl>
-                                        <p:attrNameLst>
-                                          <p:attrName>style.visibility</p:attrName>
-                                        </p:attrNameLst>
-                                      </p:cBhvr>
-                                      <p:to>
-                                        <p:strVal val="visible"/>
-                                      </p:to>
-                                    </p:set>
-                                    <p:animEffect transition="in" filter="fade">
-                                      <p:cBhvr>
-                                        <p:cTn id="12" dur="500"/>
-                                        <p:tgtEl>
-                                          <p:spTgt spid="29"/>
-                                        </p:tgtEl>
-                                      </p:cBhvr>
-                                    </p:animEffect>
-                                  </p:childTnLst>
-                                </p:cTn>
-                              </p:par>
-                            </p:childTnLst>
-                          </p:cTn>
-                        </p:par>
-                      </p:childTnLst>
-                    </p:cTn>
-                  </p:par>
-                </p:childTnLst>
-              </p:cTn>
-              <p:prevCondLst>
-                <p:cond evt="onPrev" delay="0">
-                  <p:tgtEl>
-                    <p:sldTgt/>
-                  </p:tgtEl>
-                </p:cond>
-              </p:prevCondLst>
-              <p:nextCondLst>
-                <p:cond evt="onNext" delay="0">
-                  <p:tgtEl>
-                    <p:sldTgt/>
-                  </p:tgtEl>
-                </p:cond>
-              </p:nextCondLst>
-            </p:seq>
-          </p:childTnLst>
-        </p:cTn>
-      </p:par>
-    </p:tnLst>
-    <p:bldLst>
-      <p:bldP spid="29" grpId="0"/>
-      <p:bldP spid="29" grpId="1"/>
-      <p:bldP spid="29" grpId="2"/>
-    </p:bldLst>
-  </p:timing>
 </p:sld>
 </file>
 

--- a/Tài liệu/Presentation.pptx
+++ b/Tài liệu/Presentation.pptx
@@ -5193,10 +5193,10 @@
     <dgm:cxn modelId="{83D4AE28-8AFC-43B1-9046-F2BF8400958F}" srcId="{54933AF8-F46B-4297-BD68-0AD5E2FC1134}" destId="{7D15F107-E86D-4CB8-842E-D2936FD24D27}" srcOrd="5" destOrd="0" parTransId="{62BFFEB0-68D6-4A6D-BFA4-CE0FEA8CEF21}" sibTransId="{C4A1FF52-CE10-40B0-8465-9CFBE4C8A908}"/>
     <dgm:cxn modelId="{7FA66641-FE26-4F51-9295-2B404493219C}" srcId="{54933AF8-F46B-4297-BD68-0AD5E2FC1134}" destId="{8CCD5DB5-2906-4DF0-8CCF-8F04589DF73F}" srcOrd="0" destOrd="0" parTransId="{1396B7B8-3AA8-4AF2-89B4-F1F7092DB234}" sibTransId="{A476D4AD-6887-4497-9084-6F98A1BBC683}"/>
     <dgm:cxn modelId="{13566C42-E6A8-4CC4-8EFC-9E915D9BB59B}" type="presOf" srcId="{897DA852-BCC5-4D32-9450-04E76EAC9665}" destId="{1C363516-EC1C-4414-AC0D-8EB0CCE714D5}" srcOrd="0" destOrd="0" presId="urn:microsoft.com/office/officeart/2005/8/layout/default"/>
+    <dgm:cxn modelId="{538FD44F-435B-41C8-A330-8D3EC5256EF7}" type="presOf" srcId="{7D15F107-E86D-4CB8-842E-D2936FD24D27}" destId="{CBF5D0F7-C99A-45D1-A78B-BAA1CFD05B46}" srcOrd="0" destOrd="0" presId="urn:microsoft.com/office/officeart/2005/8/layout/default"/>
+    <dgm:cxn modelId="{39F8BC52-6562-48DF-A9BB-A82B9303555E}" srcId="{54933AF8-F46B-4297-BD68-0AD5E2FC1134}" destId="{897DA852-BCC5-4D32-9450-04E76EAC9665}" srcOrd="1" destOrd="0" parTransId="{8C662104-59B9-43A3-B155-600AA50FBB45}" sibTransId="{8C6FE9EF-0D4E-4BCF-9E32-B30A7DBEE6F0}"/>
     <dgm:cxn modelId="{0FD7D368-02E0-4913-8161-D44EC444B709}" srcId="{54933AF8-F46B-4297-BD68-0AD5E2FC1134}" destId="{84E0946A-4C74-4522-9A19-027A7E31592F}" srcOrd="6" destOrd="0" parTransId="{8C7ECBB2-91AB-4AF7-9A86-C15DA31B91C6}" sibTransId="{02327E5D-BC8F-4E38-943B-4D26ADCD36A2}"/>
-    <dgm:cxn modelId="{538FD44F-435B-41C8-A330-8D3EC5256EF7}" type="presOf" srcId="{7D15F107-E86D-4CB8-842E-D2936FD24D27}" destId="{CBF5D0F7-C99A-45D1-A78B-BAA1CFD05B46}" srcOrd="0" destOrd="0" presId="urn:microsoft.com/office/officeart/2005/8/layout/default"/>
     <dgm:cxn modelId="{7262E070-7CDA-446C-BCCE-D7BB8A1DB0FA}" type="presOf" srcId="{39746F4D-288F-42B3-B9A5-1DCB5B022CBC}" destId="{B7720ABC-ED7B-4F4C-BA24-3C7689BE391B}" srcOrd="0" destOrd="0" presId="urn:microsoft.com/office/officeart/2005/8/layout/default"/>
-    <dgm:cxn modelId="{39F8BC52-6562-48DF-A9BB-A82B9303555E}" srcId="{54933AF8-F46B-4297-BD68-0AD5E2FC1134}" destId="{897DA852-BCC5-4D32-9450-04E76EAC9665}" srcOrd="1" destOrd="0" parTransId="{8C662104-59B9-43A3-B155-600AA50FBB45}" sibTransId="{8C6FE9EF-0D4E-4BCF-9E32-B30A7DBEE6F0}"/>
     <dgm:cxn modelId="{53667A74-33BD-486B-9563-FADF09B8BE50}" type="presOf" srcId="{FEFD10A6-4C38-481E-87A4-E5F6E56EF692}" destId="{A4BCAB88-085F-4AC6-802B-9F6E87796E7F}" srcOrd="0" destOrd="0" presId="urn:microsoft.com/office/officeart/2005/8/layout/default"/>
     <dgm:cxn modelId="{DDA34B78-1D3C-45A5-8237-A907B7BE901C}" srcId="{54933AF8-F46B-4297-BD68-0AD5E2FC1134}" destId="{FEFD10A6-4C38-481E-87A4-E5F6E56EF692}" srcOrd="7" destOrd="0" parTransId="{B491F373-7A1D-4C94-BA77-4207F8493A38}" sibTransId="{9192921B-2305-4D0A-9E59-F07D82DEA42A}"/>
     <dgm:cxn modelId="{8EFB1C81-62BA-1E42-B441-6B202BBCB43B}" srcId="{54933AF8-F46B-4297-BD68-0AD5E2FC1134}" destId="{BF77C006-EB78-2740-A49D-6FF1738049BD}" srcOrd="10" destOrd="0" parTransId="{AC0179B8-16D3-A744-93C8-B51471F3851C}" sibTransId="{A5F5AB49-4E85-2740-AF30-287E0C84299F}"/>
@@ -5266,7 +5266,7 @@
         <a:lstStyle/>
         <a:p>
           <a:r>
-            <a:rPr lang="vi-VN"/>
+            <a:rPr lang="vi-VN" dirty="0"/>
             <a:t>Cải thiện lại mã nguồn để dịch được chính xác và hợp lý hơn. </a:t>
           </a:r>
           <a:endParaRPr lang="en-US" dirty="0">
@@ -5516,7 +5516,7 @@
             <a:buChar char="•"/>
           </a:pPr>
           <a:r>
-            <a:rPr lang="vi-VN"/>
+            <a:rPr lang="vi-VN" dirty="0"/>
             <a:t>Thu thập thêm dữ liệu để mô hình huấn luyện và dịch chính xác hơn. </a:t>
           </a:r>
         </a:p>
@@ -8881,7 +8881,7 @@
             <a:buNone/>
           </a:pPr>
           <a:r>
-            <a:rPr lang="vi-VN" sz="1700" kern="1200"/>
+            <a:rPr lang="vi-VN" sz="1700" kern="1200" dirty="0"/>
             <a:t>Cải thiện lại mã nguồn để dịch được chính xác và hợp lý hơn. </a:t>
           </a:r>
           <a:endParaRPr lang="en-US" sz="1700" kern="1200" dirty="0">
@@ -9353,7 +9353,7 @@
             <a:buNone/>
           </a:pPr>
           <a:r>
-            <a:rPr lang="vi-VN" sz="1700" kern="1200"/>
+            <a:rPr lang="vi-VN" sz="1700" kern="1200" dirty="0"/>
             <a:t>Thu thập thêm dữ liệu để mô hình huấn luyện và dịch chính xác hơn. </a:t>
           </a:r>
         </a:p>
@@ -13032,7 +13032,7 @@
           <a:p>
             <a:fld id="{FE0A5D6F-A89E-2043-B3AB-A491938E9841}" type="datetimeFigureOut">
               <a:rPr lang="en-US" smtClean="0"/>
-              <a:t>6/21/2020</a:t>
+              <a:t>6/21/20</a:t>
             </a:fld>
             <a:endParaRPr lang="en-US"/>
           </a:p>
@@ -14988,7 +14988,7 @@
           <a:p>
             <a:fld id="{09B66403-74D9-B54B-B1D2-8415CBC36E5B}" type="datetimeFigureOut">
               <a:rPr lang="en-US" smtClean="0"/>
-              <a:t>6/21/2020</a:t>
+              <a:t>6/21/20</a:t>
             </a:fld>
             <a:endParaRPr lang="en-US"/>
           </a:p>
@@ -15158,7 +15158,7 @@
           <a:p>
             <a:fld id="{09B66403-74D9-B54B-B1D2-8415CBC36E5B}" type="datetimeFigureOut">
               <a:rPr lang="en-US" smtClean="0"/>
-              <a:t>6/21/2020</a:t>
+              <a:t>6/21/20</a:t>
             </a:fld>
             <a:endParaRPr lang="en-US"/>
           </a:p>
@@ -15338,7 +15338,7 @@
           <a:p>
             <a:fld id="{09B66403-74D9-B54B-B1D2-8415CBC36E5B}" type="datetimeFigureOut">
               <a:rPr lang="en-US" smtClean="0"/>
-              <a:t>6/21/2020</a:t>
+              <a:t>6/21/20</a:t>
             </a:fld>
             <a:endParaRPr lang="en-US"/>
           </a:p>
@@ -19215,7 +19215,7 @@
           <a:p>
             <a:fld id="{09B66403-74D9-B54B-B1D2-8415CBC36E5B}" type="datetimeFigureOut">
               <a:rPr lang="en-US" smtClean="0"/>
-              <a:t>6/21/2020</a:t>
+              <a:t>6/21/20</a:t>
             </a:fld>
             <a:endParaRPr lang="en-US"/>
           </a:p>
@@ -19483,7 +19483,7 @@
           <a:p>
             <a:fld id="{09B66403-74D9-B54B-B1D2-8415CBC36E5B}" type="datetimeFigureOut">
               <a:rPr lang="en-US" smtClean="0"/>
-              <a:t>6/21/2020</a:t>
+              <a:t>6/21/20</a:t>
             </a:fld>
             <a:endParaRPr lang="en-US"/>
           </a:p>
@@ -19715,7 +19715,7 @@
           <a:p>
             <a:fld id="{09B66403-74D9-B54B-B1D2-8415CBC36E5B}" type="datetimeFigureOut">
               <a:rPr lang="en-US" smtClean="0"/>
-              <a:t>6/21/2020</a:t>
+              <a:t>6/21/20</a:t>
             </a:fld>
             <a:endParaRPr lang="en-US"/>
           </a:p>
@@ -20074,7 +20074,7 @@
           <a:p>
             <a:fld id="{09B66403-74D9-B54B-B1D2-8415CBC36E5B}" type="datetimeFigureOut">
               <a:rPr lang="en-US" smtClean="0"/>
-              <a:t>6/21/2020</a:t>
+              <a:t>6/21/20</a:t>
             </a:fld>
             <a:endParaRPr lang="en-US"/>
           </a:p>
@@ -20215,7 +20215,7 @@
           <a:p>
             <a:fld id="{09B66403-74D9-B54B-B1D2-8415CBC36E5B}" type="datetimeFigureOut">
               <a:rPr lang="en-US" smtClean="0"/>
-              <a:t>6/21/2020</a:t>
+              <a:t>6/21/20</a:t>
             </a:fld>
             <a:endParaRPr lang="en-US"/>
           </a:p>
@@ -20310,7 +20310,7 @@
           <a:p>
             <a:fld id="{09B66403-74D9-B54B-B1D2-8415CBC36E5B}" type="datetimeFigureOut">
               <a:rPr lang="en-US" smtClean="0"/>
-              <a:t>6/21/2020</a:t>
+              <a:t>6/21/20</a:t>
             </a:fld>
             <a:endParaRPr lang="en-US"/>
           </a:p>
@@ -20667,7 +20667,7 @@
           <a:p>
             <a:fld id="{09B66403-74D9-B54B-B1D2-8415CBC36E5B}" type="datetimeFigureOut">
               <a:rPr lang="en-US" smtClean="0"/>
-              <a:t>6/21/2020</a:t>
+              <a:t>6/21/20</a:t>
             </a:fld>
             <a:endParaRPr lang="en-US"/>
           </a:p>
@@ -21024,7 +21024,7 @@
           <a:p>
             <a:fld id="{09B66403-74D9-B54B-B1D2-8415CBC36E5B}" type="datetimeFigureOut">
               <a:rPr lang="en-US" smtClean="0"/>
-              <a:t>6/21/2020</a:t>
+              <a:t>6/21/20</a:t>
             </a:fld>
             <a:endParaRPr lang="en-US"/>
           </a:p>
@@ -21266,7 +21266,7 @@
           <a:p>
             <a:fld id="{09B66403-74D9-B54B-B1D2-8415CBC36E5B}" type="datetimeFigureOut">
               <a:rPr lang="en-US" smtClean="0"/>
-              <a:t>6/21/2020</a:t>
+              <a:t>6/21/20</a:t>
             </a:fld>
             <a:endParaRPr lang="en-US"/>
           </a:p>
@@ -26003,7 +26003,7 @@
         <p:spPr>
           <a:xfrm>
             <a:off x="2055240" y="2041798"/>
-            <a:ext cx="8081519" cy="1387202"/>
+            <a:ext cx="8081519" cy="970343"/>
           </a:xfrm>
           <a:prstGeom prst="rect">
             <a:avLst/>
@@ -26021,47 +26021,6 @@
               <a:t>5. Giải pháp tổng quát</a:t>
             </a:r>
             <a:endParaRPr lang="en-US" dirty="0"/>
-          </a:p>
-        </p:txBody>
-      </p:sp>
-      <p:sp>
-        <p:nvSpPr>
-          <p:cNvPr id="3" name="TextBox 2">
-            <a:extLst>
-              <a:ext uri="{FF2B5EF4-FFF2-40B4-BE49-F238E27FC236}">
-                <a16:creationId xmlns:a16="http://schemas.microsoft.com/office/drawing/2014/main" id="{186DC9A3-5FC9-7D48-B3EB-5C92D21B1FF8}"/>
-              </a:ext>
-            </a:extLst>
-          </p:cNvPr>
-          <p:cNvSpPr txBox="1"/>
-          <p:nvPr/>
-        </p:nvSpPr>
-        <p:spPr>
-          <a:xfrm>
-            <a:off x="3210963" y="892410"/>
-            <a:ext cx="8486115" cy="4157784"/>
-          </a:xfrm>
-          <a:prstGeom prst="rect">
-            <a:avLst/>
-          </a:prstGeom>
-          <a:noFill/>
-          <a:ln>
-            <a:noFill/>
-          </a:ln>
-        </p:spPr>
-        <p:txBody>
-          <a:bodyPr spcFirstLastPara="1" vert="horz" wrap="square" lIns="365760" tIns="243840" rIns="365760" bIns="243840" rtlCol="0" anchor="ctr" anchorCtr="1">
-            <a:normAutofit/>
-          </a:bodyPr>
-          <a:lstStyle/>
-          <a:p>
-            <a:endParaRPr lang="en-US" sz="2667" b="1" dirty="0">
-              <a:solidFill>
-                <a:schemeClr val="bg1"/>
-              </a:solidFill>
-              <a:latin typeface="Segoe UI" panose="020B0502040204020203" pitchFamily="34" charset="0"/>
-              <a:cs typeface="Segoe UI" panose="020B0502040204020203" pitchFamily="34" charset="0"/>
-            </a:endParaRPr>
           </a:p>
         </p:txBody>
       </p:sp>
@@ -26367,24 +26326,489 @@
           </a:bodyPr>
           <a:lstStyle/>
           <a:p>
-            <a:pPr indent="-228600" defTabSz="914400">
+            <a:pPr defTabSz="914400">
               <a:spcBef>
                 <a:spcPts val="1000"/>
               </a:spcBef>
               <a:buClr>
                 <a:schemeClr val="accent2"/>
               </a:buClr>
-              <a:buFont typeface="Arial" panose="020B0604020202020204" pitchFamily="34" charset="0"/>
-              <a:buChar char="•"/>
             </a:pPr>
             <a:r>
-              <a:rPr lang="en-US">
+              <a:rPr lang="en-US" dirty="0" err="1">
                 <a:solidFill>
                   <a:srgbClr val="404040"/>
                 </a:solidFill>
               </a:rPr>
-              <a:t>Dịch máy (MT) là một trường con của ngôn ngữ học tính toán, tập trung vào việc dịch văn bản từ ngôn ngữ này sang ngôn ngữ khác.</a:t>
-            </a:r>
+              <a:t>Dịch</a:t>
+            </a:r>
+            <a:r>
+              <a:rPr lang="en-US" dirty="0">
+                <a:solidFill>
+                  <a:srgbClr val="404040"/>
+                </a:solidFill>
+              </a:rPr>
+              <a:t> </a:t>
+            </a:r>
+            <a:r>
+              <a:rPr lang="en-US" dirty="0" err="1">
+                <a:solidFill>
+                  <a:srgbClr val="404040"/>
+                </a:solidFill>
+              </a:rPr>
+              <a:t>máy</a:t>
+            </a:r>
+            <a:r>
+              <a:rPr lang="en-US" dirty="0">
+                <a:solidFill>
+                  <a:srgbClr val="404040"/>
+                </a:solidFill>
+              </a:rPr>
+              <a:t> (MT) </a:t>
+            </a:r>
+            <a:r>
+              <a:rPr lang="en-US" dirty="0" err="1">
+                <a:solidFill>
+                  <a:srgbClr val="404040"/>
+                </a:solidFill>
+              </a:rPr>
+              <a:t>là</a:t>
+            </a:r>
+            <a:r>
+              <a:rPr lang="en-US" dirty="0">
+                <a:solidFill>
+                  <a:srgbClr val="404040"/>
+                </a:solidFill>
+              </a:rPr>
+              <a:t> </a:t>
+            </a:r>
+            <a:r>
+              <a:rPr lang="en-US" dirty="0" err="1">
+                <a:solidFill>
+                  <a:srgbClr val="404040"/>
+                </a:solidFill>
+              </a:rPr>
+              <a:t>một</a:t>
+            </a:r>
+            <a:r>
+              <a:rPr lang="en-US" dirty="0">
+                <a:solidFill>
+                  <a:srgbClr val="404040"/>
+                </a:solidFill>
+              </a:rPr>
+              <a:t> </a:t>
+            </a:r>
+            <a:r>
+              <a:rPr lang="en-US" dirty="0" err="1">
+                <a:solidFill>
+                  <a:srgbClr val="404040"/>
+                </a:solidFill>
+              </a:rPr>
+              <a:t>trường</a:t>
+            </a:r>
+            <a:r>
+              <a:rPr lang="en-US" dirty="0">
+                <a:solidFill>
+                  <a:srgbClr val="404040"/>
+                </a:solidFill>
+              </a:rPr>
+              <a:t> con </a:t>
+            </a:r>
+            <a:r>
+              <a:rPr lang="en-US" dirty="0" err="1">
+                <a:solidFill>
+                  <a:srgbClr val="404040"/>
+                </a:solidFill>
+              </a:rPr>
+              <a:t>của</a:t>
+            </a:r>
+            <a:r>
+              <a:rPr lang="en-US" dirty="0">
+                <a:solidFill>
+                  <a:srgbClr val="404040"/>
+                </a:solidFill>
+              </a:rPr>
+              <a:t> </a:t>
+            </a:r>
+            <a:r>
+              <a:rPr lang="en-US" dirty="0" err="1">
+                <a:solidFill>
+                  <a:srgbClr val="404040"/>
+                </a:solidFill>
+              </a:rPr>
+              <a:t>ngôn</a:t>
+            </a:r>
+            <a:r>
+              <a:rPr lang="en-US" dirty="0">
+                <a:solidFill>
+                  <a:srgbClr val="404040"/>
+                </a:solidFill>
+              </a:rPr>
+              <a:t> </a:t>
+            </a:r>
+            <a:r>
+              <a:rPr lang="en-US" dirty="0" err="1">
+                <a:solidFill>
+                  <a:srgbClr val="404040"/>
+                </a:solidFill>
+              </a:rPr>
+              <a:t>ngữ</a:t>
+            </a:r>
+            <a:r>
+              <a:rPr lang="en-US" dirty="0">
+                <a:solidFill>
+                  <a:srgbClr val="404040"/>
+                </a:solidFill>
+              </a:rPr>
+              <a:t> </a:t>
+            </a:r>
+            <a:r>
+              <a:rPr lang="en-US" dirty="0" err="1">
+                <a:solidFill>
+                  <a:srgbClr val="404040"/>
+                </a:solidFill>
+              </a:rPr>
+              <a:t>học</a:t>
+            </a:r>
+            <a:r>
+              <a:rPr lang="en-US" dirty="0">
+                <a:solidFill>
+                  <a:srgbClr val="404040"/>
+                </a:solidFill>
+              </a:rPr>
+              <a:t> </a:t>
+            </a:r>
+            <a:r>
+              <a:rPr lang="en-US" dirty="0" err="1">
+                <a:solidFill>
+                  <a:srgbClr val="404040"/>
+                </a:solidFill>
+              </a:rPr>
+              <a:t>tính</a:t>
+            </a:r>
+            <a:r>
+              <a:rPr lang="en-US" dirty="0">
+                <a:solidFill>
+                  <a:srgbClr val="404040"/>
+                </a:solidFill>
+              </a:rPr>
+              <a:t> </a:t>
+            </a:r>
+            <a:r>
+              <a:rPr lang="en-US" dirty="0" err="1">
+                <a:solidFill>
+                  <a:srgbClr val="404040"/>
+                </a:solidFill>
+              </a:rPr>
+              <a:t>toán</a:t>
+            </a:r>
+            <a:r>
+              <a:rPr lang="en-US" dirty="0">
+                <a:solidFill>
+                  <a:srgbClr val="404040"/>
+                </a:solidFill>
+              </a:rPr>
+              <a:t>, </a:t>
+            </a:r>
+            <a:r>
+              <a:rPr lang="en-US" dirty="0" err="1">
+                <a:solidFill>
+                  <a:srgbClr val="404040"/>
+                </a:solidFill>
+              </a:rPr>
+              <a:t>tập</a:t>
+            </a:r>
+            <a:r>
+              <a:rPr lang="en-US" dirty="0">
+                <a:solidFill>
+                  <a:srgbClr val="404040"/>
+                </a:solidFill>
+              </a:rPr>
+              <a:t> </a:t>
+            </a:r>
+            <a:r>
+              <a:rPr lang="en-US" dirty="0" err="1">
+                <a:solidFill>
+                  <a:srgbClr val="404040"/>
+                </a:solidFill>
+              </a:rPr>
+              <a:t>trung</a:t>
+            </a:r>
+            <a:r>
+              <a:rPr lang="en-US" dirty="0">
+                <a:solidFill>
+                  <a:srgbClr val="404040"/>
+                </a:solidFill>
+              </a:rPr>
+              <a:t> </a:t>
+            </a:r>
+            <a:r>
+              <a:rPr lang="en-US" dirty="0" err="1">
+                <a:solidFill>
+                  <a:srgbClr val="404040"/>
+                </a:solidFill>
+              </a:rPr>
+              <a:t>vào</a:t>
+            </a:r>
+            <a:r>
+              <a:rPr lang="en-US" dirty="0">
+                <a:solidFill>
+                  <a:srgbClr val="404040"/>
+                </a:solidFill>
+              </a:rPr>
+              <a:t> </a:t>
+            </a:r>
+            <a:r>
+              <a:rPr lang="en-US" dirty="0" err="1">
+                <a:solidFill>
+                  <a:srgbClr val="404040"/>
+                </a:solidFill>
+              </a:rPr>
+              <a:t>việc</a:t>
+            </a:r>
+            <a:r>
+              <a:rPr lang="en-US" dirty="0">
+                <a:solidFill>
+                  <a:srgbClr val="404040"/>
+                </a:solidFill>
+              </a:rPr>
+              <a:t> </a:t>
+            </a:r>
+            <a:r>
+              <a:rPr lang="en-US" dirty="0" err="1">
+                <a:solidFill>
+                  <a:srgbClr val="404040"/>
+                </a:solidFill>
+              </a:rPr>
+              <a:t>dịch</a:t>
+            </a:r>
+            <a:r>
+              <a:rPr lang="en-US" dirty="0">
+                <a:solidFill>
+                  <a:srgbClr val="404040"/>
+                </a:solidFill>
+              </a:rPr>
+              <a:t> </a:t>
+            </a:r>
+            <a:r>
+              <a:rPr lang="en-US" dirty="0" err="1">
+                <a:solidFill>
+                  <a:srgbClr val="404040"/>
+                </a:solidFill>
+              </a:rPr>
+              <a:t>văn</a:t>
+            </a:r>
+            <a:r>
+              <a:rPr lang="en-US" dirty="0">
+                <a:solidFill>
+                  <a:srgbClr val="404040"/>
+                </a:solidFill>
+              </a:rPr>
+              <a:t> </a:t>
+            </a:r>
+            <a:r>
+              <a:rPr lang="en-US" dirty="0" err="1">
+                <a:solidFill>
+                  <a:srgbClr val="404040"/>
+                </a:solidFill>
+              </a:rPr>
+              <a:t>bản</a:t>
+            </a:r>
+            <a:r>
+              <a:rPr lang="en-US" dirty="0">
+                <a:solidFill>
+                  <a:srgbClr val="404040"/>
+                </a:solidFill>
+              </a:rPr>
+              <a:t> </a:t>
+            </a:r>
+            <a:r>
+              <a:rPr lang="en-US" dirty="0" err="1">
+                <a:solidFill>
+                  <a:srgbClr val="404040"/>
+                </a:solidFill>
+              </a:rPr>
+              <a:t>từ</a:t>
+            </a:r>
+            <a:r>
+              <a:rPr lang="en-US" dirty="0">
+                <a:solidFill>
+                  <a:srgbClr val="404040"/>
+                </a:solidFill>
+              </a:rPr>
+              <a:t> </a:t>
+            </a:r>
+            <a:r>
+              <a:rPr lang="en-US" dirty="0" err="1">
+                <a:solidFill>
+                  <a:srgbClr val="404040"/>
+                </a:solidFill>
+              </a:rPr>
+              <a:t>ngôn</a:t>
+            </a:r>
+            <a:r>
+              <a:rPr lang="en-US" dirty="0">
+                <a:solidFill>
+                  <a:srgbClr val="404040"/>
+                </a:solidFill>
+              </a:rPr>
+              <a:t> </a:t>
+            </a:r>
+            <a:r>
+              <a:rPr lang="en-US" dirty="0" err="1">
+                <a:solidFill>
+                  <a:srgbClr val="404040"/>
+                </a:solidFill>
+              </a:rPr>
+              <a:t>ngữ</a:t>
+            </a:r>
+            <a:r>
+              <a:rPr lang="en-US" dirty="0">
+                <a:solidFill>
+                  <a:srgbClr val="404040"/>
+                </a:solidFill>
+              </a:rPr>
+              <a:t> </a:t>
+            </a:r>
+            <a:r>
+              <a:rPr lang="en-US" dirty="0" err="1">
+                <a:solidFill>
+                  <a:srgbClr val="404040"/>
+                </a:solidFill>
+              </a:rPr>
+              <a:t>này</a:t>
+            </a:r>
+            <a:r>
+              <a:rPr lang="en-US" dirty="0">
+                <a:solidFill>
+                  <a:srgbClr val="404040"/>
+                </a:solidFill>
+              </a:rPr>
+              <a:t> sang </a:t>
+            </a:r>
+            <a:r>
+              <a:rPr lang="en-US" dirty="0" err="1">
+                <a:solidFill>
+                  <a:srgbClr val="404040"/>
+                </a:solidFill>
+              </a:rPr>
+              <a:t>ngôn</a:t>
+            </a:r>
+            <a:r>
+              <a:rPr lang="en-US" dirty="0">
+                <a:solidFill>
+                  <a:srgbClr val="404040"/>
+                </a:solidFill>
+              </a:rPr>
+              <a:t> </a:t>
+            </a:r>
+            <a:r>
+              <a:rPr lang="en-US" dirty="0" err="1">
+                <a:solidFill>
+                  <a:srgbClr val="404040"/>
+                </a:solidFill>
+              </a:rPr>
+              <a:t>ngữ</a:t>
+            </a:r>
+            <a:r>
+              <a:rPr lang="en-US" dirty="0">
+                <a:solidFill>
+                  <a:srgbClr val="404040"/>
+                </a:solidFill>
+              </a:rPr>
+              <a:t> </a:t>
+            </a:r>
+            <a:r>
+              <a:rPr lang="en-US" dirty="0" err="1">
+                <a:solidFill>
+                  <a:srgbClr val="404040"/>
+                </a:solidFill>
+              </a:rPr>
+              <a:t>khác</a:t>
+            </a:r>
+            <a:r>
+              <a:rPr lang="en-US" dirty="0">
+                <a:solidFill>
+                  <a:srgbClr val="404040"/>
+                </a:solidFill>
+              </a:rPr>
+              <a:t>.</a:t>
+            </a:r>
+          </a:p>
+          <a:p>
+            <a:pPr defTabSz="914400">
+              <a:spcBef>
+                <a:spcPts val="1000"/>
+              </a:spcBef>
+              <a:buClr>
+                <a:schemeClr val="accent2"/>
+              </a:buClr>
+            </a:pPr>
+            <a:endParaRPr lang="en-US" dirty="0">
+              <a:solidFill>
+                <a:srgbClr val="404040"/>
+              </a:solidFill>
+            </a:endParaRPr>
+          </a:p>
+          <a:p>
+            <a:pPr defTabSz="914400">
+              <a:spcBef>
+                <a:spcPts val="1000"/>
+              </a:spcBef>
+              <a:buClr>
+                <a:schemeClr val="accent2"/>
+              </a:buClr>
+            </a:pPr>
+            <a:endParaRPr lang="en-US" dirty="0">
+              <a:solidFill>
+                <a:srgbClr val="404040"/>
+              </a:solidFill>
+            </a:endParaRPr>
+          </a:p>
+          <a:p>
+            <a:pPr defTabSz="914400">
+              <a:spcBef>
+                <a:spcPts val="1000"/>
+              </a:spcBef>
+              <a:buClr>
+                <a:schemeClr val="accent2"/>
+              </a:buClr>
+            </a:pPr>
+            <a:endParaRPr lang="en-US" dirty="0">
+              <a:solidFill>
+                <a:srgbClr val="404040"/>
+              </a:solidFill>
+            </a:endParaRPr>
+          </a:p>
+          <a:p>
+            <a:pPr defTabSz="914400">
+              <a:spcBef>
+                <a:spcPts val="1000"/>
+              </a:spcBef>
+              <a:buClr>
+                <a:schemeClr val="accent2"/>
+              </a:buClr>
+            </a:pPr>
+            <a:endParaRPr lang="en-US" dirty="0">
+              <a:solidFill>
+                <a:srgbClr val="404040"/>
+              </a:solidFill>
+            </a:endParaRPr>
+          </a:p>
+          <a:p>
+            <a:pPr defTabSz="914400">
+              <a:spcBef>
+                <a:spcPts val="1000"/>
+              </a:spcBef>
+              <a:buClr>
+                <a:schemeClr val="accent2"/>
+              </a:buClr>
+            </a:pPr>
+            <a:endParaRPr lang="en-US" dirty="0">
+              <a:solidFill>
+                <a:srgbClr val="404040"/>
+              </a:solidFill>
+            </a:endParaRPr>
           </a:p>
         </p:txBody>
       </p:sp>
@@ -26613,7 +27037,6 @@
               <a:rPr lang="en-US" dirty="0"/>
               <a:t>.</a:t>
             </a:r>
-            <a:endParaRPr lang="en-US"/>
           </a:p>
         </p:txBody>
       </p:sp>
@@ -26631,7 +27054,7 @@
         </p:nvSpPr>
         <p:spPr>
           <a:xfrm>
-            <a:off x="1671146" y="2893105"/>
+            <a:off x="1706062" y="3110904"/>
             <a:ext cx="7630510" cy="646331"/>
           </a:xfrm>
           <a:prstGeom prst="rect">
@@ -26874,7 +27297,6 @@
               <a:rPr lang="en-US" dirty="0"/>
               <a:t> (Deep Learning).</a:t>
             </a:r>
-            <a:endParaRPr lang="en-US"/>
           </a:p>
         </p:txBody>
       </p:sp>
@@ -27016,36 +27438,6 @@
           <a:chExt cx="0" cy="0"/>
         </a:xfrm>
       </p:grpSpPr>
-      <p:pic>
-        <p:nvPicPr>
-          <p:cNvPr id="6" name="Picture 5" descr="A close up of a device&#10;&#10;Description automatically generated">
-            <a:extLst>
-              <a:ext uri="{FF2B5EF4-FFF2-40B4-BE49-F238E27FC236}">
-                <a16:creationId xmlns:a16="http://schemas.microsoft.com/office/drawing/2014/main" id="{07CD837E-5720-954E-921D-5D4A841C511A}"/>
-              </a:ext>
-            </a:extLst>
-          </p:cNvPr>
-          <p:cNvPicPr>
-            <a:picLocks noChangeAspect="1"/>
-          </p:cNvPicPr>
-          <p:nvPr/>
-        </p:nvPicPr>
-        <p:blipFill>
-          <a:blip r:embed="rId3"/>
-          <a:stretch>
-            <a:fillRect/>
-          </a:stretch>
-        </p:blipFill>
-        <p:spPr>
-          <a:xfrm>
-            <a:off x="-41257" y="790902"/>
-            <a:ext cx="12233257" cy="6067097"/>
-          </a:xfrm>
-          <a:prstGeom prst="rect">
-            <a:avLst/>
-          </a:prstGeom>
-        </p:spPr>
-      </p:pic>
       <p:sp>
         <p:nvSpPr>
           <p:cNvPr id="7" name="Rectangle 6">
@@ -27100,6 +27492,36 @@
           </a:p>
         </p:txBody>
       </p:sp>
+      <p:pic>
+        <p:nvPicPr>
+          <p:cNvPr id="11" name="Picture 10" descr="A picture containing table&#10;&#10;Description automatically generated">
+            <a:extLst>
+              <a:ext uri="{FF2B5EF4-FFF2-40B4-BE49-F238E27FC236}">
+                <a16:creationId xmlns:a16="http://schemas.microsoft.com/office/drawing/2014/main" id="{3922C279-8E6A-1849-A70E-47DD6D39F435}"/>
+              </a:ext>
+            </a:extLst>
+          </p:cNvPr>
+          <p:cNvPicPr>
+            <a:picLocks noChangeAspect="1"/>
+          </p:cNvPicPr>
+          <p:nvPr/>
+        </p:nvPicPr>
+        <p:blipFill>
+          <a:blip r:embed="rId3"/>
+          <a:stretch>
+            <a:fillRect/>
+          </a:stretch>
+        </p:blipFill>
+        <p:spPr>
+          <a:xfrm>
+            <a:off x="0" y="1110344"/>
+            <a:ext cx="12192000" cy="5541530"/>
+          </a:xfrm>
+          <a:prstGeom prst="rect">
+            <a:avLst/>
+          </a:prstGeom>
+        </p:spPr>
+      </p:pic>
     </p:spTree>
     <p:extLst>
       <p:ext uri="{BB962C8B-B14F-4D97-AF65-F5344CB8AC3E}">

--- a/Tài liệu/Presentation.pptx
+++ b/Tài liệu/Presentation.pptx
@@ -13,9 +13,9 @@
     <p:sldId id="306" r:id="rId4"/>
     <p:sldId id="311" r:id="rId5"/>
     <p:sldId id="257" r:id="rId6"/>
-    <p:sldId id="297" r:id="rId7"/>
+    <p:sldId id="299" r:id="rId7"/>
     <p:sldId id="298" r:id="rId8"/>
-    <p:sldId id="299" r:id="rId9"/>
+    <p:sldId id="297" r:id="rId9"/>
     <p:sldId id="300" r:id="rId10"/>
     <p:sldId id="258" r:id="rId11"/>
     <p:sldId id="301" r:id="rId12"/>
@@ -2482,7 +2482,7 @@
 <dgm:dataModel xmlns:dgm="http://schemas.openxmlformats.org/drawingml/2006/diagram" xmlns:a="http://schemas.openxmlformats.org/drawingml/2006/main">
   <dgm:ptLst>
     <dgm:pt modelId="{BFA8B2FF-F185-4665-84F6-E7AEFA7F762B}" type="doc">
-      <dgm:prSet loTypeId="urn:microsoft.com/office/officeart/2005/8/layout/vList2" loCatId="list" qsTypeId="urn:microsoft.com/office/officeart/2005/8/quickstyle/simple4" qsCatId="simple" csTypeId="urn:microsoft.com/office/officeart/2005/8/colors/colorful2" csCatId="colorful"/>
+      <dgm:prSet loTypeId="urn:microsoft.com/office/officeart/2005/8/layout/vList2" loCatId="list" qsTypeId="urn:microsoft.com/office/officeart/2005/8/quickstyle/simple4" qsCatId="simple" csTypeId="urn:microsoft.com/office/officeart/2005/8/colors/colorful2" csCatId="colorful" phldr="1"/>
       <dgm:spPr/>
       <dgm:t>
         <a:bodyPr/>
@@ -2537,10 +2537,166 @@
         <a:lstStyle/>
         <a:p>
           <a:r>
-            <a:rPr lang="en-US" b="1"/>
-            <a:t>Xây dung, thu thập dữ liệu và đào tạo mô hình để dịch một văn bản từ tiếng Anh sang tiếng Việt.</a:t>
-          </a:r>
-          <a:endParaRPr lang="en-US"/>
+            <a:rPr lang="en-US" b="1" dirty="0" err="1"/>
+            <a:t>Xây</a:t>
+          </a:r>
+          <a:r>
+            <a:rPr lang="en-US" b="1" dirty="0"/>
+            <a:t> </a:t>
+          </a:r>
+          <a:r>
+            <a:rPr lang="en-US" b="1" dirty="0" err="1"/>
+            <a:t>dựng</a:t>
+          </a:r>
+          <a:r>
+            <a:rPr lang="en-US" b="1" dirty="0"/>
+            <a:t>, </a:t>
+          </a:r>
+          <a:r>
+            <a:rPr lang="en-US" b="1" dirty="0" err="1"/>
+            <a:t>thu</a:t>
+          </a:r>
+          <a:r>
+            <a:rPr lang="en-US" b="1" dirty="0"/>
+            <a:t> </a:t>
+          </a:r>
+          <a:r>
+            <a:rPr lang="en-US" b="1" dirty="0" err="1"/>
+            <a:t>thập</a:t>
+          </a:r>
+          <a:r>
+            <a:rPr lang="en-US" b="1" dirty="0"/>
+            <a:t> </a:t>
+          </a:r>
+          <a:r>
+            <a:rPr lang="en-US" b="1" dirty="0" err="1"/>
+            <a:t>dữ</a:t>
+          </a:r>
+          <a:r>
+            <a:rPr lang="en-US" b="1" dirty="0"/>
+            <a:t> </a:t>
+          </a:r>
+          <a:r>
+            <a:rPr lang="en-US" b="1" dirty="0" err="1"/>
+            <a:t>liệu</a:t>
+          </a:r>
+          <a:r>
+            <a:rPr lang="en-US" b="1" dirty="0"/>
+            <a:t> </a:t>
+          </a:r>
+          <a:r>
+            <a:rPr lang="en-US" b="1" dirty="0" err="1"/>
+            <a:t>và</a:t>
+          </a:r>
+          <a:r>
+            <a:rPr lang="en-US" b="1" dirty="0"/>
+            <a:t> </a:t>
+          </a:r>
+          <a:r>
+            <a:rPr lang="en-US" b="1" dirty="0" err="1"/>
+            <a:t>đào</a:t>
+          </a:r>
+          <a:r>
+            <a:rPr lang="en-US" b="1" dirty="0"/>
+            <a:t> </a:t>
+          </a:r>
+          <a:r>
+            <a:rPr lang="en-US" b="1" dirty="0" err="1"/>
+            <a:t>tạo</a:t>
+          </a:r>
+          <a:r>
+            <a:rPr lang="en-US" b="1" dirty="0"/>
+            <a:t> </a:t>
+          </a:r>
+          <a:r>
+            <a:rPr lang="en-US" b="1" dirty="0" err="1"/>
+            <a:t>mô</a:t>
+          </a:r>
+          <a:r>
+            <a:rPr lang="en-US" b="1" dirty="0"/>
+            <a:t> </a:t>
+          </a:r>
+          <a:r>
+            <a:rPr lang="en-US" b="1" dirty="0" err="1"/>
+            <a:t>hình</a:t>
+          </a:r>
+          <a:r>
+            <a:rPr lang="en-US" b="1" dirty="0"/>
+            <a:t> </a:t>
+          </a:r>
+          <a:r>
+            <a:rPr lang="en-US" b="1" dirty="0" err="1"/>
+            <a:t>để</a:t>
+          </a:r>
+          <a:r>
+            <a:rPr lang="en-US" b="1" dirty="0"/>
+            <a:t> </a:t>
+          </a:r>
+          <a:r>
+            <a:rPr lang="en-US" b="1" dirty="0" err="1"/>
+            <a:t>dịch</a:t>
+          </a:r>
+          <a:r>
+            <a:rPr lang="en-US" b="1" dirty="0"/>
+            <a:t> </a:t>
+          </a:r>
+          <a:r>
+            <a:rPr lang="en-US" b="1" dirty="0" err="1"/>
+            <a:t>một</a:t>
+          </a:r>
+          <a:r>
+            <a:rPr lang="en-US" b="1" dirty="0"/>
+            <a:t> </a:t>
+          </a:r>
+          <a:r>
+            <a:rPr lang="en-US" b="1" dirty="0" err="1"/>
+            <a:t>văn</a:t>
+          </a:r>
+          <a:r>
+            <a:rPr lang="en-US" b="1" dirty="0"/>
+            <a:t> </a:t>
+          </a:r>
+          <a:r>
+            <a:rPr lang="en-US" b="1" dirty="0" err="1"/>
+            <a:t>bản</a:t>
+          </a:r>
+          <a:r>
+            <a:rPr lang="en-US" b="1" dirty="0"/>
+            <a:t> </a:t>
+          </a:r>
+          <a:r>
+            <a:rPr lang="en-US" b="1" dirty="0" err="1"/>
+            <a:t>từ</a:t>
+          </a:r>
+          <a:r>
+            <a:rPr lang="en-US" b="1" dirty="0"/>
+            <a:t> </a:t>
+          </a:r>
+          <a:r>
+            <a:rPr lang="en-US" b="1" dirty="0" err="1"/>
+            <a:t>tiếng</a:t>
+          </a:r>
+          <a:r>
+            <a:rPr lang="en-US" b="1" dirty="0"/>
+            <a:t> Anh sang </a:t>
+          </a:r>
+          <a:r>
+            <a:rPr lang="en-US" b="1" dirty="0" err="1"/>
+            <a:t>tiếng</a:t>
+          </a:r>
+          <a:r>
+            <a:rPr lang="en-US" b="1" dirty="0"/>
+            <a:t> </a:t>
+          </a:r>
+          <a:r>
+            <a:rPr lang="en-US" b="1" dirty="0" err="1"/>
+            <a:t>Việt</a:t>
+          </a:r>
+          <a:r>
+            <a:rPr lang="en-US" b="1" dirty="0"/>
+            <a:t>.</a:t>
+          </a:r>
+          <a:endParaRPr lang="en-US" dirty="0"/>
         </a:p>
       </dgm:t>
     </dgm:pt>
@@ -2574,10 +2730,150 @@
         <a:lstStyle/>
         <a:p>
           <a:r>
-            <a:rPr lang="en-US" b="1"/>
-            <a:t>Xây dung một trang web demo việc sử dụng mô hình để dịch một văn bản từ tiếng Anh sang tiếng Việt.</a:t>
-          </a:r>
-          <a:endParaRPr lang="en-US"/>
+            <a:rPr lang="en-US" b="1" dirty="0" err="1"/>
+            <a:t>Xây</a:t>
+          </a:r>
+          <a:r>
+            <a:rPr lang="en-US" b="1" dirty="0"/>
+            <a:t> </a:t>
+          </a:r>
+          <a:r>
+            <a:rPr lang="en-US" b="1" dirty="0" err="1"/>
+            <a:t>dựng</a:t>
+          </a:r>
+          <a:r>
+            <a:rPr lang="en-US" b="1" dirty="0"/>
+            <a:t> </a:t>
+          </a:r>
+          <a:r>
+            <a:rPr lang="en-US" b="1" dirty="0" err="1"/>
+            <a:t>một</a:t>
+          </a:r>
+          <a:r>
+            <a:rPr lang="en-US" b="1" dirty="0"/>
+            <a:t> </a:t>
+          </a:r>
+          <a:r>
+            <a:rPr lang="en-US" b="1" dirty="0" err="1"/>
+            <a:t>trang</a:t>
+          </a:r>
+          <a:r>
+            <a:rPr lang="en-US" b="1" dirty="0"/>
+            <a:t> web demo </a:t>
+          </a:r>
+          <a:r>
+            <a:rPr lang="en-US" b="1" dirty="0" err="1"/>
+            <a:t>việc</a:t>
+          </a:r>
+          <a:r>
+            <a:rPr lang="en-US" b="1" dirty="0"/>
+            <a:t> </a:t>
+          </a:r>
+          <a:r>
+            <a:rPr lang="en-US" b="1" dirty="0" err="1"/>
+            <a:t>sử</a:t>
+          </a:r>
+          <a:r>
+            <a:rPr lang="en-US" b="1" dirty="0"/>
+            <a:t> </a:t>
+          </a:r>
+          <a:r>
+            <a:rPr lang="en-US" b="1" dirty="0" err="1"/>
+            <a:t>dụng</a:t>
+          </a:r>
+          <a:r>
+            <a:rPr lang="en-US" b="1" dirty="0"/>
+            <a:t> </a:t>
+          </a:r>
+          <a:r>
+            <a:rPr lang="en-US" b="1" dirty="0" err="1"/>
+            <a:t>mô</a:t>
+          </a:r>
+          <a:r>
+            <a:rPr lang="en-US" b="1" dirty="0"/>
+            <a:t> </a:t>
+          </a:r>
+          <a:r>
+            <a:rPr lang="en-US" b="1" dirty="0" err="1"/>
+            <a:t>hình</a:t>
+          </a:r>
+          <a:r>
+            <a:rPr lang="en-US" b="1" dirty="0"/>
+            <a:t> </a:t>
+          </a:r>
+          <a:r>
+            <a:rPr lang="en-US" b="1" dirty="0" err="1"/>
+            <a:t>để</a:t>
+          </a:r>
+          <a:r>
+            <a:rPr lang="en-US" b="1" dirty="0"/>
+            <a:t> </a:t>
+          </a:r>
+          <a:r>
+            <a:rPr lang="en-US" b="1" dirty="0" err="1"/>
+            <a:t>dịch</a:t>
+          </a:r>
+          <a:r>
+            <a:rPr lang="en-US" b="1" dirty="0"/>
+            <a:t> </a:t>
+          </a:r>
+          <a:r>
+            <a:rPr lang="en-US" b="1" dirty="0" err="1"/>
+            <a:t>một</a:t>
+          </a:r>
+          <a:r>
+            <a:rPr lang="en-US" b="1" dirty="0"/>
+            <a:t> </a:t>
+          </a:r>
+          <a:r>
+            <a:rPr lang="en-US" b="1" dirty="0" err="1"/>
+            <a:t>văn</a:t>
+          </a:r>
+          <a:r>
+            <a:rPr lang="en-US" b="1" dirty="0"/>
+            <a:t> </a:t>
+          </a:r>
+          <a:r>
+            <a:rPr lang="en-US" b="1" dirty="0" err="1"/>
+            <a:t>bản</a:t>
+          </a:r>
+          <a:r>
+            <a:rPr lang="en-US" b="1" dirty="0"/>
+            <a:t> </a:t>
+          </a:r>
+          <a:r>
+            <a:rPr lang="en-US" b="1" dirty="0" err="1"/>
+            <a:t>từ</a:t>
+          </a:r>
+          <a:r>
+            <a:rPr lang="en-US" b="1" dirty="0"/>
+            <a:t> </a:t>
+          </a:r>
+          <a:r>
+            <a:rPr lang="en-US" b="1" dirty="0" err="1"/>
+            <a:t>tiếng</a:t>
+          </a:r>
+          <a:r>
+            <a:rPr lang="en-US" b="1" dirty="0"/>
+            <a:t> Anh sang </a:t>
+          </a:r>
+          <a:r>
+            <a:rPr lang="en-US" b="1" dirty="0" err="1"/>
+            <a:t>tiếng</a:t>
+          </a:r>
+          <a:r>
+            <a:rPr lang="en-US" b="1" dirty="0"/>
+            <a:t> </a:t>
+          </a:r>
+          <a:r>
+            <a:rPr lang="en-US" b="1" dirty="0" err="1"/>
+            <a:t>Việt</a:t>
+          </a:r>
+          <a:r>
+            <a:rPr lang="en-US" b="1" dirty="0"/>
+            <a:t>.</a:t>
+          </a:r>
+          <a:endParaRPr lang="en-US" dirty="0"/>
         </a:p>
       </dgm:t>
     </dgm:pt>
@@ -5878,10 +6174,166 @@
             <a:buNone/>
           </a:pPr>
           <a:r>
-            <a:rPr lang="en-US" sz="2100" b="1" kern="1200"/>
-            <a:t>Xây dung, thu thập dữ liệu và đào tạo mô hình để dịch một văn bản từ tiếng Anh sang tiếng Việt.</a:t>
-          </a:r>
-          <a:endParaRPr lang="en-US" sz="2100" kern="1200"/>
+            <a:rPr lang="en-US" sz="2100" b="1" kern="1200" dirty="0" err="1"/>
+            <a:t>Xây</a:t>
+          </a:r>
+          <a:r>
+            <a:rPr lang="en-US" sz="2100" b="1" kern="1200" dirty="0"/>
+            <a:t> </a:t>
+          </a:r>
+          <a:r>
+            <a:rPr lang="en-US" sz="2100" b="1" kern="1200" dirty="0" err="1"/>
+            <a:t>dựng</a:t>
+          </a:r>
+          <a:r>
+            <a:rPr lang="en-US" sz="2100" b="1" kern="1200" dirty="0"/>
+            <a:t>, </a:t>
+          </a:r>
+          <a:r>
+            <a:rPr lang="en-US" sz="2100" b="1" kern="1200" dirty="0" err="1"/>
+            <a:t>thu</a:t>
+          </a:r>
+          <a:r>
+            <a:rPr lang="en-US" sz="2100" b="1" kern="1200" dirty="0"/>
+            <a:t> </a:t>
+          </a:r>
+          <a:r>
+            <a:rPr lang="en-US" sz="2100" b="1" kern="1200" dirty="0" err="1"/>
+            <a:t>thập</a:t>
+          </a:r>
+          <a:r>
+            <a:rPr lang="en-US" sz="2100" b="1" kern="1200" dirty="0"/>
+            <a:t> </a:t>
+          </a:r>
+          <a:r>
+            <a:rPr lang="en-US" sz="2100" b="1" kern="1200" dirty="0" err="1"/>
+            <a:t>dữ</a:t>
+          </a:r>
+          <a:r>
+            <a:rPr lang="en-US" sz="2100" b="1" kern="1200" dirty="0"/>
+            <a:t> </a:t>
+          </a:r>
+          <a:r>
+            <a:rPr lang="en-US" sz="2100" b="1" kern="1200" dirty="0" err="1"/>
+            <a:t>liệu</a:t>
+          </a:r>
+          <a:r>
+            <a:rPr lang="en-US" sz="2100" b="1" kern="1200" dirty="0"/>
+            <a:t> </a:t>
+          </a:r>
+          <a:r>
+            <a:rPr lang="en-US" sz="2100" b="1" kern="1200" dirty="0" err="1"/>
+            <a:t>và</a:t>
+          </a:r>
+          <a:r>
+            <a:rPr lang="en-US" sz="2100" b="1" kern="1200" dirty="0"/>
+            <a:t> </a:t>
+          </a:r>
+          <a:r>
+            <a:rPr lang="en-US" sz="2100" b="1" kern="1200" dirty="0" err="1"/>
+            <a:t>đào</a:t>
+          </a:r>
+          <a:r>
+            <a:rPr lang="en-US" sz="2100" b="1" kern="1200" dirty="0"/>
+            <a:t> </a:t>
+          </a:r>
+          <a:r>
+            <a:rPr lang="en-US" sz="2100" b="1" kern="1200" dirty="0" err="1"/>
+            <a:t>tạo</a:t>
+          </a:r>
+          <a:r>
+            <a:rPr lang="en-US" sz="2100" b="1" kern="1200" dirty="0"/>
+            <a:t> </a:t>
+          </a:r>
+          <a:r>
+            <a:rPr lang="en-US" sz="2100" b="1" kern="1200" dirty="0" err="1"/>
+            <a:t>mô</a:t>
+          </a:r>
+          <a:r>
+            <a:rPr lang="en-US" sz="2100" b="1" kern="1200" dirty="0"/>
+            <a:t> </a:t>
+          </a:r>
+          <a:r>
+            <a:rPr lang="en-US" sz="2100" b="1" kern="1200" dirty="0" err="1"/>
+            <a:t>hình</a:t>
+          </a:r>
+          <a:r>
+            <a:rPr lang="en-US" sz="2100" b="1" kern="1200" dirty="0"/>
+            <a:t> </a:t>
+          </a:r>
+          <a:r>
+            <a:rPr lang="en-US" sz="2100" b="1" kern="1200" dirty="0" err="1"/>
+            <a:t>để</a:t>
+          </a:r>
+          <a:r>
+            <a:rPr lang="en-US" sz="2100" b="1" kern="1200" dirty="0"/>
+            <a:t> </a:t>
+          </a:r>
+          <a:r>
+            <a:rPr lang="en-US" sz="2100" b="1" kern="1200" dirty="0" err="1"/>
+            <a:t>dịch</a:t>
+          </a:r>
+          <a:r>
+            <a:rPr lang="en-US" sz="2100" b="1" kern="1200" dirty="0"/>
+            <a:t> </a:t>
+          </a:r>
+          <a:r>
+            <a:rPr lang="en-US" sz="2100" b="1" kern="1200" dirty="0" err="1"/>
+            <a:t>một</a:t>
+          </a:r>
+          <a:r>
+            <a:rPr lang="en-US" sz="2100" b="1" kern="1200" dirty="0"/>
+            <a:t> </a:t>
+          </a:r>
+          <a:r>
+            <a:rPr lang="en-US" sz="2100" b="1" kern="1200" dirty="0" err="1"/>
+            <a:t>văn</a:t>
+          </a:r>
+          <a:r>
+            <a:rPr lang="en-US" sz="2100" b="1" kern="1200" dirty="0"/>
+            <a:t> </a:t>
+          </a:r>
+          <a:r>
+            <a:rPr lang="en-US" sz="2100" b="1" kern="1200" dirty="0" err="1"/>
+            <a:t>bản</a:t>
+          </a:r>
+          <a:r>
+            <a:rPr lang="en-US" sz="2100" b="1" kern="1200" dirty="0"/>
+            <a:t> </a:t>
+          </a:r>
+          <a:r>
+            <a:rPr lang="en-US" sz="2100" b="1" kern="1200" dirty="0" err="1"/>
+            <a:t>từ</a:t>
+          </a:r>
+          <a:r>
+            <a:rPr lang="en-US" sz="2100" b="1" kern="1200" dirty="0"/>
+            <a:t> </a:t>
+          </a:r>
+          <a:r>
+            <a:rPr lang="en-US" sz="2100" b="1" kern="1200" dirty="0" err="1"/>
+            <a:t>tiếng</a:t>
+          </a:r>
+          <a:r>
+            <a:rPr lang="en-US" sz="2100" b="1" kern="1200" dirty="0"/>
+            <a:t> Anh sang </a:t>
+          </a:r>
+          <a:r>
+            <a:rPr lang="en-US" sz="2100" b="1" kern="1200" dirty="0" err="1"/>
+            <a:t>tiếng</a:t>
+          </a:r>
+          <a:r>
+            <a:rPr lang="en-US" sz="2100" b="1" kern="1200" dirty="0"/>
+            <a:t> </a:t>
+          </a:r>
+          <a:r>
+            <a:rPr lang="en-US" sz="2100" b="1" kern="1200" dirty="0" err="1"/>
+            <a:t>Việt</a:t>
+          </a:r>
+          <a:r>
+            <a:rPr lang="en-US" sz="2100" b="1" kern="1200" dirty="0"/>
+            <a:t>.</a:t>
+          </a:r>
+          <a:endParaRPr lang="en-US" sz="2100" kern="1200" dirty="0"/>
         </a:p>
       </dsp:txBody>
       <dsp:txXfrm>
@@ -5978,10 +6430,150 @@
             <a:buNone/>
           </a:pPr>
           <a:r>
-            <a:rPr lang="en-US" sz="2100" b="1" kern="1200"/>
-            <a:t>Xây dung một trang web demo việc sử dụng mô hình để dịch một văn bản từ tiếng Anh sang tiếng Việt.</a:t>
-          </a:r>
-          <a:endParaRPr lang="en-US" sz="2100" kern="1200"/>
+            <a:rPr lang="en-US" sz="2100" b="1" kern="1200" dirty="0" err="1"/>
+            <a:t>Xây</a:t>
+          </a:r>
+          <a:r>
+            <a:rPr lang="en-US" sz="2100" b="1" kern="1200" dirty="0"/>
+            <a:t> </a:t>
+          </a:r>
+          <a:r>
+            <a:rPr lang="en-US" sz="2100" b="1" kern="1200" dirty="0" err="1"/>
+            <a:t>dựng</a:t>
+          </a:r>
+          <a:r>
+            <a:rPr lang="en-US" sz="2100" b="1" kern="1200" dirty="0"/>
+            <a:t> </a:t>
+          </a:r>
+          <a:r>
+            <a:rPr lang="en-US" sz="2100" b="1" kern="1200" dirty="0" err="1"/>
+            <a:t>một</a:t>
+          </a:r>
+          <a:r>
+            <a:rPr lang="en-US" sz="2100" b="1" kern="1200" dirty="0"/>
+            <a:t> </a:t>
+          </a:r>
+          <a:r>
+            <a:rPr lang="en-US" sz="2100" b="1" kern="1200" dirty="0" err="1"/>
+            <a:t>trang</a:t>
+          </a:r>
+          <a:r>
+            <a:rPr lang="en-US" sz="2100" b="1" kern="1200" dirty="0"/>
+            <a:t> web demo </a:t>
+          </a:r>
+          <a:r>
+            <a:rPr lang="en-US" sz="2100" b="1" kern="1200" dirty="0" err="1"/>
+            <a:t>việc</a:t>
+          </a:r>
+          <a:r>
+            <a:rPr lang="en-US" sz="2100" b="1" kern="1200" dirty="0"/>
+            <a:t> </a:t>
+          </a:r>
+          <a:r>
+            <a:rPr lang="en-US" sz="2100" b="1" kern="1200" dirty="0" err="1"/>
+            <a:t>sử</a:t>
+          </a:r>
+          <a:r>
+            <a:rPr lang="en-US" sz="2100" b="1" kern="1200" dirty="0"/>
+            <a:t> </a:t>
+          </a:r>
+          <a:r>
+            <a:rPr lang="en-US" sz="2100" b="1" kern="1200" dirty="0" err="1"/>
+            <a:t>dụng</a:t>
+          </a:r>
+          <a:r>
+            <a:rPr lang="en-US" sz="2100" b="1" kern="1200" dirty="0"/>
+            <a:t> </a:t>
+          </a:r>
+          <a:r>
+            <a:rPr lang="en-US" sz="2100" b="1" kern="1200" dirty="0" err="1"/>
+            <a:t>mô</a:t>
+          </a:r>
+          <a:r>
+            <a:rPr lang="en-US" sz="2100" b="1" kern="1200" dirty="0"/>
+            <a:t> </a:t>
+          </a:r>
+          <a:r>
+            <a:rPr lang="en-US" sz="2100" b="1" kern="1200" dirty="0" err="1"/>
+            <a:t>hình</a:t>
+          </a:r>
+          <a:r>
+            <a:rPr lang="en-US" sz="2100" b="1" kern="1200" dirty="0"/>
+            <a:t> </a:t>
+          </a:r>
+          <a:r>
+            <a:rPr lang="en-US" sz="2100" b="1" kern="1200" dirty="0" err="1"/>
+            <a:t>để</a:t>
+          </a:r>
+          <a:r>
+            <a:rPr lang="en-US" sz="2100" b="1" kern="1200" dirty="0"/>
+            <a:t> </a:t>
+          </a:r>
+          <a:r>
+            <a:rPr lang="en-US" sz="2100" b="1" kern="1200" dirty="0" err="1"/>
+            <a:t>dịch</a:t>
+          </a:r>
+          <a:r>
+            <a:rPr lang="en-US" sz="2100" b="1" kern="1200" dirty="0"/>
+            <a:t> </a:t>
+          </a:r>
+          <a:r>
+            <a:rPr lang="en-US" sz="2100" b="1" kern="1200" dirty="0" err="1"/>
+            <a:t>một</a:t>
+          </a:r>
+          <a:r>
+            <a:rPr lang="en-US" sz="2100" b="1" kern="1200" dirty="0"/>
+            <a:t> </a:t>
+          </a:r>
+          <a:r>
+            <a:rPr lang="en-US" sz="2100" b="1" kern="1200" dirty="0" err="1"/>
+            <a:t>văn</a:t>
+          </a:r>
+          <a:r>
+            <a:rPr lang="en-US" sz="2100" b="1" kern="1200" dirty="0"/>
+            <a:t> </a:t>
+          </a:r>
+          <a:r>
+            <a:rPr lang="en-US" sz="2100" b="1" kern="1200" dirty="0" err="1"/>
+            <a:t>bản</a:t>
+          </a:r>
+          <a:r>
+            <a:rPr lang="en-US" sz="2100" b="1" kern="1200" dirty="0"/>
+            <a:t> </a:t>
+          </a:r>
+          <a:r>
+            <a:rPr lang="en-US" sz="2100" b="1" kern="1200" dirty="0" err="1"/>
+            <a:t>từ</a:t>
+          </a:r>
+          <a:r>
+            <a:rPr lang="en-US" sz="2100" b="1" kern="1200" dirty="0"/>
+            <a:t> </a:t>
+          </a:r>
+          <a:r>
+            <a:rPr lang="en-US" sz="2100" b="1" kern="1200" dirty="0" err="1"/>
+            <a:t>tiếng</a:t>
+          </a:r>
+          <a:r>
+            <a:rPr lang="en-US" sz="2100" b="1" kern="1200" dirty="0"/>
+            <a:t> Anh sang </a:t>
+          </a:r>
+          <a:r>
+            <a:rPr lang="en-US" sz="2100" b="1" kern="1200" dirty="0" err="1"/>
+            <a:t>tiếng</a:t>
+          </a:r>
+          <a:r>
+            <a:rPr lang="en-US" sz="2100" b="1" kern="1200" dirty="0"/>
+            <a:t> </a:t>
+          </a:r>
+          <a:r>
+            <a:rPr lang="en-US" sz="2100" b="1" kern="1200" dirty="0" err="1"/>
+            <a:t>Việt</a:t>
+          </a:r>
+          <a:r>
+            <a:rPr lang="en-US" sz="2100" b="1" kern="1200" dirty="0"/>
+            <a:t>.</a:t>
+          </a:r>
+          <a:endParaRPr lang="en-US" sz="2100" kern="1200" dirty="0"/>
         </a:p>
       </dsp:txBody>
       <dsp:txXfrm>
@@ -14270,7 +14862,7 @@
     </p:spTree>
     <p:extLst>
       <p:ext uri="{BB962C8B-B14F-4D97-AF65-F5344CB8AC3E}">
-        <p14:creationId xmlns:p14="http://schemas.microsoft.com/office/powerpoint/2010/main" val="3806399227"/>
+        <p14:creationId xmlns:p14="http://schemas.microsoft.com/office/powerpoint/2010/main" val="175778702"/>
       </p:ext>
     </p:extLst>
   </p:cSld>
@@ -14488,7 +15080,7 @@
     </p:spTree>
     <p:extLst>
       <p:ext uri="{BB962C8B-B14F-4D97-AF65-F5344CB8AC3E}">
-        <p14:creationId xmlns:p14="http://schemas.microsoft.com/office/powerpoint/2010/main" val="175778702"/>
+        <p14:creationId xmlns:p14="http://schemas.microsoft.com/office/powerpoint/2010/main" val="3806399227"/>
       </p:ext>
     </p:extLst>
   </p:cSld>
@@ -29212,8 +29804,8 @@
               </a:spcBef>
             </a:pPr>
             <a:r>
-              <a:rPr lang="en-US" sz="3200"/>
-              <a:t>2. </a:t>
+              <a:rPr lang="en-US" sz="3200" dirty="0"/>
+              <a:t>2.1 </a:t>
             </a:r>
             <a:r>
               <a:rPr lang="en-US" sz="3200" dirty="0" err="1"/>
@@ -29645,8 +30237,8 @@
         </p:nvSpPr>
         <p:spPr>
           <a:xfrm>
-            <a:off x="1316984" y="1283546"/>
-            <a:ext cx="5715917" cy="3914063"/>
+            <a:off x="1316985" y="1283546"/>
+            <a:ext cx="5702794" cy="3921500"/>
           </a:xfrm>
           <a:prstGeom prst="rect">
             <a:avLst/>
@@ -29657,478 +30249,6 @@
             <a:normAutofit/>
           </a:bodyPr>
           <a:lstStyle/>
-          <a:p>
-            <a:pPr marL="285750" indent="-228600" defTabSz="914400">
-              <a:spcBef>
-                <a:spcPts val="1000"/>
-              </a:spcBef>
-              <a:buClr>
-                <a:schemeClr val="accent2"/>
-              </a:buClr>
-              <a:buFont typeface="Arial" panose="020B0604020202020204" pitchFamily="34" charset="0"/>
-              <a:buChar char="•"/>
-            </a:pPr>
-            <a:r>
-              <a:rPr lang="en-US" dirty="0" err="1">
-                <a:solidFill>
-                  <a:srgbClr val="404040"/>
-                </a:solidFill>
-              </a:rPr>
-              <a:t>Tiếng</a:t>
-            </a:r>
-            <a:r>
-              <a:rPr lang="en-US" dirty="0">
-                <a:solidFill>
-                  <a:srgbClr val="404040"/>
-                </a:solidFill>
-              </a:rPr>
-              <a:t> Anh </a:t>
-            </a:r>
-            <a:r>
-              <a:rPr lang="en-US" dirty="0" err="1">
-                <a:solidFill>
-                  <a:srgbClr val="404040"/>
-                </a:solidFill>
-              </a:rPr>
-              <a:t>đang</a:t>
-            </a:r>
-            <a:r>
-              <a:rPr lang="en-US" dirty="0">
-                <a:solidFill>
-                  <a:srgbClr val="404040"/>
-                </a:solidFill>
-              </a:rPr>
-              <a:t> </a:t>
-            </a:r>
-            <a:r>
-              <a:rPr lang="en-US" dirty="0" err="1">
-                <a:solidFill>
-                  <a:srgbClr val="404040"/>
-                </a:solidFill>
-              </a:rPr>
-              <a:t>là</a:t>
-            </a:r>
-            <a:r>
-              <a:rPr lang="en-US" dirty="0">
-                <a:solidFill>
-                  <a:srgbClr val="404040"/>
-                </a:solidFill>
-              </a:rPr>
-              <a:t> </a:t>
-            </a:r>
-            <a:r>
-              <a:rPr lang="en-US" dirty="0" err="1">
-                <a:solidFill>
-                  <a:srgbClr val="404040"/>
-                </a:solidFill>
-              </a:rPr>
-              <a:t>ngôn</a:t>
-            </a:r>
-            <a:r>
-              <a:rPr lang="en-US" dirty="0">
-                <a:solidFill>
-                  <a:srgbClr val="404040"/>
-                </a:solidFill>
-              </a:rPr>
-              <a:t> </a:t>
-            </a:r>
-            <a:r>
-              <a:rPr lang="en-US" dirty="0" err="1">
-                <a:solidFill>
-                  <a:srgbClr val="404040"/>
-                </a:solidFill>
-              </a:rPr>
-              <a:t>ngữ</a:t>
-            </a:r>
-            <a:r>
-              <a:rPr lang="en-US" dirty="0">
-                <a:solidFill>
-                  <a:srgbClr val="404040"/>
-                </a:solidFill>
-              </a:rPr>
-              <a:t> </a:t>
-            </a:r>
-            <a:r>
-              <a:rPr lang="en-US" dirty="0" err="1">
-                <a:solidFill>
-                  <a:srgbClr val="404040"/>
-                </a:solidFill>
-              </a:rPr>
-              <a:t>quan</a:t>
-            </a:r>
-            <a:r>
-              <a:rPr lang="en-US" dirty="0">
-                <a:solidFill>
-                  <a:srgbClr val="404040"/>
-                </a:solidFill>
-              </a:rPr>
-              <a:t> </a:t>
-            </a:r>
-            <a:r>
-              <a:rPr lang="en-US" dirty="0" err="1">
-                <a:solidFill>
-                  <a:srgbClr val="404040"/>
-                </a:solidFill>
-              </a:rPr>
-              <a:t>trọng</a:t>
-            </a:r>
-            <a:r>
-              <a:rPr lang="en-US" dirty="0">
-                <a:solidFill>
-                  <a:srgbClr val="404040"/>
-                </a:solidFill>
-              </a:rPr>
-              <a:t> </a:t>
-            </a:r>
-            <a:r>
-              <a:rPr lang="en-US" dirty="0" err="1">
-                <a:solidFill>
-                  <a:srgbClr val="404040"/>
-                </a:solidFill>
-              </a:rPr>
-              <a:t>bậc</a:t>
-            </a:r>
-            <a:r>
-              <a:rPr lang="en-US" dirty="0">
-                <a:solidFill>
-                  <a:srgbClr val="404040"/>
-                </a:solidFill>
-              </a:rPr>
-              <a:t> </a:t>
-            </a:r>
-            <a:r>
-              <a:rPr lang="en-US" dirty="0" err="1">
-                <a:solidFill>
-                  <a:srgbClr val="404040"/>
-                </a:solidFill>
-              </a:rPr>
-              <a:t>nhất</a:t>
-            </a:r>
-            <a:r>
-              <a:rPr lang="en-US" dirty="0">
-                <a:solidFill>
-                  <a:srgbClr val="404040"/>
-                </a:solidFill>
-              </a:rPr>
-              <a:t> </a:t>
-            </a:r>
-            <a:r>
-              <a:rPr lang="en-US" dirty="0" err="1">
-                <a:solidFill>
-                  <a:srgbClr val="404040"/>
-                </a:solidFill>
-              </a:rPr>
-              <a:t>ở</a:t>
-            </a:r>
-            <a:r>
-              <a:rPr lang="en-US" dirty="0">
-                <a:solidFill>
-                  <a:srgbClr val="404040"/>
-                </a:solidFill>
-              </a:rPr>
-              <a:t> </a:t>
-            </a:r>
-            <a:r>
-              <a:rPr lang="en-US" dirty="0" err="1">
-                <a:solidFill>
-                  <a:srgbClr val="404040"/>
-                </a:solidFill>
-              </a:rPr>
-              <a:t>Việt</a:t>
-            </a:r>
-            <a:r>
-              <a:rPr lang="en-US" dirty="0">
-                <a:solidFill>
-                  <a:srgbClr val="404040"/>
-                </a:solidFill>
-              </a:rPr>
-              <a:t> Nam.</a:t>
-            </a:r>
-          </a:p>
-          <a:p>
-            <a:pPr marL="285750" indent="-228600" defTabSz="914400">
-              <a:spcBef>
-                <a:spcPts val="1000"/>
-              </a:spcBef>
-              <a:buClr>
-                <a:schemeClr val="accent2"/>
-              </a:buClr>
-              <a:buFont typeface="Arial" panose="020B0604020202020204" pitchFamily="34" charset="0"/>
-              <a:buChar char="•"/>
-            </a:pPr>
-            <a:r>
-              <a:rPr lang="en-US" dirty="0" err="1">
-                <a:solidFill>
-                  <a:srgbClr val="404040"/>
-                </a:solidFill>
-              </a:rPr>
-              <a:t>Tiếng</a:t>
-            </a:r>
-            <a:r>
-              <a:rPr lang="en-US" dirty="0">
-                <a:solidFill>
-                  <a:srgbClr val="404040"/>
-                </a:solidFill>
-              </a:rPr>
-              <a:t> Anh </a:t>
-            </a:r>
-            <a:r>
-              <a:rPr lang="en-US" dirty="0" err="1">
-                <a:solidFill>
-                  <a:srgbClr val="404040"/>
-                </a:solidFill>
-              </a:rPr>
-              <a:t>rất</a:t>
-            </a:r>
-            <a:r>
-              <a:rPr lang="en-US" dirty="0">
-                <a:solidFill>
-                  <a:srgbClr val="404040"/>
-                </a:solidFill>
-              </a:rPr>
-              <a:t> </a:t>
-            </a:r>
-            <a:r>
-              <a:rPr lang="en-US" dirty="0" err="1">
-                <a:solidFill>
-                  <a:srgbClr val="404040"/>
-                </a:solidFill>
-              </a:rPr>
-              <a:t>quan</a:t>
-            </a:r>
-            <a:r>
-              <a:rPr lang="en-US" dirty="0">
-                <a:solidFill>
-                  <a:srgbClr val="404040"/>
-                </a:solidFill>
-              </a:rPr>
-              <a:t> </a:t>
-            </a:r>
-            <a:r>
-              <a:rPr lang="en-US" dirty="0" err="1">
-                <a:solidFill>
-                  <a:srgbClr val="404040"/>
-                </a:solidFill>
-              </a:rPr>
-              <a:t>trọng</a:t>
-            </a:r>
-            <a:r>
-              <a:rPr lang="en-US" dirty="0">
-                <a:solidFill>
-                  <a:srgbClr val="404040"/>
-                </a:solidFill>
-              </a:rPr>
-              <a:t> </a:t>
-            </a:r>
-            <a:r>
-              <a:rPr lang="en-US" dirty="0" err="1">
-                <a:solidFill>
-                  <a:srgbClr val="404040"/>
-                </a:solidFill>
-              </a:rPr>
-              <a:t>cho</a:t>
-            </a:r>
-            <a:r>
-              <a:rPr lang="en-US" dirty="0">
-                <a:solidFill>
-                  <a:srgbClr val="404040"/>
-                </a:solidFill>
-              </a:rPr>
-              <a:t> </a:t>
-            </a:r>
-            <a:r>
-              <a:rPr lang="en-US" dirty="0" err="1">
-                <a:solidFill>
-                  <a:srgbClr val="404040"/>
-                </a:solidFill>
-              </a:rPr>
-              <a:t>học</a:t>
-            </a:r>
-            <a:r>
-              <a:rPr lang="en-US" dirty="0">
-                <a:solidFill>
-                  <a:srgbClr val="404040"/>
-                </a:solidFill>
-              </a:rPr>
-              <a:t> </a:t>
-            </a:r>
-            <a:r>
-              <a:rPr lang="en-US" dirty="0" err="1">
-                <a:solidFill>
-                  <a:srgbClr val="404040"/>
-                </a:solidFill>
-              </a:rPr>
-              <a:t>tập</a:t>
-            </a:r>
-            <a:r>
-              <a:rPr lang="en-US" dirty="0">
-                <a:solidFill>
-                  <a:srgbClr val="404040"/>
-                </a:solidFill>
-              </a:rPr>
-              <a:t> </a:t>
-            </a:r>
-            <a:r>
-              <a:rPr lang="en-US" dirty="0" err="1">
-                <a:solidFill>
-                  <a:srgbClr val="404040"/>
-                </a:solidFill>
-              </a:rPr>
-              <a:t>và</a:t>
-            </a:r>
-            <a:r>
-              <a:rPr lang="en-US" dirty="0">
-                <a:solidFill>
-                  <a:srgbClr val="404040"/>
-                </a:solidFill>
-              </a:rPr>
-              <a:t> </a:t>
-            </a:r>
-            <a:r>
-              <a:rPr lang="en-US" dirty="0" err="1">
-                <a:solidFill>
-                  <a:srgbClr val="404040"/>
-                </a:solidFill>
-              </a:rPr>
-              <a:t>công</a:t>
-            </a:r>
-            <a:r>
-              <a:rPr lang="en-US" dirty="0">
-                <a:solidFill>
-                  <a:srgbClr val="404040"/>
-                </a:solidFill>
-              </a:rPr>
-              <a:t> </a:t>
-            </a:r>
-            <a:r>
-              <a:rPr lang="en-US" dirty="0" err="1">
-                <a:solidFill>
-                  <a:srgbClr val="404040"/>
-                </a:solidFill>
-              </a:rPr>
-              <a:t>việc</a:t>
-            </a:r>
-            <a:r>
-              <a:rPr lang="en-US" dirty="0">
-                <a:solidFill>
-                  <a:srgbClr val="404040"/>
-                </a:solidFill>
-              </a:rPr>
-              <a:t>, </a:t>
-            </a:r>
-            <a:r>
-              <a:rPr lang="en-US" dirty="0" err="1">
-                <a:solidFill>
-                  <a:srgbClr val="404040"/>
-                </a:solidFill>
-              </a:rPr>
-              <a:t>đặc</a:t>
-            </a:r>
-            <a:r>
-              <a:rPr lang="en-US" dirty="0">
-                <a:solidFill>
-                  <a:srgbClr val="404040"/>
-                </a:solidFill>
-              </a:rPr>
-              <a:t> </a:t>
-            </a:r>
-            <a:r>
-              <a:rPr lang="en-US" dirty="0" err="1">
-                <a:solidFill>
-                  <a:srgbClr val="404040"/>
-                </a:solidFill>
-              </a:rPr>
-              <a:t>biết</a:t>
-            </a:r>
-            <a:r>
-              <a:rPr lang="en-US" dirty="0">
-                <a:solidFill>
-                  <a:srgbClr val="404040"/>
-                </a:solidFill>
-              </a:rPr>
-              <a:t> </a:t>
-            </a:r>
-            <a:r>
-              <a:rPr lang="en-US" dirty="0" err="1">
-                <a:solidFill>
-                  <a:srgbClr val="404040"/>
-                </a:solidFill>
-              </a:rPr>
-              <a:t>là</a:t>
-            </a:r>
-            <a:r>
-              <a:rPr lang="en-US" dirty="0">
-                <a:solidFill>
-                  <a:srgbClr val="404040"/>
-                </a:solidFill>
-              </a:rPr>
-              <a:t> </a:t>
-            </a:r>
-            <a:r>
-              <a:rPr lang="en-US" dirty="0" err="1">
-                <a:solidFill>
-                  <a:srgbClr val="404040"/>
-                </a:solidFill>
-              </a:rPr>
-              <a:t>cách</a:t>
-            </a:r>
-            <a:r>
-              <a:rPr lang="en-US" dirty="0">
-                <a:solidFill>
-                  <a:srgbClr val="404040"/>
-                </a:solidFill>
-              </a:rPr>
-              <a:t> </a:t>
-            </a:r>
-            <a:r>
-              <a:rPr lang="en-US" dirty="0" err="1">
-                <a:solidFill>
-                  <a:srgbClr val="404040"/>
-                </a:solidFill>
-              </a:rPr>
-              <a:t>mạng</a:t>
-            </a:r>
-            <a:r>
-              <a:rPr lang="en-US" dirty="0">
-                <a:solidFill>
-                  <a:srgbClr val="404040"/>
-                </a:solidFill>
-              </a:rPr>
-              <a:t> </a:t>
-            </a:r>
-            <a:r>
-              <a:rPr lang="en-US" dirty="0" err="1">
-                <a:solidFill>
-                  <a:srgbClr val="404040"/>
-                </a:solidFill>
-              </a:rPr>
-              <a:t>công</a:t>
-            </a:r>
-            <a:r>
-              <a:rPr lang="en-US" dirty="0">
-                <a:solidFill>
-                  <a:srgbClr val="404040"/>
-                </a:solidFill>
-              </a:rPr>
-              <a:t> </a:t>
-            </a:r>
-            <a:r>
-              <a:rPr lang="en-US" dirty="0" err="1">
-                <a:solidFill>
-                  <a:srgbClr val="404040"/>
-                </a:solidFill>
-              </a:rPr>
-              <a:t>nghiệp</a:t>
-            </a:r>
-            <a:r>
-              <a:rPr lang="en-US" dirty="0">
-                <a:solidFill>
-                  <a:srgbClr val="404040"/>
-                </a:solidFill>
-              </a:rPr>
-              <a:t> 4.0.</a:t>
-            </a:r>
-          </a:p>
           <a:p>
             <a:pPr marL="285750" indent="-228600" defTabSz="914400">
               <a:spcBef>
@@ -31870,7 +31990,7 @@
               </a:spcAft>
             </a:pPr>
             <a:r>
-              <a:rPr lang="en-US" sz="3000" b="1" kern="1200" cap="all" spc="200" baseline="0">
+              <a:rPr lang="en-US" sz="3000" b="1" kern="1200" cap="all" spc="200" baseline="0" dirty="0">
                 <a:solidFill>
                   <a:srgbClr val="FFFFFF"/>
                 </a:solidFill>
@@ -31878,8 +31998,49 @@
                 <a:ea typeface="+mj-ea"/>
                 <a:cs typeface="+mj-cs"/>
               </a:rPr>
-              <a:t>2. Động lực</a:t>
-            </a:r>
+              <a:t>2.2 </a:t>
+            </a:r>
+            <a:r>
+              <a:rPr lang="en-US" sz="3000" b="1" kern="1200" cap="all" spc="200" baseline="0" dirty="0" err="1">
+                <a:solidFill>
+                  <a:srgbClr val="FFFFFF"/>
+                </a:solidFill>
+                <a:latin typeface="+mj-lt"/>
+                <a:ea typeface="+mj-ea"/>
+                <a:cs typeface="+mj-cs"/>
+              </a:rPr>
+              <a:t>Động</a:t>
+            </a:r>
+            <a:r>
+              <a:rPr lang="en-US" sz="3000" b="1" kern="1200" cap="all" spc="200" baseline="0" dirty="0">
+                <a:solidFill>
+                  <a:srgbClr val="FFFFFF"/>
+                </a:solidFill>
+                <a:latin typeface="+mj-lt"/>
+                <a:ea typeface="+mj-ea"/>
+                <a:cs typeface="+mj-cs"/>
+              </a:rPr>
+              <a:t> </a:t>
+            </a:r>
+            <a:r>
+              <a:rPr lang="en-US" sz="3000" b="1" kern="1200" cap="all" spc="200" baseline="0" dirty="0" err="1">
+                <a:solidFill>
+                  <a:srgbClr val="FFFFFF"/>
+                </a:solidFill>
+                <a:latin typeface="+mj-lt"/>
+                <a:ea typeface="+mj-ea"/>
+                <a:cs typeface="+mj-cs"/>
+              </a:rPr>
+              <a:t>lực</a:t>
+            </a:r>
+            <a:endParaRPr lang="en-US" sz="3000" b="1" kern="1200" cap="all" spc="200" baseline="0" dirty="0">
+              <a:solidFill>
+                <a:srgbClr val="FFFFFF"/>
+              </a:solidFill>
+              <a:latin typeface="+mj-lt"/>
+              <a:ea typeface="+mj-ea"/>
+              <a:cs typeface="+mj-cs"/>
+            </a:endParaRPr>
           </a:p>
         </p:txBody>
       </p:sp>
@@ -32342,8 +32503,8 @@
         </p:nvSpPr>
         <p:spPr>
           <a:xfrm>
-            <a:off x="2944200" y="488544"/>
-            <a:ext cx="6303600" cy="770400"/>
+            <a:off x="588475" y="148672"/>
+            <a:ext cx="11110112" cy="1258944"/>
           </a:xfrm>
           <a:prstGeom prst="rect">
             <a:avLst/>
@@ -32355,21 +32516,322 @@
           </a:bodyPr>
           <a:lstStyle/>
           <a:p>
-            <a:pPr algn="ctr"/>
-            <a:r>
-              <a:rPr lang="vi-VN" dirty="0"/>
-              <a:t>Google Translate</a:t>
-            </a:r>
-            <a:endParaRPr dirty="0"/>
+            <a:r>
+              <a:rPr lang="vi-VN" b="1" dirty="0"/>
+              <a:t>Cambridge Dictionary Translate</a:t>
+            </a:r>
+            <a:endParaRPr lang="en-US" dirty="0"/>
+          </a:p>
+        </p:txBody>
+      </p:sp>
+      <p:sp>
+        <p:nvSpPr>
+          <p:cNvPr id="2" name="TextBox 1">
+            <a:extLst>
+              <a:ext uri="{FF2B5EF4-FFF2-40B4-BE49-F238E27FC236}">
+                <a16:creationId xmlns:a16="http://schemas.microsoft.com/office/drawing/2014/main" id="{909CD7C2-292B-F84D-9DFB-79C23F863489}"/>
+              </a:ext>
+            </a:extLst>
+          </p:cNvPr>
+          <p:cNvSpPr txBox="1"/>
+          <p:nvPr/>
+        </p:nvSpPr>
+        <p:spPr>
+          <a:xfrm>
+            <a:off x="6950043" y="2390170"/>
+            <a:ext cx="5241957" cy="3078175"/>
+          </a:xfrm>
+          <a:prstGeom prst="rect">
+            <a:avLst/>
+          </a:prstGeom>
+          <a:noFill/>
+          <a:ln>
+            <a:noFill/>
+          </a:ln>
+        </p:spPr>
+        <p:txBody>
+          <a:bodyPr spcFirstLastPara="1" vert="horz" wrap="square" lIns="365760" tIns="243840" rIns="365760" bIns="243840" rtlCol="0" anchor="ctr" anchorCtr="1">
+            <a:normAutofit/>
+          </a:bodyPr>
+          <a:lstStyle/>
+          <a:p>
+            <a:pPr marL="457189" indent="-457189">
+              <a:buFont typeface="Wingdings" pitchFamily="2" charset="2"/>
+              <a:buChar char="Ø"/>
+            </a:pPr>
+            <a:r>
+              <a:rPr lang="en-US" sz="2667" b="1" dirty="0" err="1">
+                <a:latin typeface="Segoe UI" panose="020B0502040204020203" pitchFamily="34" charset="0"/>
+                <a:cs typeface="Segoe UI" panose="020B0502040204020203" pitchFamily="34" charset="0"/>
+              </a:rPr>
+              <a:t>Tối</a:t>
+            </a:r>
+            <a:r>
+              <a:rPr lang="en-US" sz="2667" b="1" dirty="0">
+                <a:latin typeface="Segoe UI" panose="020B0502040204020203" pitchFamily="34" charset="0"/>
+                <a:cs typeface="Segoe UI" panose="020B0502040204020203" pitchFamily="34" charset="0"/>
+              </a:rPr>
+              <a:t> </a:t>
+            </a:r>
+            <a:r>
+              <a:rPr lang="en-US" sz="2667" b="1" dirty="0" err="1">
+                <a:latin typeface="Segoe UI" panose="020B0502040204020203" pitchFamily="34" charset="0"/>
+                <a:cs typeface="Segoe UI" panose="020B0502040204020203" pitchFamily="34" charset="0"/>
+              </a:rPr>
+              <a:t>đa</a:t>
+            </a:r>
+            <a:r>
+              <a:rPr lang="en-US" sz="2667" b="1" dirty="0">
+                <a:latin typeface="Segoe UI" panose="020B0502040204020203" pitchFamily="34" charset="0"/>
+                <a:cs typeface="Segoe UI" panose="020B0502040204020203" pitchFamily="34" charset="0"/>
+              </a:rPr>
+              <a:t> 160 </a:t>
+            </a:r>
+            <a:r>
+              <a:rPr lang="en-US" sz="2667" b="1" dirty="0" err="1">
+                <a:latin typeface="Segoe UI" panose="020B0502040204020203" pitchFamily="34" charset="0"/>
+                <a:cs typeface="Segoe UI" panose="020B0502040204020203" pitchFamily="34" charset="0"/>
+              </a:rPr>
+              <a:t>kí</a:t>
+            </a:r>
+            <a:r>
+              <a:rPr lang="en-US" sz="2667" b="1" dirty="0">
+                <a:latin typeface="Segoe UI" panose="020B0502040204020203" pitchFamily="34" charset="0"/>
+                <a:cs typeface="Segoe UI" panose="020B0502040204020203" pitchFamily="34" charset="0"/>
+              </a:rPr>
+              <a:t> </a:t>
+            </a:r>
+            <a:r>
+              <a:rPr lang="en-US" sz="2667" b="1" dirty="0" err="1">
+                <a:latin typeface="Segoe UI" panose="020B0502040204020203" pitchFamily="34" charset="0"/>
+                <a:cs typeface="Segoe UI" panose="020B0502040204020203" pitchFamily="34" charset="0"/>
+              </a:rPr>
+              <a:t>tự</a:t>
+            </a:r>
+            <a:r>
+              <a:rPr lang="en-US" sz="2667" b="1" dirty="0">
+                <a:latin typeface="Segoe UI" panose="020B0502040204020203" pitchFamily="34" charset="0"/>
+                <a:cs typeface="Segoe UI" panose="020B0502040204020203" pitchFamily="34" charset="0"/>
+              </a:rPr>
+              <a:t> </a:t>
+            </a:r>
+            <a:r>
+              <a:rPr lang="en-US" sz="2667" b="1" dirty="0" err="1">
+                <a:latin typeface="Segoe UI" panose="020B0502040204020203" pitchFamily="34" charset="0"/>
+                <a:cs typeface="Segoe UI" panose="020B0502040204020203" pitchFamily="34" charset="0"/>
+              </a:rPr>
+              <a:t>mỗi</a:t>
+            </a:r>
+            <a:r>
+              <a:rPr lang="en-US" sz="2667" b="1" dirty="0">
+                <a:latin typeface="Segoe UI" panose="020B0502040204020203" pitchFamily="34" charset="0"/>
+                <a:cs typeface="Segoe UI" panose="020B0502040204020203" pitchFamily="34" charset="0"/>
+              </a:rPr>
+              <a:t> </a:t>
+            </a:r>
+            <a:r>
+              <a:rPr lang="en-US" sz="2667" b="1" dirty="0" err="1">
+                <a:latin typeface="Segoe UI" panose="020B0502040204020203" pitchFamily="34" charset="0"/>
+                <a:cs typeface="Segoe UI" panose="020B0502040204020203" pitchFamily="34" charset="0"/>
+              </a:rPr>
+              <a:t>lần</a:t>
+            </a:r>
+            <a:r>
+              <a:rPr lang="en-US" sz="2667" b="1" dirty="0">
+                <a:latin typeface="Segoe UI" panose="020B0502040204020203" pitchFamily="34" charset="0"/>
+                <a:cs typeface="Segoe UI" panose="020B0502040204020203" pitchFamily="34" charset="0"/>
+              </a:rPr>
+              <a:t> </a:t>
+            </a:r>
+            <a:r>
+              <a:rPr lang="en-US" sz="2667" b="1" dirty="0" err="1">
+                <a:latin typeface="Segoe UI" panose="020B0502040204020203" pitchFamily="34" charset="0"/>
+                <a:cs typeface="Segoe UI" panose="020B0502040204020203" pitchFamily="34" charset="0"/>
+              </a:rPr>
+              <a:t>dịch</a:t>
+            </a:r>
+            <a:r>
+              <a:rPr lang="en-US" sz="2667" b="1" dirty="0">
+                <a:latin typeface="Segoe UI" panose="020B0502040204020203" pitchFamily="34" charset="0"/>
+                <a:cs typeface="Segoe UI" panose="020B0502040204020203" pitchFamily="34" charset="0"/>
+              </a:rPr>
+              <a:t>.</a:t>
+            </a:r>
+          </a:p>
+          <a:p>
+            <a:pPr marL="457189" indent="-457189">
+              <a:buFont typeface="Wingdings" pitchFamily="2" charset="2"/>
+              <a:buChar char="Ø"/>
+            </a:pPr>
+            <a:r>
+              <a:rPr lang="en-US" sz="2667" b="1" dirty="0" err="1">
+                <a:latin typeface="Segoe UI" panose="020B0502040204020203" pitchFamily="34" charset="0"/>
+                <a:cs typeface="Segoe UI" panose="020B0502040204020203" pitchFamily="34" charset="0"/>
+              </a:rPr>
+              <a:t>Tối</a:t>
+            </a:r>
+            <a:r>
+              <a:rPr lang="en-US" sz="2667" b="1" dirty="0">
+                <a:latin typeface="Segoe UI" panose="020B0502040204020203" pitchFamily="34" charset="0"/>
+                <a:cs typeface="Segoe UI" panose="020B0502040204020203" pitchFamily="34" charset="0"/>
+              </a:rPr>
+              <a:t> </a:t>
+            </a:r>
+            <a:r>
+              <a:rPr lang="en-US" sz="2667" b="1" dirty="0" err="1">
+                <a:latin typeface="Segoe UI" panose="020B0502040204020203" pitchFamily="34" charset="0"/>
+                <a:cs typeface="Segoe UI" panose="020B0502040204020203" pitchFamily="34" charset="0"/>
+              </a:rPr>
+              <a:t>đa</a:t>
+            </a:r>
+            <a:r>
+              <a:rPr lang="en-US" sz="2667" b="1" dirty="0">
+                <a:latin typeface="Segoe UI" panose="020B0502040204020203" pitchFamily="34" charset="0"/>
+                <a:cs typeface="Segoe UI" panose="020B0502040204020203" pitchFamily="34" charset="0"/>
+              </a:rPr>
+              <a:t> 2000 </a:t>
+            </a:r>
+            <a:r>
+              <a:rPr lang="en-US" sz="2667" b="1" dirty="0" err="1">
+                <a:latin typeface="Segoe UI" panose="020B0502040204020203" pitchFamily="34" charset="0"/>
+                <a:cs typeface="Segoe UI" panose="020B0502040204020203" pitchFamily="34" charset="0"/>
+              </a:rPr>
+              <a:t>từ</a:t>
+            </a:r>
+            <a:r>
+              <a:rPr lang="en-US" sz="2667" b="1" dirty="0">
+                <a:latin typeface="Segoe UI" panose="020B0502040204020203" pitchFamily="34" charset="0"/>
+                <a:cs typeface="Segoe UI" panose="020B0502040204020203" pitchFamily="34" charset="0"/>
+              </a:rPr>
+              <a:t> </a:t>
+            </a:r>
+            <a:r>
+              <a:rPr lang="en-US" sz="2667" b="1" dirty="0" err="1">
+                <a:latin typeface="Segoe UI" panose="020B0502040204020203" pitchFamily="34" charset="0"/>
+                <a:cs typeface="Segoe UI" panose="020B0502040204020203" pitchFamily="34" charset="0"/>
+              </a:rPr>
+              <a:t>mỗi</a:t>
+            </a:r>
+            <a:r>
+              <a:rPr lang="en-US" sz="2667" b="1" dirty="0">
+                <a:latin typeface="Segoe UI" panose="020B0502040204020203" pitchFamily="34" charset="0"/>
+                <a:cs typeface="Segoe UI" panose="020B0502040204020203" pitchFamily="34" charset="0"/>
+              </a:rPr>
+              <a:t> </a:t>
+            </a:r>
+            <a:r>
+              <a:rPr lang="en-US" sz="2667" b="1" dirty="0" err="1">
+                <a:latin typeface="Segoe UI" panose="020B0502040204020203" pitchFamily="34" charset="0"/>
+                <a:cs typeface="Segoe UI" panose="020B0502040204020203" pitchFamily="34" charset="0"/>
+              </a:rPr>
+              <a:t>ngày</a:t>
+            </a:r>
+            <a:r>
+              <a:rPr lang="en-US" sz="2667" b="1" dirty="0">
+                <a:latin typeface="Segoe UI" panose="020B0502040204020203" pitchFamily="34" charset="0"/>
+                <a:cs typeface="Segoe UI" panose="020B0502040204020203" pitchFamily="34" charset="0"/>
+              </a:rPr>
+              <a:t>.</a:t>
+            </a:r>
+          </a:p>
+          <a:p>
+            <a:pPr marL="457189" indent="-457189">
+              <a:buFont typeface="Wingdings" pitchFamily="2" charset="2"/>
+              <a:buChar char="Ø"/>
+            </a:pPr>
+            <a:r>
+              <a:rPr lang="en-US" sz="2667" b="1" dirty="0" err="1">
+                <a:latin typeface="Segoe UI" panose="020B0502040204020203" pitchFamily="34" charset="0"/>
+                <a:cs typeface="Segoe UI" panose="020B0502040204020203" pitchFamily="34" charset="0"/>
+              </a:rPr>
+              <a:t>Cần</a:t>
+            </a:r>
+            <a:r>
+              <a:rPr lang="en-US" sz="2667" b="1" dirty="0">
+                <a:latin typeface="Segoe UI" panose="020B0502040204020203" pitchFamily="34" charset="0"/>
+                <a:cs typeface="Segoe UI" panose="020B0502040204020203" pitchFamily="34" charset="0"/>
+              </a:rPr>
+              <a:t> </a:t>
+            </a:r>
+            <a:r>
+              <a:rPr lang="en-US" sz="2667" b="1" dirty="0" err="1">
+                <a:latin typeface="Segoe UI" panose="020B0502040204020203" pitchFamily="34" charset="0"/>
+                <a:cs typeface="Segoe UI" panose="020B0502040204020203" pitchFamily="34" charset="0"/>
+              </a:rPr>
+              <a:t>phải</a:t>
+            </a:r>
+            <a:r>
+              <a:rPr lang="en-US" sz="2667" b="1" dirty="0">
+                <a:latin typeface="Segoe UI" panose="020B0502040204020203" pitchFamily="34" charset="0"/>
+                <a:cs typeface="Segoe UI" panose="020B0502040204020203" pitchFamily="34" charset="0"/>
+              </a:rPr>
+              <a:t> </a:t>
+            </a:r>
+            <a:r>
+              <a:rPr lang="en-US" sz="2667" b="1" dirty="0" err="1">
+                <a:latin typeface="Segoe UI" panose="020B0502040204020203" pitchFamily="34" charset="0"/>
+                <a:cs typeface="Segoe UI" panose="020B0502040204020203" pitchFamily="34" charset="0"/>
+              </a:rPr>
+              <a:t>ấn</a:t>
+            </a:r>
+            <a:r>
+              <a:rPr lang="en-US" sz="2667" b="1" dirty="0">
+                <a:latin typeface="Segoe UI" panose="020B0502040204020203" pitchFamily="34" charset="0"/>
+                <a:cs typeface="Segoe UI" panose="020B0502040204020203" pitchFamily="34" charset="0"/>
+              </a:rPr>
+              <a:t> </a:t>
+            </a:r>
+            <a:r>
+              <a:rPr lang="en-US" sz="2667" b="1" dirty="0" err="1">
+                <a:latin typeface="Segoe UI" panose="020B0502040204020203" pitchFamily="34" charset="0"/>
+                <a:cs typeface="Segoe UI" panose="020B0502040204020203" pitchFamily="34" charset="0"/>
+              </a:rPr>
+              <a:t>nút</a:t>
+            </a:r>
+            <a:r>
+              <a:rPr lang="en-US" sz="2667" b="1" dirty="0">
+                <a:latin typeface="Segoe UI" panose="020B0502040204020203" pitchFamily="34" charset="0"/>
+                <a:cs typeface="Segoe UI" panose="020B0502040204020203" pitchFamily="34" charset="0"/>
+              </a:rPr>
+              <a:t> </a:t>
+            </a:r>
+            <a:r>
+              <a:rPr lang="en-US" sz="2667" b="1" dirty="0" err="1">
+                <a:latin typeface="Segoe UI" panose="020B0502040204020203" pitchFamily="34" charset="0"/>
+                <a:cs typeface="Segoe UI" panose="020B0502040204020203" pitchFamily="34" charset="0"/>
+              </a:rPr>
+              <a:t>để</a:t>
+            </a:r>
+            <a:r>
+              <a:rPr lang="en-US" sz="2667" b="1" dirty="0">
+                <a:latin typeface="Segoe UI" panose="020B0502040204020203" pitchFamily="34" charset="0"/>
+                <a:cs typeface="Segoe UI" panose="020B0502040204020203" pitchFamily="34" charset="0"/>
+              </a:rPr>
+              <a:t> </a:t>
+            </a:r>
+            <a:r>
+              <a:rPr lang="en-US" sz="2667" b="1" dirty="0" err="1">
+                <a:latin typeface="Segoe UI" panose="020B0502040204020203" pitchFamily="34" charset="0"/>
+                <a:cs typeface="Segoe UI" panose="020B0502040204020203" pitchFamily="34" charset="0"/>
+              </a:rPr>
+              <a:t>dịch</a:t>
+            </a:r>
+            <a:r>
+              <a:rPr lang="en-US" sz="2667" b="1" dirty="0">
+                <a:latin typeface="Segoe UI" panose="020B0502040204020203" pitchFamily="34" charset="0"/>
+                <a:cs typeface="Segoe UI" panose="020B0502040204020203" pitchFamily="34" charset="0"/>
+              </a:rPr>
+              <a:t>.</a:t>
+            </a:r>
           </a:p>
         </p:txBody>
       </p:sp>
       <p:pic>
         <p:nvPicPr>
-          <p:cNvPr id="4" name="Picture 3" descr="A screenshot of a cell phone&#10;&#10;Description automatically generated">
+          <p:cNvPr id="6" name="Picture 5" descr="A screenshot of a cell phone&#10;&#10;Description automatically generated">
             <a:extLst>
               <a:ext uri="{FF2B5EF4-FFF2-40B4-BE49-F238E27FC236}">
-                <a16:creationId xmlns:a16="http://schemas.microsoft.com/office/drawing/2014/main" id="{E210F442-4A23-0F49-9D5C-BB40B850E6F5}"/>
+                <a16:creationId xmlns:a16="http://schemas.microsoft.com/office/drawing/2014/main" id="{2E34A8B1-637C-6446-89D8-1A61210D29F2}"/>
               </a:ext>
             </a:extLst>
           </p:cNvPr>
@@ -32390,8 +32852,8 @@
         </p:blipFill>
         <p:spPr>
           <a:xfrm>
-            <a:off x="591493" y="2285939"/>
-            <a:ext cx="5698284" cy="3078175"/>
+            <a:off x="588475" y="2631318"/>
+            <a:ext cx="6473228" cy="2595880"/>
           </a:xfrm>
           <a:prstGeom prst="rect">
             <a:avLst/>
@@ -32408,7 +32870,7 @@
                     <a:lumOff val="55000"/>
                   </a:schemeClr>
                 </a:gs>
-                <a:gs pos="99000">
+                <a:gs pos="100000">
                   <a:schemeClr val="accent1">
                     <a:lumMod val="45000"/>
                     <a:lumOff val="55000"/>
@@ -32426,416 +32888,10 @@
           </a:ln>
         </p:spPr>
       </p:pic>
-      <p:sp>
-        <p:nvSpPr>
-          <p:cNvPr id="2" name="TextBox 1">
-            <a:extLst>
-              <a:ext uri="{FF2B5EF4-FFF2-40B4-BE49-F238E27FC236}">
-                <a16:creationId xmlns:a16="http://schemas.microsoft.com/office/drawing/2014/main" id="{909CD7C2-292B-F84D-9DFB-79C23F863489}"/>
-              </a:ext>
-            </a:extLst>
-          </p:cNvPr>
-          <p:cNvSpPr txBox="1"/>
-          <p:nvPr/>
-        </p:nvSpPr>
-        <p:spPr>
-          <a:xfrm>
-            <a:off x="6096000" y="2148690"/>
-            <a:ext cx="5504507" cy="3078175"/>
-          </a:xfrm>
-          <a:prstGeom prst="rect">
-            <a:avLst/>
-          </a:prstGeom>
-          <a:noFill/>
-          <a:ln>
-            <a:noFill/>
-          </a:ln>
-        </p:spPr>
-        <p:txBody>
-          <a:bodyPr spcFirstLastPara="1" vert="horz" wrap="square" lIns="365760" tIns="243840" rIns="365760" bIns="243840" rtlCol="0" anchor="ctr" anchorCtr="1">
-            <a:normAutofit/>
-          </a:bodyPr>
-          <a:lstStyle/>
-          <a:p>
-            <a:pPr marL="457189" indent="-457189">
-              <a:buFont typeface="Wingdings" pitchFamily="2" charset="2"/>
-              <a:buChar char="Ø"/>
-            </a:pPr>
-            <a:r>
-              <a:rPr lang="en-US" sz="2667" b="1" dirty="0" err="1">
-                <a:latin typeface="Segoe UI" panose="020B0502040204020203" pitchFamily="34" charset="0"/>
-                <a:cs typeface="Segoe UI" panose="020B0502040204020203" pitchFamily="34" charset="0"/>
-              </a:rPr>
-              <a:t>Giới</a:t>
-            </a:r>
-            <a:r>
-              <a:rPr lang="en-US" sz="2667" b="1" dirty="0">
-                <a:latin typeface="Segoe UI" panose="020B0502040204020203" pitchFamily="34" charset="0"/>
-                <a:cs typeface="Segoe UI" panose="020B0502040204020203" pitchFamily="34" charset="0"/>
-              </a:rPr>
-              <a:t> </a:t>
-            </a:r>
-            <a:r>
-              <a:rPr lang="en-US" sz="2667" b="1" dirty="0" err="1">
-                <a:latin typeface="Segoe UI" panose="020B0502040204020203" pitchFamily="34" charset="0"/>
-                <a:cs typeface="Segoe UI" panose="020B0502040204020203" pitchFamily="34" charset="0"/>
-              </a:rPr>
-              <a:t>hạn</a:t>
-            </a:r>
-            <a:r>
-              <a:rPr lang="en-US" sz="2667" b="1" dirty="0">
-                <a:latin typeface="Segoe UI" panose="020B0502040204020203" pitchFamily="34" charset="0"/>
-                <a:cs typeface="Segoe UI" panose="020B0502040204020203" pitchFamily="34" charset="0"/>
-              </a:rPr>
-              <a:t> </a:t>
-            </a:r>
-            <a:r>
-              <a:rPr lang="en-US" sz="2667" b="1" dirty="0" err="1">
-                <a:latin typeface="Segoe UI" panose="020B0502040204020203" pitchFamily="34" charset="0"/>
-                <a:cs typeface="Segoe UI" panose="020B0502040204020203" pitchFamily="34" charset="0"/>
-              </a:rPr>
-              <a:t>tối</a:t>
-            </a:r>
-            <a:r>
-              <a:rPr lang="en-US" sz="2667" b="1" dirty="0">
-                <a:latin typeface="Segoe UI" panose="020B0502040204020203" pitchFamily="34" charset="0"/>
-                <a:cs typeface="Segoe UI" panose="020B0502040204020203" pitchFamily="34" charset="0"/>
-              </a:rPr>
-              <a:t> </a:t>
-            </a:r>
-            <a:r>
-              <a:rPr lang="en-US" sz="2667" b="1" dirty="0" err="1">
-                <a:latin typeface="Segoe UI" panose="020B0502040204020203" pitchFamily="34" charset="0"/>
-                <a:cs typeface="Segoe UI" panose="020B0502040204020203" pitchFamily="34" charset="0"/>
-              </a:rPr>
-              <a:t>đa</a:t>
-            </a:r>
-            <a:r>
-              <a:rPr lang="en-US" sz="2667" b="1" dirty="0">
-                <a:latin typeface="Segoe UI" panose="020B0502040204020203" pitchFamily="34" charset="0"/>
-                <a:cs typeface="Segoe UI" panose="020B0502040204020203" pitchFamily="34" charset="0"/>
-              </a:rPr>
-              <a:t> 5000 </a:t>
-            </a:r>
-            <a:r>
-              <a:rPr lang="en-US" sz="2667" b="1" dirty="0" err="1">
-                <a:latin typeface="Segoe UI" panose="020B0502040204020203" pitchFamily="34" charset="0"/>
-                <a:cs typeface="Segoe UI" panose="020B0502040204020203" pitchFamily="34" charset="0"/>
-              </a:rPr>
-              <a:t>từ</a:t>
-            </a:r>
-            <a:r>
-              <a:rPr lang="en-US" sz="2667" b="1" dirty="0">
-                <a:latin typeface="Segoe UI" panose="020B0502040204020203" pitchFamily="34" charset="0"/>
-                <a:cs typeface="Segoe UI" panose="020B0502040204020203" pitchFamily="34" charset="0"/>
-              </a:rPr>
-              <a:t> </a:t>
-            </a:r>
-            <a:r>
-              <a:rPr lang="en-US" sz="2667" b="1" dirty="0" err="1">
-                <a:latin typeface="Segoe UI" panose="020B0502040204020203" pitchFamily="34" charset="0"/>
-                <a:cs typeface="Segoe UI" panose="020B0502040204020203" pitchFamily="34" charset="0"/>
-              </a:rPr>
-              <a:t>cho</a:t>
-            </a:r>
-            <a:r>
-              <a:rPr lang="en-US" sz="2667" b="1" dirty="0">
-                <a:latin typeface="Segoe UI" panose="020B0502040204020203" pitchFamily="34" charset="0"/>
-                <a:cs typeface="Segoe UI" panose="020B0502040204020203" pitchFamily="34" charset="0"/>
-              </a:rPr>
-              <a:t> </a:t>
-            </a:r>
-            <a:r>
-              <a:rPr lang="en-US" sz="2667" b="1" dirty="0" err="1">
-                <a:latin typeface="Segoe UI" panose="020B0502040204020203" pitchFamily="34" charset="0"/>
-                <a:cs typeface="Segoe UI" panose="020B0502040204020203" pitchFamily="34" charset="0"/>
-              </a:rPr>
-              <a:t>mỗi</a:t>
-            </a:r>
-            <a:r>
-              <a:rPr lang="en-US" sz="2667" b="1" dirty="0">
-                <a:latin typeface="Segoe UI" panose="020B0502040204020203" pitchFamily="34" charset="0"/>
-                <a:cs typeface="Segoe UI" panose="020B0502040204020203" pitchFamily="34" charset="0"/>
-              </a:rPr>
-              <a:t> </a:t>
-            </a:r>
-            <a:r>
-              <a:rPr lang="en-US" sz="2667" b="1" dirty="0" err="1">
-                <a:latin typeface="Segoe UI" panose="020B0502040204020203" pitchFamily="34" charset="0"/>
-                <a:cs typeface="Segoe UI" panose="020B0502040204020203" pitchFamily="34" charset="0"/>
-              </a:rPr>
-              <a:t>lần</a:t>
-            </a:r>
-            <a:r>
-              <a:rPr lang="en-US" sz="2667" b="1" dirty="0">
-                <a:latin typeface="Segoe UI" panose="020B0502040204020203" pitchFamily="34" charset="0"/>
-                <a:cs typeface="Segoe UI" panose="020B0502040204020203" pitchFamily="34" charset="0"/>
-              </a:rPr>
-              <a:t> </a:t>
-            </a:r>
-            <a:r>
-              <a:rPr lang="en-US" sz="2667" b="1" dirty="0" err="1">
-                <a:latin typeface="Segoe UI" panose="020B0502040204020203" pitchFamily="34" charset="0"/>
-                <a:cs typeface="Segoe UI" panose="020B0502040204020203" pitchFamily="34" charset="0"/>
-              </a:rPr>
-              <a:t>dịch</a:t>
-            </a:r>
-            <a:r>
-              <a:rPr lang="en-US" sz="2667" b="1" dirty="0">
-                <a:latin typeface="Segoe UI" panose="020B0502040204020203" pitchFamily="34" charset="0"/>
-                <a:cs typeface="Segoe UI" panose="020B0502040204020203" pitchFamily="34" charset="0"/>
-              </a:rPr>
-              <a:t>.</a:t>
-            </a:r>
-          </a:p>
-          <a:p>
-            <a:pPr marL="457189" indent="-457189">
-              <a:buFont typeface="Wingdings" pitchFamily="2" charset="2"/>
-              <a:buChar char="Ø"/>
-            </a:pPr>
-            <a:r>
-              <a:rPr lang="en-US" sz="2667" b="1" dirty="0" err="1">
-                <a:latin typeface="Segoe UI" panose="020B0502040204020203" pitchFamily="34" charset="0"/>
-                <a:cs typeface="Segoe UI" panose="020B0502040204020203" pitchFamily="34" charset="0"/>
-              </a:rPr>
-              <a:t>Cắt</a:t>
-            </a:r>
-            <a:r>
-              <a:rPr lang="en-US" sz="2667" b="1" dirty="0">
-                <a:latin typeface="Segoe UI" panose="020B0502040204020203" pitchFamily="34" charset="0"/>
-                <a:cs typeface="Segoe UI" panose="020B0502040204020203" pitchFamily="34" charset="0"/>
-              </a:rPr>
-              <a:t> </a:t>
-            </a:r>
-            <a:r>
-              <a:rPr lang="en-US" sz="2667" b="1" dirty="0" err="1">
-                <a:latin typeface="Segoe UI" panose="020B0502040204020203" pitchFamily="34" charset="0"/>
-                <a:cs typeface="Segoe UI" panose="020B0502040204020203" pitchFamily="34" charset="0"/>
-              </a:rPr>
-              <a:t>đoạn</a:t>
-            </a:r>
-            <a:r>
-              <a:rPr lang="en-US" sz="2667" b="1" dirty="0">
-                <a:latin typeface="Segoe UI" panose="020B0502040204020203" pitchFamily="34" charset="0"/>
-                <a:cs typeface="Segoe UI" panose="020B0502040204020203" pitchFamily="34" charset="0"/>
-              </a:rPr>
-              <a:t> </a:t>
-            </a:r>
-            <a:r>
-              <a:rPr lang="en-US" sz="2667" b="1" dirty="0" err="1">
-                <a:latin typeface="Segoe UI" panose="020B0502040204020203" pitchFamily="34" charset="0"/>
-                <a:cs typeface="Segoe UI" panose="020B0502040204020203" pitchFamily="34" charset="0"/>
-              </a:rPr>
-              <a:t>chưa</a:t>
-            </a:r>
-            <a:r>
-              <a:rPr lang="en-US" sz="2667" b="1" dirty="0">
-                <a:latin typeface="Segoe UI" panose="020B0502040204020203" pitchFamily="34" charset="0"/>
-                <a:cs typeface="Segoe UI" panose="020B0502040204020203" pitchFamily="34" charset="0"/>
-              </a:rPr>
-              <a:t> </a:t>
-            </a:r>
-            <a:r>
-              <a:rPr lang="en-US" sz="2667" b="1" dirty="0" err="1">
-                <a:latin typeface="Segoe UI" panose="020B0502040204020203" pitchFamily="34" charset="0"/>
-                <a:cs typeface="Segoe UI" panose="020B0502040204020203" pitchFamily="34" charset="0"/>
-              </a:rPr>
-              <a:t>hợp</a:t>
-            </a:r>
-            <a:r>
-              <a:rPr lang="en-US" sz="2667" b="1" dirty="0">
-                <a:latin typeface="Segoe UI" panose="020B0502040204020203" pitchFamily="34" charset="0"/>
-                <a:cs typeface="Segoe UI" panose="020B0502040204020203" pitchFamily="34" charset="0"/>
-              </a:rPr>
-              <a:t> </a:t>
-            </a:r>
-            <a:r>
-              <a:rPr lang="en-US" sz="2667" b="1" dirty="0" err="1">
-                <a:latin typeface="Segoe UI" panose="020B0502040204020203" pitchFamily="34" charset="0"/>
-                <a:cs typeface="Segoe UI" panose="020B0502040204020203" pitchFamily="34" charset="0"/>
-              </a:rPr>
-              <a:t>lí</a:t>
-            </a:r>
-            <a:r>
-              <a:rPr lang="en-US" sz="2667" b="1" dirty="0">
-                <a:latin typeface="Segoe UI" panose="020B0502040204020203" pitchFamily="34" charset="0"/>
-                <a:cs typeface="Segoe UI" panose="020B0502040204020203" pitchFamily="34" charset="0"/>
-              </a:rPr>
-              <a:t>.</a:t>
-            </a:r>
-          </a:p>
-          <a:p>
-            <a:pPr marL="457189" indent="-457189">
-              <a:buFont typeface="Wingdings" pitchFamily="2" charset="2"/>
-              <a:buChar char="Ø"/>
-            </a:pPr>
-            <a:r>
-              <a:rPr lang="en-US" sz="2667" b="1" dirty="0" err="1">
-                <a:latin typeface="Segoe UI" panose="020B0502040204020203" pitchFamily="34" charset="0"/>
-                <a:cs typeface="Segoe UI" panose="020B0502040204020203" pitchFamily="34" charset="0"/>
-              </a:rPr>
-              <a:t>Một</a:t>
-            </a:r>
-            <a:r>
-              <a:rPr lang="en-US" sz="2667" b="1" dirty="0">
-                <a:latin typeface="Segoe UI" panose="020B0502040204020203" pitchFamily="34" charset="0"/>
-                <a:cs typeface="Segoe UI" panose="020B0502040204020203" pitchFamily="34" charset="0"/>
-              </a:rPr>
-              <a:t> </a:t>
-            </a:r>
-            <a:r>
-              <a:rPr lang="en-US" sz="2667" b="1" dirty="0" err="1">
-                <a:latin typeface="Segoe UI" panose="020B0502040204020203" pitchFamily="34" charset="0"/>
-                <a:cs typeface="Segoe UI" panose="020B0502040204020203" pitchFamily="34" charset="0"/>
-              </a:rPr>
-              <a:t>số</a:t>
-            </a:r>
-            <a:r>
-              <a:rPr lang="en-US" sz="2667" b="1" dirty="0">
-                <a:latin typeface="Segoe UI" panose="020B0502040204020203" pitchFamily="34" charset="0"/>
-                <a:cs typeface="Segoe UI" panose="020B0502040204020203" pitchFamily="34" charset="0"/>
-              </a:rPr>
-              <a:t> </a:t>
-            </a:r>
-            <a:r>
-              <a:rPr lang="en-US" sz="2667" b="1" dirty="0" err="1">
-                <a:latin typeface="Segoe UI" panose="020B0502040204020203" pitchFamily="34" charset="0"/>
-                <a:cs typeface="Segoe UI" panose="020B0502040204020203" pitchFamily="34" charset="0"/>
-              </a:rPr>
-              <a:t>trường</a:t>
-            </a:r>
-            <a:r>
-              <a:rPr lang="en-US" sz="2667" b="1" dirty="0">
-                <a:latin typeface="Segoe UI" panose="020B0502040204020203" pitchFamily="34" charset="0"/>
-                <a:cs typeface="Segoe UI" panose="020B0502040204020203" pitchFamily="34" charset="0"/>
-              </a:rPr>
-              <a:t> </a:t>
-            </a:r>
-            <a:r>
-              <a:rPr lang="en-US" sz="2667" b="1" dirty="0" err="1">
-                <a:latin typeface="Segoe UI" panose="020B0502040204020203" pitchFamily="34" charset="0"/>
-                <a:cs typeface="Segoe UI" panose="020B0502040204020203" pitchFamily="34" charset="0"/>
-              </a:rPr>
-              <a:t>hợp</a:t>
-            </a:r>
-            <a:r>
-              <a:rPr lang="en-US" sz="2667" b="1" dirty="0">
-                <a:latin typeface="Segoe UI" panose="020B0502040204020203" pitchFamily="34" charset="0"/>
-                <a:cs typeface="Segoe UI" panose="020B0502040204020203" pitchFamily="34" charset="0"/>
-              </a:rPr>
-              <a:t> </a:t>
-            </a:r>
-            <a:r>
-              <a:rPr lang="en-US" sz="2667" b="1" dirty="0" err="1">
-                <a:latin typeface="Segoe UI" panose="020B0502040204020203" pitchFamily="34" charset="0"/>
-                <a:cs typeface="Segoe UI" panose="020B0502040204020203" pitchFamily="34" charset="0"/>
-              </a:rPr>
-              <a:t>bỏ</a:t>
-            </a:r>
-            <a:r>
-              <a:rPr lang="en-US" sz="2667" b="1" dirty="0">
-                <a:latin typeface="Segoe UI" panose="020B0502040204020203" pitchFamily="34" charset="0"/>
-                <a:cs typeface="Segoe UI" panose="020B0502040204020203" pitchFamily="34" charset="0"/>
-              </a:rPr>
-              <a:t> qua </a:t>
-            </a:r>
-            <a:r>
-              <a:rPr lang="en-US" sz="2667" b="1" dirty="0" err="1">
-                <a:latin typeface="Segoe UI" panose="020B0502040204020203" pitchFamily="34" charset="0"/>
-                <a:cs typeface="Segoe UI" panose="020B0502040204020203" pitchFamily="34" charset="0"/>
-              </a:rPr>
-              <a:t>đoạn</a:t>
-            </a:r>
-            <a:r>
-              <a:rPr lang="en-US" sz="2667" b="1" dirty="0">
-                <a:latin typeface="Segoe UI" panose="020B0502040204020203" pitchFamily="34" charset="0"/>
-                <a:cs typeface="Segoe UI" panose="020B0502040204020203" pitchFamily="34" charset="0"/>
-              </a:rPr>
-              <a:t> </a:t>
-            </a:r>
-            <a:r>
-              <a:rPr lang="en-US" sz="2667" b="1" dirty="0" err="1">
-                <a:latin typeface="Segoe UI" panose="020B0502040204020203" pitchFamily="34" charset="0"/>
-                <a:cs typeface="Segoe UI" panose="020B0502040204020203" pitchFamily="34" charset="0"/>
-              </a:rPr>
-              <a:t>văn</a:t>
-            </a:r>
-            <a:r>
-              <a:rPr lang="en-US" sz="2667" b="1" dirty="0">
-                <a:latin typeface="Segoe UI" panose="020B0502040204020203" pitchFamily="34" charset="0"/>
-                <a:cs typeface="Segoe UI" panose="020B0502040204020203" pitchFamily="34" charset="0"/>
-              </a:rPr>
-              <a:t> </a:t>
-            </a:r>
-            <a:r>
-              <a:rPr lang="en-US" sz="2667" b="1" dirty="0" err="1">
-                <a:latin typeface="Segoe UI" panose="020B0502040204020203" pitchFamily="34" charset="0"/>
-                <a:cs typeface="Segoe UI" panose="020B0502040204020203" pitchFamily="34" charset="0"/>
-              </a:rPr>
-              <a:t>có</a:t>
-            </a:r>
-            <a:r>
-              <a:rPr lang="en-US" sz="2667" b="1" dirty="0">
-                <a:latin typeface="Segoe UI" panose="020B0502040204020203" pitchFamily="34" charset="0"/>
-                <a:cs typeface="Segoe UI" panose="020B0502040204020203" pitchFamily="34" charset="0"/>
-              </a:rPr>
-              <a:t> </a:t>
-            </a:r>
-            <a:r>
-              <a:rPr lang="en-US" sz="2667" b="1" dirty="0" err="1">
-                <a:latin typeface="Segoe UI" panose="020B0502040204020203" pitchFamily="34" charset="0"/>
-                <a:cs typeface="Segoe UI" panose="020B0502040204020203" pitchFamily="34" charset="0"/>
-              </a:rPr>
-              <a:t>kí</a:t>
-            </a:r>
-            <a:r>
-              <a:rPr lang="en-US" sz="2667" b="1" dirty="0">
-                <a:latin typeface="Segoe UI" panose="020B0502040204020203" pitchFamily="34" charset="0"/>
-                <a:cs typeface="Segoe UI" panose="020B0502040204020203" pitchFamily="34" charset="0"/>
-              </a:rPr>
-              <a:t> </a:t>
-            </a:r>
-            <a:r>
-              <a:rPr lang="en-US" sz="2667" b="1" dirty="0" err="1">
-                <a:latin typeface="Segoe UI" panose="020B0502040204020203" pitchFamily="34" charset="0"/>
-                <a:cs typeface="Segoe UI" panose="020B0502040204020203" pitchFamily="34" charset="0"/>
-              </a:rPr>
-              <a:t>tự</a:t>
-            </a:r>
-            <a:r>
-              <a:rPr lang="en-US" sz="2667" b="1" dirty="0">
-                <a:latin typeface="Segoe UI" panose="020B0502040204020203" pitchFamily="34" charset="0"/>
-                <a:cs typeface="Segoe UI" panose="020B0502040204020203" pitchFamily="34" charset="0"/>
-              </a:rPr>
-              <a:t> ”.(”.</a:t>
-            </a:r>
-          </a:p>
-          <a:p>
-            <a:pPr marL="457189" indent="-457189">
-              <a:buFont typeface="Wingdings" pitchFamily="2" charset="2"/>
-              <a:buChar char="Ø"/>
-            </a:pPr>
-            <a:endParaRPr lang="en-US" sz="2667" b="1" dirty="0">
-              <a:latin typeface="Segoe UI" panose="020B0502040204020203" pitchFamily="34" charset="0"/>
-              <a:cs typeface="Segoe UI" panose="020B0502040204020203" pitchFamily="34" charset="0"/>
-            </a:endParaRPr>
-          </a:p>
-          <a:p>
-            <a:pPr marL="457189" indent="-457189">
-              <a:buFont typeface="Wingdings" pitchFamily="2" charset="2"/>
-              <a:buChar char="Ø"/>
-            </a:pPr>
-            <a:endParaRPr lang="en-US" sz="2667" b="1" dirty="0">
-              <a:latin typeface="Segoe UI" panose="020B0502040204020203" pitchFamily="34" charset="0"/>
-              <a:cs typeface="Segoe UI" panose="020B0502040204020203" pitchFamily="34" charset="0"/>
-            </a:endParaRPr>
-          </a:p>
-        </p:txBody>
-      </p:sp>
     </p:spTree>
     <p:extLst>
       <p:ext uri="{BB962C8B-B14F-4D97-AF65-F5344CB8AC3E}">
-        <p14:creationId xmlns:p14="http://schemas.microsoft.com/office/powerpoint/2010/main" val="2580909302"/>
+        <p14:creationId xmlns:p14="http://schemas.microsoft.com/office/powerpoint/2010/main" val="1397029302"/>
       </p:ext>
     </p:extLst>
   </p:cSld>
@@ -32992,7 +33048,21 @@
                 <a:latin typeface="Segoe UI" panose="020B0502040204020203" pitchFamily="34" charset="0"/>
                 <a:cs typeface="Segoe UI" panose="020B0502040204020203" pitchFamily="34" charset="0"/>
               </a:rPr>
-              <a:t>từ</a:t>
+              <a:t>kí</a:t>
+            </a:r>
+            <a:r>
+              <a:rPr lang="en-US" sz="2667" b="1" dirty="0">
+                <a:latin typeface="Segoe UI" panose="020B0502040204020203" pitchFamily="34" charset="0"/>
+                <a:cs typeface="Segoe UI" panose="020B0502040204020203" pitchFamily="34" charset="0"/>
+              </a:rPr>
+              <a:t> </a:t>
+            </a:r>
+            <a:r>
+              <a:rPr lang="en-US" sz="2667" b="1" dirty="0" err="1">
+                <a:latin typeface="Segoe UI" panose="020B0502040204020203" pitchFamily="34" charset="0"/>
+                <a:cs typeface="Segoe UI" panose="020B0502040204020203" pitchFamily="34" charset="0"/>
+              </a:rPr>
+              <a:t>tự</a:t>
             </a:r>
             <a:r>
               <a:rPr lang="en-US" sz="2667" b="1" dirty="0">
@@ -33434,8 +33504,8 @@
         </p:nvSpPr>
         <p:spPr>
           <a:xfrm>
-            <a:off x="588475" y="148672"/>
-            <a:ext cx="11110112" cy="1258944"/>
+            <a:off x="2944200" y="488544"/>
+            <a:ext cx="6303600" cy="770400"/>
           </a:xfrm>
           <a:prstGeom prst="rect">
             <a:avLst/>
@@ -33447,308 +33517,21 @@
           </a:bodyPr>
           <a:lstStyle/>
           <a:p>
-            <a:r>
-              <a:rPr lang="vi-VN" b="1" dirty="0"/>
-              <a:t>Cambridge Dictionary Translate</a:t>
-            </a:r>
-            <a:endParaRPr lang="en-US" dirty="0"/>
-          </a:p>
-        </p:txBody>
-      </p:sp>
-      <p:sp>
-        <p:nvSpPr>
-          <p:cNvPr id="2" name="TextBox 1">
-            <a:extLst>
-              <a:ext uri="{FF2B5EF4-FFF2-40B4-BE49-F238E27FC236}">
-                <a16:creationId xmlns:a16="http://schemas.microsoft.com/office/drawing/2014/main" id="{909CD7C2-292B-F84D-9DFB-79C23F863489}"/>
-              </a:ext>
-            </a:extLst>
-          </p:cNvPr>
-          <p:cNvSpPr txBox="1"/>
-          <p:nvPr/>
-        </p:nvSpPr>
-        <p:spPr>
-          <a:xfrm>
-            <a:off x="6950043" y="1630802"/>
-            <a:ext cx="5241957" cy="3078175"/>
-          </a:xfrm>
-          <a:prstGeom prst="rect">
-            <a:avLst/>
-          </a:prstGeom>
-          <a:noFill/>
-          <a:ln>
-            <a:noFill/>
-          </a:ln>
-        </p:spPr>
-        <p:txBody>
-          <a:bodyPr spcFirstLastPara="1" vert="horz" wrap="square" lIns="365760" tIns="243840" rIns="365760" bIns="243840" rtlCol="0" anchor="ctr" anchorCtr="1">
-            <a:normAutofit/>
-          </a:bodyPr>
-          <a:lstStyle/>
-          <a:p>
-            <a:pPr marL="457189" indent="-457189">
-              <a:buFont typeface="Wingdings" pitchFamily="2" charset="2"/>
-              <a:buChar char="Ø"/>
-            </a:pPr>
-            <a:r>
-              <a:rPr lang="en-US" sz="2667" b="1" dirty="0" err="1">
-                <a:latin typeface="Segoe UI" panose="020B0502040204020203" pitchFamily="34" charset="0"/>
-                <a:cs typeface="Segoe UI" panose="020B0502040204020203" pitchFamily="34" charset="0"/>
-              </a:rPr>
-              <a:t>Tối</a:t>
-            </a:r>
-            <a:r>
-              <a:rPr lang="en-US" sz="2667" b="1" dirty="0">
-                <a:latin typeface="Segoe UI" panose="020B0502040204020203" pitchFamily="34" charset="0"/>
-                <a:cs typeface="Segoe UI" panose="020B0502040204020203" pitchFamily="34" charset="0"/>
-              </a:rPr>
-              <a:t> </a:t>
-            </a:r>
-            <a:r>
-              <a:rPr lang="en-US" sz="2667" b="1" dirty="0" err="1">
-                <a:latin typeface="Segoe UI" panose="020B0502040204020203" pitchFamily="34" charset="0"/>
-                <a:cs typeface="Segoe UI" panose="020B0502040204020203" pitchFamily="34" charset="0"/>
-              </a:rPr>
-              <a:t>đa</a:t>
-            </a:r>
-            <a:r>
-              <a:rPr lang="en-US" sz="2667" b="1" dirty="0">
-                <a:latin typeface="Segoe UI" panose="020B0502040204020203" pitchFamily="34" charset="0"/>
-                <a:cs typeface="Segoe UI" panose="020B0502040204020203" pitchFamily="34" charset="0"/>
-              </a:rPr>
-              <a:t> 160 </a:t>
-            </a:r>
-            <a:r>
-              <a:rPr lang="en-US" sz="2667" b="1" dirty="0" err="1">
-                <a:latin typeface="Segoe UI" panose="020B0502040204020203" pitchFamily="34" charset="0"/>
-                <a:cs typeface="Segoe UI" panose="020B0502040204020203" pitchFamily="34" charset="0"/>
-              </a:rPr>
-              <a:t>từ</a:t>
-            </a:r>
-            <a:r>
-              <a:rPr lang="en-US" sz="2667" b="1" dirty="0">
-                <a:latin typeface="Segoe UI" panose="020B0502040204020203" pitchFamily="34" charset="0"/>
-                <a:cs typeface="Segoe UI" panose="020B0502040204020203" pitchFamily="34" charset="0"/>
-              </a:rPr>
-              <a:t> </a:t>
-            </a:r>
-            <a:r>
-              <a:rPr lang="en-US" sz="2667" b="1" dirty="0" err="1">
-                <a:latin typeface="Segoe UI" panose="020B0502040204020203" pitchFamily="34" charset="0"/>
-                <a:cs typeface="Segoe UI" panose="020B0502040204020203" pitchFamily="34" charset="0"/>
-              </a:rPr>
-              <a:t>mỗi</a:t>
-            </a:r>
-            <a:r>
-              <a:rPr lang="en-US" sz="2667" b="1" dirty="0">
-                <a:latin typeface="Segoe UI" panose="020B0502040204020203" pitchFamily="34" charset="0"/>
-                <a:cs typeface="Segoe UI" panose="020B0502040204020203" pitchFamily="34" charset="0"/>
-              </a:rPr>
-              <a:t> </a:t>
-            </a:r>
-            <a:r>
-              <a:rPr lang="en-US" sz="2667" b="1" dirty="0" err="1">
-                <a:latin typeface="Segoe UI" panose="020B0502040204020203" pitchFamily="34" charset="0"/>
-                <a:cs typeface="Segoe UI" panose="020B0502040204020203" pitchFamily="34" charset="0"/>
-              </a:rPr>
-              <a:t>lần</a:t>
-            </a:r>
-            <a:r>
-              <a:rPr lang="en-US" sz="2667" b="1" dirty="0">
-                <a:latin typeface="Segoe UI" panose="020B0502040204020203" pitchFamily="34" charset="0"/>
-                <a:cs typeface="Segoe UI" panose="020B0502040204020203" pitchFamily="34" charset="0"/>
-              </a:rPr>
-              <a:t> </a:t>
-            </a:r>
-            <a:r>
-              <a:rPr lang="en-US" sz="2667" b="1" dirty="0" err="1">
-                <a:latin typeface="Segoe UI" panose="020B0502040204020203" pitchFamily="34" charset="0"/>
-                <a:cs typeface="Segoe UI" panose="020B0502040204020203" pitchFamily="34" charset="0"/>
-              </a:rPr>
-              <a:t>dịch</a:t>
-            </a:r>
-            <a:r>
-              <a:rPr lang="en-US" sz="2667" b="1" dirty="0">
-                <a:latin typeface="Segoe UI" panose="020B0502040204020203" pitchFamily="34" charset="0"/>
-                <a:cs typeface="Segoe UI" panose="020B0502040204020203" pitchFamily="34" charset="0"/>
-              </a:rPr>
-              <a:t>.</a:t>
-            </a:r>
-          </a:p>
-          <a:p>
-            <a:pPr marL="457189" indent="-457189">
-              <a:buFont typeface="Wingdings" pitchFamily="2" charset="2"/>
-              <a:buChar char="Ø"/>
-            </a:pPr>
-            <a:r>
-              <a:rPr lang="en-US" sz="2667" b="1" dirty="0" err="1">
-                <a:latin typeface="Segoe UI" panose="020B0502040204020203" pitchFamily="34" charset="0"/>
-                <a:cs typeface="Segoe UI" panose="020B0502040204020203" pitchFamily="34" charset="0"/>
-              </a:rPr>
-              <a:t>Tối</a:t>
-            </a:r>
-            <a:r>
-              <a:rPr lang="en-US" sz="2667" b="1" dirty="0">
-                <a:latin typeface="Segoe UI" panose="020B0502040204020203" pitchFamily="34" charset="0"/>
-                <a:cs typeface="Segoe UI" panose="020B0502040204020203" pitchFamily="34" charset="0"/>
-              </a:rPr>
-              <a:t> </a:t>
-            </a:r>
-            <a:r>
-              <a:rPr lang="en-US" sz="2667" b="1" dirty="0" err="1">
-                <a:latin typeface="Segoe UI" panose="020B0502040204020203" pitchFamily="34" charset="0"/>
-                <a:cs typeface="Segoe UI" panose="020B0502040204020203" pitchFamily="34" charset="0"/>
-              </a:rPr>
-              <a:t>đa</a:t>
-            </a:r>
-            <a:r>
-              <a:rPr lang="en-US" sz="2667" b="1" dirty="0">
-                <a:latin typeface="Segoe UI" panose="020B0502040204020203" pitchFamily="34" charset="0"/>
-                <a:cs typeface="Segoe UI" panose="020B0502040204020203" pitchFamily="34" charset="0"/>
-              </a:rPr>
-              <a:t> 2000 </a:t>
-            </a:r>
-            <a:r>
-              <a:rPr lang="en-US" sz="2667" b="1" dirty="0" err="1">
-                <a:latin typeface="Segoe UI" panose="020B0502040204020203" pitchFamily="34" charset="0"/>
-                <a:cs typeface="Segoe UI" panose="020B0502040204020203" pitchFamily="34" charset="0"/>
-              </a:rPr>
-              <a:t>từ</a:t>
-            </a:r>
-            <a:r>
-              <a:rPr lang="en-US" sz="2667" b="1" dirty="0">
-                <a:latin typeface="Segoe UI" panose="020B0502040204020203" pitchFamily="34" charset="0"/>
-                <a:cs typeface="Segoe UI" panose="020B0502040204020203" pitchFamily="34" charset="0"/>
-              </a:rPr>
-              <a:t> </a:t>
-            </a:r>
-            <a:r>
-              <a:rPr lang="en-US" sz="2667" b="1" dirty="0" err="1">
-                <a:latin typeface="Segoe UI" panose="020B0502040204020203" pitchFamily="34" charset="0"/>
-                <a:cs typeface="Segoe UI" panose="020B0502040204020203" pitchFamily="34" charset="0"/>
-              </a:rPr>
-              <a:t>mỗi</a:t>
-            </a:r>
-            <a:r>
-              <a:rPr lang="en-US" sz="2667" b="1" dirty="0">
-                <a:latin typeface="Segoe UI" panose="020B0502040204020203" pitchFamily="34" charset="0"/>
-                <a:cs typeface="Segoe UI" panose="020B0502040204020203" pitchFamily="34" charset="0"/>
-              </a:rPr>
-              <a:t> </a:t>
-            </a:r>
-            <a:r>
-              <a:rPr lang="en-US" sz="2667" b="1" dirty="0" err="1">
-                <a:latin typeface="Segoe UI" panose="020B0502040204020203" pitchFamily="34" charset="0"/>
-                <a:cs typeface="Segoe UI" panose="020B0502040204020203" pitchFamily="34" charset="0"/>
-              </a:rPr>
-              <a:t>ngày</a:t>
-            </a:r>
-            <a:r>
-              <a:rPr lang="en-US" sz="2667" b="1" dirty="0">
-                <a:latin typeface="Segoe UI" panose="020B0502040204020203" pitchFamily="34" charset="0"/>
-                <a:cs typeface="Segoe UI" panose="020B0502040204020203" pitchFamily="34" charset="0"/>
-              </a:rPr>
-              <a:t>.</a:t>
-            </a:r>
-          </a:p>
-          <a:p>
-            <a:pPr marL="457189" indent="-457189">
-              <a:buFont typeface="Wingdings" pitchFamily="2" charset="2"/>
-              <a:buChar char="Ø"/>
-            </a:pPr>
-            <a:r>
-              <a:rPr lang="en-US" sz="2667" b="1" dirty="0" err="1">
-                <a:latin typeface="Segoe UI" panose="020B0502040204020203" pitchFamily="34" charset="0"/>
-                <a:cs typeface="Segoe UI" panose="020B0502040204020203" pitchFamily="34" charset="0"/>
-              </a:rPr>
-              <a:t>Cần</a:t>
-            </a:r>
-            <a:r>
-              <a:rPr lang="en-US" sz="2667" b="1" dirty="0">
-                <a:latin typeface="Segoe UI" panose="020B0502040204020203" pitchFamily="34" charset="0"/>
-                <a:cs typeface="Segoe UI" panose="020B0502040204020203" pitchFamily="34" charset="0"/>
-              </a:rPr>
-              <a:t> </a:t>
-            </a:r>
-            <a:r>
-              <a:rPr lang="en-US" sz="2667" b="1" dirty="0" err="1">
-                <a:latin typeface="Segoe UI" panose="020B0502040204020203" pitchFamily="34" charset="0"/>
-                <a:cs typeface="Segoe UI" panose="020B0502040204020203" pitchFamily="34" charset="0"/>
-              </a:rPr>
-              <a:t>phải</a:t>
-            </a:r>
-            <a:r>
-              <a:rPr lang="en-US" sz="2667" b="1" dirty="0">
-                <a:latin typeface="Segoe UI" panose="020B0502040204020203" pitchFamily="34" charset="0"/>
-                <a:cs typeface="Segoe UI" panose="020B0502040204020203" pitchFamily="34" charset="0"/>
-              </a:rPr>
-              <a:t> </a:t>
-            </a:r>
-            <a:r>
-              <a:rPr lang="en-US" sz="2667" b="1" dirty="0" err="1">
-                <a:latin typeface="Segoe UI" panose="020B0502040204020203" pitchFamily="34" charset="0"/>
-                <a:cs typeface="Segoe UI" panose="020B0502040204020203" pitchFamily="34" charset="0"/>
-              </a:rPr>
-              <a:t>ấn</a:t>
-            </a:r>
-            <a:r>
-              <a:rPr lang="en-US" sz="2667" b="1" dirty="0">
-                <a:latin typeface="Segoe UI" panose="020B0502040204020203" pitchFamily="34" charset="0"/>
-                <a:cs typeface="Segoe UI" panose="020B0502040204020203" pitchFamily="34" charset="0"/>
-              </a:rPr>
-              <a:t> </a:t>
-            </a:r>
-            <a:r>
-              <a:rPr lang="en-US" sz="2667" b="1" dirty="0" err="1">
-                <a:latin typeface="Segoe UI" panose="020B0502040204020203" pitchFamily="34" charset="0"/>
-                <a:cs typeface="Segoe UI" panose="020B0502040204020203" pitchFamily="34" charset="0"/>
-              </a:rPr>
-              <a:t>nút</a:t>
-            </a:r>
-            <a:r>
-              <a:rPr lang="en-US" sz="2667" b="1" dirty="0">
-                <a:latin typeface="Segoe UI" panose="020B0502040204020203" pitchFamily="34" charset="0"/>
-                <a:cs typeface="Segoe UI" panose="020B0502040204020203" pitchFamily="34" charset="0"/>
-              </a:rPr>
-              <a:t> </a:t>
-            </a:r>
-            <a:r>
-              <a:rPr lang="en-US" sz="2667" b="1" dirty="0" err="1">
-                <a:latin typeface="Segoe UI" panose="020B0502040204020203" pitchFamily="34" charset="0"/>
-                <a:cs typeface="Segoe UI" panose="020B0502040204020203" pitchFamily="34" charset="0"/>
-              </a:rPr>
-              <a:t>để</a:t>
-            </a:r>
-            <a:r>
-              <a:rPr lang="en-US" sz="2667" b="1" dirty="0">
-                <a:latin typeface="Segoe UI" panose="020B0502040204020203" pitchFamily="34" charset="0"/>
-                <a:cs typeface="Segoe UI" panose="020B0502040204020203" pitchFamily="34" charset="0"/>
-              </a:rPr>
-              <a:t> </a:t>
-            </a:r>
-            <a:r>
-              <a:rPr lang="en-US" sz="2667" b="1" dirty="0" err="1">
-                <a:latin typeface="Segoe UI" panose="020B0502040204020203" pitchFamily="34" charset="0"/>
-                <a:cs typeface="Segoe UI" panose="020B0502040204020203" pitchFamily="34" charset="0"/>
-              </a:rPr>
-              <a:t>dịch</a:t>
-            </a:r>
-            <a:r>
-              <a:rPr lang="en-US" sz="2667" b="1" dirty="0">
-                <a:latin typeface="Segoe UI" panose="020B0502040204020203" pitchFamily="34" charset="0"/>
-                <a:cs typeface="Segoe UI" panose="020B0502040204020203" pitchFamily="34" charset="0"/>
-              </a:rPr>
-              <a:t>.</a:t>
-            </a:r>
+            <a:pPr algn="ctr"/>
+            <a:r>
+              <a:rPr lang="vi-VN" dirty="0"/>
+              <a:t>Google Translate</a:t>
+            </a:r>
+            <a:endParaRPr dirty="0"/>
           </a:p>
         </p:txBody>
       </p:sp>
       <p:pic>
         <p:nvPicPr>
-          <p:cNvPr id="6" name="Picture 5" descr="A screenshot of a cell phone&#10;&#10;Description automatically generated">
+          <p:cNvPr id="4" name="Picture 3" descr="A screenshot of a cell phone&#10;&#10;Description automatically generated">
             <a:extLst>
               <a:ext uri="{FF2B5EF4-FFF2-40B4-BE49-F238E27FC236}">
-                <a16:creationId xmlns:a16="http://schemas.microsoft.com/office/drawing/2014/main" id="{2E34A8B1-637C-6446-89D8-1A61210D29F2}"/>
+                <a16:creationId xmlns:a16="http://schemas.microsoft.com/office/drawing/2014/main" id="{E210F442-4A23-0F49-9D5C-BB40B850E6F5}"/>
               </a:ext>
             </a:extLst>
           </p:cNvPr>
@@ -33769,8 +33552,8 @@
         </p:blipFill>
         <p:spPr>
           <a:xfrm>
-            <a:off x="588475" y="2631318"/>
-            <a:ext cx="6473228" cy="2595880"/>
+            <a:off x="591493" y="2285939"/>
+            <a:ext cx="5698284" cy="3078175"/>
           </a:xfrm>
           <a:prstGeom prst="rect">
             <a:avLst/>
@@ -33787,7 +33570,7 @@
                     <a:lumOff val="55000"/>
                   </a:schemeClr>
                 </a:gs>
-                <a:gs pos="100000">
+                <a:gs pos="99000">
                   <a:schemeClr val="accent1">
                     <a:lumMod val="45000"/>
                     <a:lumOff val="55000"/>
@@ -33805,10 +33588,358 @@
           </a:ln>
         </p:spPr>
       </p:pic>
+      <p:sp>
+        <p:nvSpPr>
+          <p:cNvPr id="2" name="TextBox 1">
+            <a:extLst>
+              <a:ext uri="{FF2B5EF4-FFF2-40B4-BE49-F238E27FC236}">
+                <a16:creationId xmlns:a16="http://schemas.microsoft.com/office/drawing/2014/main" id="{909CD7C2-292B-F84D-9DFB-79C23F863489}"/>
+              </a:ext>
+            </a:extLst>
+          </p:cNvPr>
+          <p:cNvSpPr txBox="1"/>
+          <p:nvPr/>
+        </p:nvSpPr>
+        <p:spPr>
+          <a:xfrm>
+            <a:off x="6096000" y="2148690"/>
+            <a:ext cx="5504507" cy="3078175"/>
+          </a:xfrm>
+          <a:prstGeom prst="rect">
+            <a:avLst/>
+          </a:prstGeom>
+          <a:noFill/>
+          <a:ln>
+            <a:noFill/>
+          </a:ln>
+        </p:spPr>
+        <p:txBody>
+          <a:bodyPr spcFirstLastPara="1" vert="horz" wrap="square" lIns="365760" tIns="243840" rIns="365760" bIns="243840" rtlCol="0" anchor="ctr" anchorCtr="1">
+            <a:normAutofit/>
+          </a:bodyPr>
+          <a:lstStyle/>
+          <a:p>
+            <a:pPr marL="457189" indent="-457189">
+              <a:buFont typeface="Wingdings" pitchFamily="2" charset="2"/>
+              <a:buChar char="Ø"/>
+            </a:pPr>
+            <a:r>
+              <a:rPr lang="en-US" sz="2667" b="1" dirty="0" err="1">
+                <a:latin typeface="Segoe UI" panose="020B0502040204020203" pitchFamily="34" charset="0"/>
+                <a:cs typeface="Segoe UI" panose="020B0502040204020203" pitchFamily="34" charset="0"/>
+              </a:rPr>
+              <a:t>Giới</a:t>
+            </a:r>
+            <a:r>
+              <a:rPr lang="en-US" sz="2667" b="1" dirty="0">
+                <a:latin typeface="Segoe UI" panose="020B0502040204020203" pitchFamily="34" charset="0"/>
+                <a:cs typeface="Segoe UI" panose="020B0502040204020203" pitchFamily="34" charset="0"/>
+              </a:rPr>
+              <a:t> </a:t>
+            </a:r>
+            <a:r>
+              <a:rPr lang="en-US" sz="2667" b="1" dirty="0" err="1">
+                <a:latin typeface="Segoe UI" panose="020B0502040204020203" pitchFamily="34" charset="0"/>
+                <a:cs typeface="Segoe UI" panose="020B0502040204020203" pitchFamily="34" charset="0"/>
+              </a:rPr>
+              <a:t>hạn</a:t>
+            </a:r>
+            <a:r>
+              <a:rPr lang="en-US" sz="2667" b="1" dirty="0">
+                <a:latin typeface="Segoe UI" panose="020B0502040204020203" pitchFamily="34" charset="0"/>
+                <a:cs typeface="Segoe UI" panose="020B0502040204020203" pitchFamily="34" charset="0"/>
+              </a:rPr>
+              <a:t> </a:t>
+            </a:r>
+            <a:r>
+              <a:rPr lang="en-US" sz="2667" b="1" dirty="0" err="1">
+                <a:latin typeface="Segoe UI" panose="020B0502040204020203" pitchFamily="34" charset="0"/>
+                <a:cs typeface="Segoe UI" panose="020B0502040204020203" pitchFamily="34" charset="0"/>
+              </a:rPr>
+              <a:t>tối</a:t>
+            </a:r>
+            <a:r>
+              <a:rPr lang="en-US" sz="2667" b="1" dirty="0">
+                <a:latin typeface="Segoe UI" panose="020B0502040204020203" pitchFamily="34" charset="0"/>
+                <a:cs typeface="Segoe UI" panose="020B0502040204020203" pitchFamily="34" charset="0"/>
+              </a:rPr>
+              <a:t> </a:t>
+            </a:r>
+            <a:r>
+              <a:rPr lang="en-US" sz="2667" b="1" dirty="0" err="1">
+                <a:latin typeface="Segoe UI" panose="020B0502040204020203" pitchFamily="34" charset="0"/>
+                <a:cs typeface="Segoe UI" panose="020B0502040204020203" pitchFamily="34" charset="0"/>
+              </a:rPr>
+              <a:t>đa</a:t>
+            </a:r>
+            <a:r>
+              <a:rPr lang="en-US" sz="2667" b="1" dirty="0">
+                <a:latin typeface="Segoe UI" panose="020B0502040204020203" pitchFamily="34" charset="0"/>
+                <a:cs typeface="Segoe UI" panose="020B0502040204020203" pitchFamily="34" charset="0"/>
+              </a:rPr>
+              <a:t> 5000 </a:t>
+            </a:r>
+            <a:r>
+              <a:rPr lang="en-US" sz="2667" b="1" dirty="0" err="1">
+                <a:latin typeface="Segoe UI" panose="020B0502040204020203" pitchFamily="34" charset="0"/>
+                <a:cs typeface="Segoe UI" panose="020B0502040204020203" pitchFamily="34" charset="0"/>
+              </a:rPr>
+              <a:t>kí</a:t>
+            </a:r>
+            <a:r>
+              <a:rPr lang="en-US" sz="2667" b="1" dirty="0">
+                <a:latin typeface="Segoe UI" panose="020B0502040204020203" pitchFamily="34" charset="0"/>
+                <a:cs typeface="Segoe UI" panose="020B0502040204020203" pitchFamily="34" charset="0"/>
+              </a:rPr>
+              <a:t> </a:t>
+            </a:r>
+            <a:r>
+              <a:rPr lang="en-US" sz="2667" b="1" dirty="0" err="1">
+                <a:latin typeface="Segoe UI" panose="020B0502040204020203" pitchFamily="34" charset="0"/>
+                <a:cs typeface="Segoe UI" panose="020B0502040204020203" pitchFamily="34" charset="0"/>
+              </a:rPr>
+              <a:t>tự</a:t>
+            </a:r>
+            <a:r>
+              <a:rPr lang="en-US" sz="2667" b="1" dirty="0">
+                <a:latin typeface="Segoe UI" panose="020B0502040204020203" pitchFamily="34" charset="0"/>
+                <a:cs typeface="Segoe UI" panose="020B0502040204020203" pitchFamily="34" charset="0"/>
+              </a:rPr>
+              <a:t> </a:t>
+            </a:r>
+            <a:r>
+              <a:rPr lang="en-US" sz="2667" b="1" dirty="0" err="1">
+                <a:latin typeface="Segoe UI" panose="020B0502040204020203" pitchFamily="34" charset="0"/>
+                <a:cs typeface="Segoe UI" panose="020B0502040204020203" pitchFamily="34" charset="0"/>
+              </a:rPr>
+              <a:t>cho</a:t>
+            </a:r>
+            <a:r>
+              <a:rPr lang="en-US" sz="2667" b="1" dirty="0">
+                <a:latin typeface="Segoe UI" panose="020B0502040204020203" pitchFamily="34" charset="0"/>
+                <a:cs typeface="Segoe UI" panose="020B0502040204020203" pitchFamily="34" charset="0"/>
+              </a:rPr>
+              <a:t> </a:t>
+            </a:r>
+            <a:r>
+              <a:rPr lang="en-US" sz="2667" b="1" dirty="0" err="1">
+                <a:latin typeface="Segoe UI" panose="020B0502040204020203" pitchFamily="34" charset="0"/>
+                <a:cs typeface="Segoe UI" panose="020B0502040204020203" pitchFamily="34" charset="0"/>
+              </a:rPr>
+              <a:t>mỗi</a:t>
+            </a:r>
+            <a:r>
+              <a:rPr lang="en-US" sz="2667" b="1" dirty="0">
+                <a:latin typeface="Segoe UI" panose="020B0502040204020203" pitchFamily="34" charset="0"/>
+                <a:cs typeface="Segoe UI" panose="020B0502040204020203" pitchFamily="34" charset="0"/>
+              </a:rPr>
+              <a:t> </a:t>
+            </a:r>
+            <a:r>
+              <a:rPr lang="en-US" sz="2667" b="1" dirty="0" err="1">
+                <a:latin typeface="Segoe UI" panose="020B0502040204020203" pitchFamily="34" charset="0"/>
+                <a:cs typeface="Segoe UI" panose="020B0502040204020203" pitchFamily="34" charset="0"/>
+              </a:rPr>
+              <a:t>lần</a:t>
+            </a:r>
+            <a:r>
+              <a:rPr lang="en-US" sz="2667" b="1" dirty="0">
+                <a:latin typeface="Segoe UI" panose="020B0502040204020203" pitchFamily="34" charset="0"/>
+                <a:cs typeface="Segoe UI" panose="020B0502040204020203" pitchFamily="34" charset="0"/>
+              </a:rPr>
+              <a:t> </a:t>
+            </a:r>
+            <a:r>
+              <a:rPr lang="en-US" sz="2667" b="1" dirty="0" err="1">
+                <a:latin typeface="Segoe UI" panose="020B0502040204020203" pitchFamily="34" charset="0"/>
+                <a:cs typeface="Segoe UI" panose="020B0502040204020203" pitchFamily="34" charset="0"/>
+              </a:rPr>
+              <a:t>dịch</a:t>
+            </a:r>
+            <a:r>
+              <a:rPr lang="en-US" sz="2667" b="1" dirty="0">
+                <a:latin typeface="Segoe UI" panose="020B0502040204020203" pitchFamily="34" charset="0"/>
+                <a:cs typeface="Segoe UI" panose="020B0502040204020203" pitchFamily="34" charset="0"/>
+              </a:rPr>
+              <a:t>.</a:t>
+            </a:r>
+          </a:p>
+          <a:p>
+            <a:pPr marL="457189" indent="-457189">
+              <a:buFont typeface="Wingdings" pitchFamily="2" charset="2"/>
+              <a:buChar char="Ø"/>
+            </a:pPr>
+            <a:r>
+              <a:rPr lang="en-US" sz="2667" b="1" dirty="0" err="1">
+                <a:latin typeface="Segoe UI" panose="020B0502040204020203" pitchFamily="34" charset="0"/>
+                <a:cs typeface="Segoe UI" panose="020B0502040204020203" pitchFamily="34" charset="0"/>
+              </a:rPr>
+              <a:t>Cắt</a:t>
+            </a:r>
+            <a:r>
+              <a:rPr lang="en-US" sz="2667" b="1" dirty="0">
+                <a:latin typeface="Segoe UI" panose="020B0502040204020203" pitchFamily="34" charset="0"/>
+                <a:cs typeface="Segoe UI" panose="020B0502040204020203" pitchFamily="34" charset="0"/>
+              </a:rPr>
+              <a:t> </a:t>
+            </a:r>
+            <a:r>
+              <a:rPr lang="en-US" sz="2667" b="1" dirty="0" err="1">
+                <a:latin typeface="Segoe UI" panose="020B0502040204020203" pitchFamily="34" charset="0"/>
+                <a:cs typeface="Segoe UI" panose="020B0502040204020203" pitchFamily="34" charset="0"/>
+              </a:rPr>
+              <a:t>đoạn</a:t>
+            </a:r>
+            <a:r>
+              <a:rPr lang="en-US" sz="2667" b="1" dirty="0">
+                <a:latin typeface="Segoe UI" panose="020B0502040204020203" pitchFamily="34" charset="0"/>
+                <a:cs typeface="Segoe UI" panose="020B0502040204020203" pitchFamily="34" charset="0"/>
+              </a:rPr>
+              <a:t> </a:t>
+            </a:r>
+            <a:r>
+              <a:rPr lang="en-US" sz="2667" b="1" dirty="0" err="1">
+                <a:latin typeface="Segoe UI" panose="020B0502040204020203" pitchFamily="34" charset="0"/>
+                <a:cs typeface="Segoe UI" panose="020B0502040204020203" pitchFamily="34" charset="0"/>
+              </a:rPr>
+              <a:t>để</a:t>
+            </a:r>
+            <a:r>
+              <a:rPr lang="en-US" sz="2667" b="1" dirty="0">
+                <a:latin typeface="Segoe UI" panose="020B0502040204020203" pitchFamily="34" charset="0"/>
+                <a:cs typeface="Segoe UI" panose="020B0502040204020203" pitchFamily="34" charset="0"/>
+              </a:rPr>
+              <a:t> </a:t>
+            </a:r>
+            <a:r>
+              <a:rPr lang="en-US" sz="2667" b="1" dirty="0" err="1">
+                <a:latin typeface="Segoe UI" panose="020B0502040204020203" pitchFamily="34" charset="0"/>
+                <a:cs typeface="Segoe UI" panose="020B0502040204020203" pitchFamily="34" charset="0"/>
+              </a:rPr>
+              <a:t>dịch</a:t>
+            </a:r>
+            <a:r>
+              <a:rPr lang="en-US" sz="2667" b="1" dirty="0">
+                <a:latin typeface="Segoe UI" panose="020B0502040204020203" pitchFamily="34" charset="0"/>
+                <a:cs typeface="Segoe UI" panose="020B0502040204020203" pitchFamily="34" charset="0"/>
+              </a:rPr>
+              <a:t> </a:t>
+            </a:r>
+            <a:r>
+              <a:rPr lang="en-US" sz="2667" b="1" dirty="0" err="1">
+                <a:latin typeface="Segoe UI" panose="020B0502040204020203" pitchFamily="34" charset="0"/>
+                <a:cs typeface="Segoe UI" panose="020B0502040204020203" pitchFamily="34" charset="0"/>
+              </a:rPr>
+              <a:t>đoạn</a:t>
+            </a:r>
+            <a:r>
+              <a:rPr lang="en-US" sz="2667" b="1" dirty="0">
+                <a:latin typeface="Segoe UI" panose="020B0502040204020203" pitchFamily="34" charset="0"/>
+                <a:cs typeface="Segoe UI" panose="020B0502040204020203" pitchFamily="34" charset="0"/>
+              </a:rPr>
+              <a:t> </a:t>
+            </a:r>
+            <a:r>
+              <a:rPr lang="en-US" sz="2667" b="1" dirty="0" err="1">
+                <a:latin typeface="Segoe UI" panose="020B0502040204020203" pitchFamily="34" charset="0"/>
+                <a:cs typeface="Segoe UI" panose="020B0502040204020203" pitchFamily="34" charset="0"/>
+              </a:rPr>
+              <a:t>sau</a:t>
+            </a:r>
+            <a:r>
+              <a:rPr lang="en-US" sz="2667" b="1" dirty="0">
+                <a:latin typeface="Segoe UI" panose="020B0502040204020203" pitchFamily="34" charset="0"/>
+                <a:cs typeface="Segoe UI" panose="020B0502040204020203" pitchFamily="34" charset="0"/>
+              </a:rPr>
+              <a:t> 5000 </a:t>
+            </a:r>
+            <a:r>
+              <a:rPr lang="en-US" sz="2667" b="1" dirty="0" err="1">
+                <a:latin typeface="Segoe UI" panose="020B0502040204020203" pitchFamily="34" charset="0"/>
+                <a:cs typeface="Segoe UI" panose="020B0502040204020203" pitchFamily="34" charset="0"/>
+              </a:rPr>
+              <a:t>kí</a:t>
+            </a:r>
+            <a:r>
+              <a:rPr lang="en-US" sz="2667" b="1" dirty="0">
+                <a:latin typeface="Segoe UI" panose="020B0502040204020203" pitchFamily="34" charset="0"/>
+                <a:cs typeface="Segoe UI" panose="020B0502040204020203" pitchFamily="34" charset="0"/>
+              </a:rPr>
+              <a:t> </a:t>
+            </a:r>
+            <a:r>
+              <a:rPr lang="en-US" sz="2667" b="1" dirty="0" err="1">
+                <a:latin typeface="Segoe UI" panose="020B0502040204020203" pitchFamily="34" charset="0"/>
+                <a:cs typeface="Segoe UI" panose="020B0502040204020203" pitchFamily="34" charset="0"/>
+              </a:rPr>
+              <a:t>tự</a:t>
+            </a:r>
+            <a:r>
+              <a:rPr lang="en-US" sz="2667" b="1" dirty="0">
+                <a:latin typeface="Segoe UI" panose="020B0502040204020203" pitchFamily="34" charset="0"/>
+                <a:cs typeface="Segoe UI" panose="020B0502040204020203" pitchFamily="34" charset="0"/>
+              </a:rPr>
+              <a:t> </a:t>
+            </a:r>
+            <a:r>
+              <a:rPr lang="en-US" sz="2667" b="1" dirty="0" err="1">
+                <a:latin typeface="Segoe UI" panose="020B0502040204020203" pitchFamily="34" charset="0"/>
+                <a:cs typeface="Segoe UI" panose="020B0502040204020203" pitchFamily="34" charset="0"/>
+              </a:rPr>
+              <a:t>không</a:t>
+            </a:r>
+            <a:r>
+              <a:rPr lang="en-US" sz="2667" b="1" dirty="0">
+                <a:latin typeface="Segoe UI" panose="020B0502040204020203" pitchFamily="34" charset="0"/>
+                <a:cs typeface="Segoe UI" panose="020B0502040204020203" pitchFamily="34" charset="0"/>
+              </a:rPr>
+              <a:t> </a:t>
+            </a:r>
+            <a:r>
+              <a:rPr lang="en-US" sz="2667" b="1" dirty="0" err="1">
+                <a:latin typeface="Segoe UI" panose="020B0502040204020203" pitchFamily="34" charset="0"/>
+                <a:cs typeface="Segoe UI" panose="020B0502040204020203" pitchFamily="34" charset="0"/>
+              </a:rPr>
+              <a:t>hợp</a:t>
+            </a:r>
+            <a:r>
+              <a:rPr lang="en-US" sz="2667" b="1" dirty="0">
+                <a:latin typeface="Segoe UI" panose="020B0502040204020203" pitchFamily="34" charset="0"/>
+                <a:cs typeface="Segoe UI" panose="020B0502040204020203" pitchFamily="34" charset="0"/>
+              </a:rPr>
+              <a:t> </a:t>
+            </a:r>
+            <a:r>
+              <a:rPr lang="en-US" sz="2667" b="1" dirty="0" err="1">
+                <a:latin typeface="Segoe UI" panose="020B0502040204020203" pitchFamily="34" charset="0"/>
+                <a:cs typeface="Segoe UI" panose="020B0502040204020203" pitchFamily="34" charset="0"/>
+              </a:rPr>
+              <a:t>lí</a:t>
+            </a:r>
+            <a:r>
+              <a:rPr lang="en-US" sz="2667" b="1" dirty="0">
+                <a:latin typeface="Segoe UI" panose="020B0502040204020203" pitchFamily="34" charset="0"/>
+                <a:cs typeface="Segoe UI" panose="020B0502040204020203" pitchFamily="34" charset="0"/>
+              </a:rPr>
+              <a:t>.</a:t>
+            </a:r>
+          </a:p>
+          <a:p>
+            <a:pPr marL="457189" indent="-457189">
+              <a:buFont typeface="Wingdings" pitchFamily="2" charset="2"/>
+              <a:buChar char="Ø"/>
+            </a:pPr>
+            <a:endParaRPr lang="en-US" sz="2667" b="1" dirty="0">
+              <a:latin typeface="Segoe UI" panose="020B0502040204020203" pitchFamily="34" charset="0"/>
+              <a:cs typeface="Segoe UI" panose="020B0502040204020203" pitchFamily="34" charset="0"/>
+            </a:endParaRPr>
+          </a:p>
+        </p:txBody>
+      </p:sp>
     </p:spTree>
     <p:extLst>
       <p:ext uri="{BB962C8B-B14F-4D97-AF65-F5344CB8AC3E}">
-        <p14:creationId xmlns:p14="http://schemas.microsoft.com/office/powerpoint/2010/main" val="1397029302"/>
+        <p14:creationId xmlns:p14="http://schemas.microsoft.com/office/powerpoint/2010/main" val="2580909302"/>
       </p:ext>
     </p:extLst>
   </p:cSld>
@@ -34029,7 +34160,7 @@
           <p:nvPr>
             <p:extLst>
               <p:ext uri="{D42A27DB-BD31-4B8C-83A1-F6EECF244321}">
-                <p14:modId xmlns:p14="http://schemas.microsoft.com/office/powerpoint/2010/main" val="3347544673"/>
+                <p14:modId xmlns:p14="http://schemas.microsoft.com/office/powerpoint/2010/main" val="634847727"/>
               </p:ext>
             </p:extLst>
           </p:nvPr>

--- a/Tài liệu/Presentation.pptx
+++ b/Tài liệu/Presentation.pptx
@@ -22895,8 +22895,8 @@
         </p:nvSpPr>
         <p:spPr>
           <a:xfrm>
-            <a:off x="5186703" y="4834922"/>
-            <a:ext cx="2338400" cy="1074196"/>
+            <a:off x="4990605" y="4764784"/>
+            <a:ext cx="2604898" cy="1098801"/>
           </a:xfrm>
           <a:prstGeom prst="rect">
             <a:avLst/>
@@ -22910,44 +22910,64 @@
           <a:p>
             <a:pPr marL="0" indent="0"/>
             <a:r>
-              <a:rPr lang="en" sz="2400" dirty="0" err="1"/>
-              <a:t>Nâng</a:t>
-            </a:r>
-            <a:r>
-              <a:rPr lang="en" sz="2400" dirty="0"/>
+              <a:rPr lang="en-US" sz="2400" dirty="0" err="1"/>
+              <a:t>Không</a:t>
+            </a:r>
+            <a:r>
+              <a:rPr lang="en-US" sz="2400" dirty="0"/>
               <a:t> </a:t>
             </a:r>
             <a:r>
-              <a:rPr lang="en" sz="2400" dirty="0" err="1"/>
-              <a:t>cao</a:t>
-            </a:r>
-            <a:r>
-              <a:rPr lang="en" sz="2400" dirty="0"/>
+              <a:rPr lang="en-US" sz="2400" dirty="0" err="1"/>
+              <a:t>giới</a:t>
+            </a:r>
+            <a:r>
+              <a:rPr lang="en-US" sz="2400" dirty="0"/>
               <a:t> </a:t>
             </a:r>
             <a:r>
-              <a:rPr lang="en" sz="2400" dirty="0" err="1"/>
-              <a:t>trình</a:t>
-            </a:r>
-            <a:r>
-              <a:rPr lang="en" sz="2400" dirty="0"/>
+              <a:rPr lang="en-US" sz="2400" dirty="0" err="1"/>
+              <a:t>hạn</a:t>
+            </a:r>
+            <a:r>
+              <a:rPr lang="en-US" sz="2400" dirty="0"/>
               <a:t> </a:t>
             </a:r>
             <a:r>
-              <a:rPr lang="en" sz="2400" dirty="0" err="1"/>
-              <a:t>độ</a:t>
-            </a:r>
-            <a:r>
-              <a:rPr lang="en" sz="2400" dirty="0"/>
+              <a:rPr lang="en-US" sz="2400" dirty="0" err="1"/>
+              <a:t>số</a:t>
+            </a:r>
+            <a:r>
+              <a:rPr lang="en-US" sz="2400" dirty="0"/>
               <a:t> </a:t>
             </a:r>
             <a:r>
-              <a:rPr lang="en" sz="2400" dirty="0" err="1"/>
-              <a:t>tiếng</a:t>
-            </a:r>
-            <a:r>
-              <a:rPr lang="en" sz="2400" dirty="0"/>
-              <a:t> Anh</a:t>
+              <a:rPr lang="en-US" sz="2400" dirty="0" err="1"/>
+              <a:t>lần</a:t>
+            </a:r>
+            <a:r>
+              <a:rPr lang="en-US" sz="2400" dirty="0"/>
+              <a:t> </a:t>
+            </a:r>
+            <a:r>
+              <a:rPr lang="en-US" sz="2400" dirty="0" err="1"/>
+              <a:t>dịch</a:t>
+            </a:r>
+            <a:r>
+              <a:rPr lang="en-US" sz="2400" dirty="0"/>
+              <a:t> </a:t>
+            </a:r>
+            <a:r>
+              <a:rPr lang="en-US" sz="2400" dirty="0" err="1"/>
+              <a:t>trong</a:t>
+            </a:r>
+            <a:r>
+              <a:rPr lang="en-US" sz="2400" dirty="0"/>
+              <a:t> </a:t>
+            </a:r>
+            <a:r>
+              <a:rPr lang="en-US" sz="2400" dirty="0" err="1"/>
+              <a:t>ngày</a:t>
             </a:r>
             <a:endParaRPr sz="2400" dirty="0"/>
           </a:p>
@@ -23108,7 +23128,7 @@
         </p:nvSpPr>
         <p:spPr>
           <a:xfrm>
-            <a:off x="8633935" y="4823056"/>
+            <a:off x="8633935" y="4741736"/>
             <a:ext cx="2608898" cy="932141"/>
           </a:xfrm>
           <a:prstGeom prst="rect">
@@ -23123,32 +23143,40 @@
           <a:p>
             <a:pPr marL="0" indent="0"/>
             <a:r>
-              <a:rPr lang="en" sz="2400" dirty="0" err="1"/>
-              <a:t>Tiết</a:t>
-            </a:r>
-            <a:r>
-              <a:rPr lang="en" sz="2400" dirty="0"/>
+              <a:rPr lang="en-US" sz="2400" dirty="0" err="1"/>
+              <a:t>Có</a:t>
+            </a:r>
+            <a:r>
+              <a:rPr lang="en-US" sz="2400" dirty="0"/>
               <a:t> </a:t>
             </a:r>
             <a:r>
-              <a:rPr lang="en" sz="2400" dirty="0" err="1"/>
-              <a:t>kiệm</a:t>
-            </a:r>
-            <a:r>
-              <a:rPr lang="en" sz="2400" dirty="0"/>
+              <a:rPr lang="en-US" sz="2400" dirty="0" err="1"/>
+              <a:t>thể</a:t>
+            </a:r>
+            <a:r>
+              <a:rPr lang="en-US" sz="2400" dirty="0"/>
               <a:t> </a:t>
             </a:r>
             <a:r>
-              <a:rPr lang="en" sz="2400" dirty="0" err="1"/>
-              <a:t>thời</a:t>
-            </a:r>
-            <a:r>
-              <a:rPr lang="en" sz="2400" dirty="0"/>
-              <a:t> </a:t>
-            </a:r>
-            <a:r>
-              <a:rPr lang="en" sz="2400" dirty="0" err="1"/>
-              <a:t>gian</a:t>
+              <a:rPr lang="en-US" sz="2400" dirty="0" err="1"/>
+              <a:t>dịch</a:t>
+            </a:r>
+            <a:r>
+              <a:rPr lang="en-US" sz="2400" dirty="0"/>
+              <a:t> h</a:t>
+            </a:r>
+            <a:r>
+              <a:rPr lang="vi-VN" sz="2400" dirty="0"/>
+              <a:t>ơ</a:t>
+            </a:r>
+            <a:r>
+              <a:rPr lang="en-US" sz="2400" dirty="0"/>
+              <a:t>n 5000 </a:t>
+            </a:r>
+            <a:r>
+              <a:rPr lang="en-US" sz="2400" dirty="0" err="1"/>
+              <a:t>từ</a:t>
             </a:r>
             <a:endParaRPr sz="2400" dirty="0"/>
           </a:p>
